--- a/LearningMaterials/week5/SchNet.pptx
+++ b/LearningMaterials/week5/SchNet.pptx
@@ -6,20 +6,28 @@
   </p:sldMasterIdLst>
   <p:sldIdLst>
     <p:sldId id="256" r:id="rId2"/>
-    <p:sldId id="257" r:id="rId3"/>
-    <p:sldId id="258" r:id="rId4"/>
-    <p:sldId id="259" r:id="rId5"/>
-    <p:sldId id="260" r:id="rId6"/>
-    <p:sldId id="261" r:id="rId7"/>
-    <p:sldId id="262" r:id="rId8"/>
-    <p:sldId id="263" r:id="rId9"/>
-    <p:sldId id="264" r:id="rId10"/>
-    <p:sldId id="265" r:id="rId11"/>
-    <p:sldId id="266" r:id="rId12"/>
-    <p:sldId id="267" r:id="rId13"/>
-    <p:sldId id="268" r:id="rId14"/>
-    <p:sldId id="269" r:id="rId15"/>
-    <p:sldId id="270" r:id="rId16"/>
+    <p:sldId id="272" r:id="rId3"/>
+    <p:sldId id="273" r:id="rId4"/>
+    <p:sldId id="274" r:id="rId5"/>
+    <p:sldId id="275" r:id="rId6"/>
+    <p:sldId id="257" r:id="rId7"/>
+    <p:sldId id="259" r:id="rId8"/>
+    <p:sldId id="260" r:id="rId9"/>
+    <p:sldId id="261" r:id="rId10"/>
+    <p:sldId id="262" r:id="rId11"/>
+    <p:sldId id="263" r:id="rId12"/>
+    <p:sldId id="264" r:id="rId13"/>
+    <p:sldId id="265" r:id="rId14"/>
+    <p:sldId id="266" r:id="rId15"/>
+    <p:sldId id="277" r:id="rId16"/>
+    <p:sldId id="278" r:id="rId17"/>
+    <p:sldId id="280" r:id="rId18"/>
+    <p:sldId id="276" r:id="rId19"/>
+    <p:sldId id="267" r:id="rId20"/>
+    <p:sldId id="268" r:id="rId21"/>
+    <p:sldId id="269" r:id="rId22"/>
+    <p:sldId id="279" r:id="rId23"/>
+    <p:sldId id="270" r:id="rId24"/>
   </p:sldIdLst>
   <p:sldSz cx="9144000" cy="6858000" type="screen4x3"/>
   <p:notesSz cx="6858000" cy="9144000"/>
@@ -257,7 +265,7 @@
           <a:p>
             <a:fld id="{F2D9C37D-25C8-4D08-8DC7-69E4A7457E73}" type="datetimeFigureOut">
               <a:rPr lang="zh-CN" altLang="en-US" smtClean="0"/>
-              <a:t>2021/4/28</a:t>
+              <a:t>2021/4/29</a:t>
             </a:fld>
             <a:endParaRPr lang="zh-CN" altLang="en-US"/>
           </a:p>
@@ -427,7 +435,7 @@
           <a:p>
             <a:fld id="{F2D9C37D-25C8-4D08-8DC7-69E4A7457E73}" type="datetimeFigureOut">
               <a:rPr lang="zh-CN" altLang="en-US" smtClean="0"/>
-              <a:t>2021/4/28</a:t>
+              <a:t>2021/4/29</a:t>
             </a:fld>
             <a:endParaRPr lang="zh-CN" altLang="en-US"/>
           </a:p>
@@ -607,7 +615,7 @@
           <a:p>
             <a:fld id="{F2D9C37D-25C8-4D08-8DC7-69E4A7457E73}" type="datetimeFigureOut">
               <a:rPr lang="zh-CN" altLang="en-US" smtClean="0"/>
-              <a:t>2021/4/28</a:t>
+              <a:t>2021/4/29</a:t>
             </a:fld>
             <a:endParaRPr lang="zh-CN" altLang="en-US"/>
           </a:p>
@@ -777,7 +785,7 @@
           <a:p>
             <a:fld id="{F2D9C37D-25C8-4D08-8DC7-69E4A7457E73}" type="datetimeFigureOut">
               <a:rPr lang="zh-CN" altLang="en-US" smtClean="0"/>
-              <a:t>2021/4/28</a:t>
+              <a:t>2021/4/29</a:t>
             </a:fld>
             <a:endParaRPr lang="zh-CN" altLang="en-US"/>
           </a:p>
@@ -1021,7 +1029,7 @@
           <a:p>
             <a:fld id="{F2D9C37D-25C8-4D08-8DC7-69E4A7457E73}" type="datetimeFigureOut">
               <a:rPr lang="zh-CN" altLang="en-US" smtClean="0"/>
-              <a:t>2021/4/28</a:t>
+              <a:t>2021/4/29</a:t>
             </a:fld>
             <a:endParaRPr lang="zh-CN" altLang="en-US"/>
           </a:p>
@@ -1253,7 +1261,7 @@
           <a:p>
             <a:fld id="{F2D9C37D-25C8-4D08-8DC7-69E4A7457E73}" type="datetimeFigureOut">
               <a:rPr lang="zh-CN" altLang="en-US" smtClean="0"/>
-              <a:t>2021/4/28</a:t>
+              <a:t>2021/4/29</a:t>
             </a:fld>
             <a:endParaRPr lang="zh-CN" altLang="en-US"/>
           </a:p>
@@ -1620,7 +1628,7 @@
           <a:p>
             <a:fld id="{F2D9C37D-25C8-4D08-8DC7-69E4A7457E73}" type="datetimeFigureOut">
               <a:rPr lang="zh-CN" altLang="en-US" smtClean="0"/>
-              <a:t>2021/4/28</a:t>
+              <a:t>2021/4/29</a:t>
             </a:fld>
             <a:endParaRPr lang="zh-CN" altLang="en-US"/>
           </a:p>
@@ -1738,7 +1746,7 @@
           <a:p>
             <a:fld id="{F2D9C37D-25C8-4D08-8DC7-69E4A7457E73}" type="datetimeFigureOut">
               <a:rPr lang="zh-CN" altLang="en-US" smtClean="0"/>
-              <a:t>2021/4/28</a:t>
+              <a:t>2021/4/29</a:t>
             </a:fld>
             <a:endParaRPr lang="zh-CN" altLang="en-US"/>
           </a:p>
@@ -1833,7 +1841,7 @@
           <a:p>
             <a:fld id="{F2D9C37D-25C8-4D08-8DC7-69E4A7457E73}" type="datetimeFigureOut">
               <a:rPr lang="zh-CN" altLang="en-US" smtClean="0"/>
-              <a:t>2021/4/28</a:t>
+              <a:t>2021/4/29</a:t>
             </a:fld>
             <a:endParaRPr lang="zh-CN" altLang="en-US"/>
           </a:p>
@@ -2110,7 +2118,7 @@
           <a:p>
             <a:fld id="{F2D9C37D-25C8-4D08-8DC7-69E4A7457E73}" type="datetimeFigureOut">
               <a:rPr lang="zh-CN" altLang="en-US" smtClean="0"/>
-              <a:t>2021/4/28</a:t>
+              <a:t>2021/4/29</a:t>
             </a:fld>
             <a:endParaRPr lang="zh-CN" altLang="en-US"/>
           </a:p>
@@ -2367,7 +2375,7 @@
           <a:p>
             <a:fld id="{F2D9C37D-25C8-4D08-8DC7-69E4A7457E73}" type="datetimeFigureOut">
               <a:rPr lang="zh-CN" altLang="en-US" smtClean="0"/>
-              <a:t>2021/4/28</a:t>
+              <a:t>2021/4/29</a:t>
             </a:fld>
             <a:endParaRPr lang="zh-CN" altLang="en-US"/>
           </a:p>
@@ -2580,7 +2588,7 @@
           <a:p>
             <a:fld id="{F2D9C37D-25C8-4D08-8DC7-69E4A7457E73}" type="datetimeFigureOut">
               <a:rPr lang="zh-CN" altLang="en-US" smtClean="0"/>
-              <a:t>2021/4/28</a:t>
+              <a:t>2021/4/29</a:t>
             </a:fld>
             <a:endParaRPr lang="zh-CN" altLang="en-US"/>
           </a:p>
@@ -3129,6 +3137,1792 @@
           <p:cNvPr id="2" name="标题 1">
             <a:extLst>
               <a:ext uri="{FF2B5EF4-FFF2-40B4-BE49-F238E27FC236}">
+                <a16:creationId xmlns:a16="http://schemas.microsoft.com/office/drawing/2014/main" id="{71BAAE09-B055-496A-BEC5-A70D5387D5C8}"/>
+              </a:ext>
+            </a:extLst>
+          </p:cNvPr>
+          <p:cNvSpPr>
+            <a:spLocks noGrp="1"/>
+          </p:cNvSpPr>
+          <p:nvPr>
+            <p:ph type="title"/>
+          </p:nvPr>
+        </p:nvSpPr>
+        <p:spPr/>
+        <p:txBody>
+          <a:bodyPr/>
+          <a:lstStyle/>
+          <a:p>
+            <a:r>
+              <a:rPr lang="en-US" altLang="zh-CN" dirty="0" err="1"/>
+              <a:t>SchNet</a:t>
+            </a:r>
+            <a:br>
+              <a:rPr lang="en-US" altLang="zh-CN" dirty="0"/>
+            </a:br>
+            <a:endParaRPr lang="zh-CN" altLang="en-US" dirty="0"/>
+          </a:p>
+        </p:txBody>
+      </p:sp>
+      <p:pic>
+        <p:nvPicPr>
+          <p:cNvPr id="5" name="内容占位符 4">
+            <a:extLst>
+              <a:ext uri="{FF2B5EF4-FFF2-40B4-BE49-F238E27FC236}">
+                <a16:creationId xmlns:a16="http://schemas.microsoft.com/office/drawing/2014/main" id="{1A990A96-C9F1-4475-B6D5-2CF8BCB7B68A}"/>
+              </a:ext>
+            </a:extLst>
+          </p:cNvPr>
+          <p:cNvPicPr>
+            <a:picLocks noGrp="1" noChangeAspect="1"/>
+          </p:cNvPicPr>
+          <p:nvPr>
+            <p:ph idx="1"/>
+          </p:nvPr>
+        </p:nvPicPr>
+        <p:blipFill>
+          <a:blip r:embed="rId2"/>
+          <a:stretch>
+            <a:fillRect/>
+          </a:stretch>
+        </p:blipFill>
+        <p:spPr>
+          <a:xfrm>
+            <a:off x="99320" y="1485498"/>
+            <a:ext cx="8810347" cy="5032376"/>
+          </a:xfrm>
+        </p:spPr>
+      </p:pic>
+      <p:cxnSp>
+        <p:nvCxnSpPr>
+          <p:cNvPr id="18" name="直接箭头连接符 17">
+            <a:extLst>
+              <a:ext uri="{FF2B5EF4-FFF2-40B4-BE49-F238E27FC236}">
+                <a16:creationId xmlns:a16="http://schemas.microsoft.com/office/drawing/2014/main" id="{FD1BA0C0-99AB-4675-A053-04BC3DA0615A}"/>
+              </a:ext>
+            </a:extLst>
+          </p:cNvPr>
+          <p:cNvCxnSpPr>
+            <a:cxnSpLocks/>
+          </p:cNvCxnSpPr>
+          <p:nvPr/>
+        </p:nvCxnSpPr>
+        <p:spPr>
+          <a:xfrm flipV="1">
+            <a:off x="8041064" y="2331786"/>
+            <a:ext cx="405352" cy="116001"/>
+          </a:xfrm>
+          <a:prstGeom prst="straightConnector1">
+            <a:avLst/>
+          </a:prstGeom>
+          <a:ln>
+            <a:solidFill>
+              <a:srgbClr val="FF0000"/>
+            </a:solidFill>
+            <a:tailEnd type="triangle"/>
+          </a:ln>
+        </p:spPr>
+        <p:style>
+          <a:lnRef idx="3">
+            <a:schemeClr val="accent1"/>
+          </a:lnRef>
+          <a:fillRef idx="0">
+            <a:schemeClr val="accent1"/>
+          </a:fillRef>
+          <a:effectRef idx="2">
+            <a:schemeClr val="accent1"/>
+          </a:effectRef>
+          <a:fontRef idx="minor">
+            <a:schemeClr val="tx1"/>
+          </a:fontRef>
+        </p:style>
+      </p:cxnSp>
+      <p:cxnSp>
+        <p:nvCxnSpPr>
+          <p:cNvPr id="22" name="直接箭头连接符 21">
+            <a:extLst>
+              <a:ext uri="{FF2B5EF4-FFF2-40B4-BE49-F238E27FC236}">
+                <a16:creationId xmlns:a16="http://schemas.microsoft.com/office/drawing/2014/main" id="{6A363FFE-6E69-4760-8D69-395771A0EDB7}"/>
+              </a:ext>
+            </a:extLst>
+          </p:cNvPr>
+          <p:cNvCxnSpPr>
+            <a:cxnSpLocks/>
+          </p:cNvCxnSpPr>
+          <p:nvPr/>
+        </p:nvCxnSpPr>
+        <p:spPr>
+          <a:xfrm>
+            <a:off x="8041064" y="2828041"/>
+            <a:ext cx="568554" cy="194455"/>
+          </a:xfrm>
+          <a:prstGeom prst="straightConnector1">
+            <a:avLst/>
+          </a:prstGeom>
+          <a:ln>
+            <a:solidFill>
+              <a:srgbClr val="FF0000"/>
+            </a:solidFill>
+            <a:tailEnd type="triangle"/>
+          </a:ln>
+        </p:spPr>
+        <p:style>
+          <a:lnRef idx="3">
+            <a:schemeClr val="accent1"/>
+          </a:lnRef>
+          <a:fillRef idx="0">
+            <a:schemeClr val="accent1"/>
+          </a:fillRef>
+          <a:effectRef idx="2">
+            <a:schemeClr val="accent1"/>
+          </a:effectRef>
+          <a:fontRef idx="minor">
+            <a:schemeClr val="tx1"/>
+          </a:fontRef>
+        </p:style>
+      </p:cxnSp>
+      <p:cxnSp>
+        <p:nvCxnSpPr>
+          <p:cNvPr id="24" name="直接箭头连接符 23">
+            <a:extLst>
+              <a:ext uri="{FF2B5EF4-FFF2-40B4-BE49-F238E27FC236}">
+                <a16:creationId xmlns:a16="http://schemas.microsoft.com/office/drawing/2014/main" id="{E3EC4BD8-B92E-487F-A59F-40FD340B1541}"/>
+              </a:ext>
+            </a:extLst>
+          </p:cNvPr>
+          <p:cNvCxnSpPr>
+            <a:cxnSpLocks/>
+          </p:cNvCxnSpPr>
+          <p:nvPr/>
+        </p:nvCxnSpPr>
+        <p:spPr>
+          <a:xfrm flipV="1">
+            <a:off x="7992298" y="3089318"/>
+            <a:ext cx="617320" cy="94514"/>
+          </a:xfrm>
+          <a:prstGeom prst="straightConnector1">
+            <a:avLst/>
+          </a:prstGeom>
+          <a:ln>
+            <a:solidFill>
+              <a:srgbClr val="FF0000"/>
+            </a:solidFill>
+            <a:tailEnd type="triangle"/>
+          </a:ln>
+        </p:spPr>
+        <p:style>
+          <a:lnRef idx="3">
+            <a:schemeClr val="accent1"/>
+          </a:lnRef>
+          <a:fillRef idx="0">
+            <a:schemeClr val="accent1"/>
+          </a:fillRef>
+          <a:effectRef idx="2">
+            <a:schemeClr val="accent1"/>
+          </a:effectRef>
+          <a:fontRef idx="minor">
+            <a:schemeClr val="tx1"/>
+          </a:fontRef>
+        </p:style>
+      </p:cxnSp>
+      <p:cxnSp>
+        <p:nvCxnSpPr>
+          <p:cNvPr id="26" name="直接箭头连接符 25">
+            <a:extLst>
+              <a:ext uri="{FF2B5EF4-FFF2-40B4-BE49-F238E27FC236}">
+                <a16:creationId xmlns:a16="http://schemas.microsoft.com/office/drawing/2014/main" id="{DB5818AE-E84A-4EE7-BC5F-3863226CCF09}"/>
+              </a:ext>
+            </a:extLst>
+          </p:cNvPr>
+          <p:cNvCxnSpPr>
+            <a:cxnSpLocks/>
+          </p:cNvCxnSpPr>
+          <p:nvPr/>
+        </p:nvCxnSpPr>
+        <p:spPr>
+          <a:xfrm flipV="1">
+            <a:off x="8041064" y="3183832"/>
+            <a:ext cx="568554" cy="245168"/>
+          </a:xfrm>
+          <a:prstGeom prst="straightConnector1">
+            <a:avLst/>
+          </a:prstGeom>
+          <a:ln>
+            <a:solidFill>
+              <a:srgbClr val="FF0000"/>
+            </a:solidFill>
+            <a:tailEnd type="triangle"/>
+          </a:ln>
+        </p:spPr>
+        <p:style>
+          <a:lnRef idx="3">
+            <a:schemeClr val="accent1"/>
+          </a:lnRef>
+          <a:fillRef idx="0">
+            <a:schemeClr val="accent1"/>
+          </a:fillRef>
+          <a:effectRef idx="2">
+            <a:schemeClr val="accent1"/>
+          </a:effectRef>
+          <a:fontRef idx="minor">
+            <a:schemeClr val="tx1"/>
+          </a:fontRef>
+        </p:style>
+      </p:cxnSp>
+      <p:sp>
+        <p:nvSpPr>
+          <p:cNvPr id="27" name="椭圆 26">
+            <a:extLst>
+              <a:ext uri="{FF2B5EF4-FFF2-40B4-BE49-F238E27FC236}">
+                <a16:creationId xmlns:a16="http://schemas.microsoft.com/office/drawing/2014/main" id="{4227D0CE-3C0A-4EDD-8749-40EA061D9D12}"/>
+              </a:ext>
+            </a:extLst>
+          </p:cNvPr>
+          <p:cNvSpPr/>
+          <p:nvPr/>
+        </p:nvSpPr>
+        <p:spPr>
+          <a:xfrm>
+            <a:off x="8658384" y="2581268"/>
+            <a:ext cx="367555" cy="915902"/>
+          </a:xfrm>
+          <a:prstGeom prst="ellipse">
+            <a:avLst/>
+          </a:prstGeom>
+          <a:solidFill>
+            <a:srgbClr val="0070C0"/>
+          </a:solidFill>
+        </p:spPr>
+        <p:style>
+          <a:lnRef idx="2">
+            <a:schemeClr val="accent1">
+              <a:shade val="50000"/>
+            </a:schemeClr>
+          </a:lnRef>
+          <a:fillRef idx="1">
+            <a:schemeClr val="accent1"/>
+          </a:fillRef>
+          <a:effectRef idx="0">
+            <a:schemeClr val="accent1"/>
+          </a:effectRef>
+          <a:fontRef idx="minor">
+            <a:schemeClr val="lt1"/>
+          </a:fontRef>
+        </p:style>
+        <p:txBody>
+          <a:bodyPr rtlCol="0" anchor="ctr"/>
+          <a:lstStyle/>
+          <a:p>
+            <a:pPr algn="ctr"/>
+            <a:r>
+              <a:rPr lang="zh-CN" altLang="en-US" dirty="0"/>
+              <a:t>光滑的</a:t>
+            </a:r>
+          </a:p>
+        </p:txBody>
+      </p:sp>
+      <p:sp>
+        <p:nvSpPr>
+          <p:cNvPr id="41" name="椭圆 40">
+            <a:extLst>
+              <a:ext uri="{FF2B5EF4-FFF2-40B4-BE49-F238E27FC236}">
+                <a16:creationId xmlns:a16="http://schemas.microsoft.com/office/drawing/2014/main" id="{69F8B464-B6F0-4D30-8BBE-E9A090D3E400}"/>
+              </a:ext>
+            </a:extLst>
+          </p:cNvPr>
+          <p:cNvSpPr/>
+          <p:nvPr/>
+        </p:nvSpPr>
+        <p:spPr>
+          <a:xfrm>
+            <a:off x="8446416" y="1575432"/>
+            <a:ext cx="367555" cy="915902"/>
+          </a:xfrm>
+          <a:prstGeom prst="ellipse">
+            <a:avLst/>
+          </a:prstGeom>
+          <a:solidFill>
+            <a:srgbClr val="0070C0"/>
+          </a:solidFill>
+        </p:spPr>
+        <p:style>
+          <a:lnRef idx="2">
+            <a:schemeClr val="accent1">
+              <a:shade val="50000"/>
+            </a:schemeClr>
+          </a:lnRef>
+          <a:fillRef idx="1">
+            <a:schemeClr val="accent1"/>
+          </a:fillRef>
+          <a:effectRef idx="0">
+            <a:schemeClr val="accent1"/>
+          </a:effectRef>
+          <a:fontRef idx="minor">
+            <a:schemeClr val="lt1"/>
+          </a:fontRef>
+        </p:style>
+        <p:txBody>
+          <a:bodyPr rtlCol="0" anchor="ctr"/>
+          <a:lstStyle/>
+          <a:p>
+            <a:pPr algn="ctr"/>
+            <a:r>
+              <a:rPr lang="zh-CN" altLang="en-US" dirty="0"/>
+              <a:t>连续的</a:t>
+            </a:r>
+          </a:p>
+        </p:txBody>
+      </p:sp>
+      <p:cxnSp>
+        <p:nvCxnSpPr>
+          <p:cNvPr id="51" name="直接箭头连接符 50">
+            <a:extLst>
+              <a:ext uri="{FF2B5EF4-FFF2-40B4-BE49-F238E27FC236}">
+                <a16:creationId xmlns:a16="http://schemas.microsoft.com/office/drawing/2014/main" id="{1210C3DB-27AA-458A-8B07-49291D5861D0}"/>
+              </a:ext>
+            </a:extLst>
+          </p:cNvPr>
+          <p:cNvCxnSpPr>
+            <a:cxnSpLocks/>
+          </p:cNvCxnSpPr>
+          <p:nvPr/>
+        </p:nvCxnSpPr>
+        <p:spPr>
+          <a:xfrm flipV="1">
+            <a:off x="4788816" y="3132431"/>
+            <a:ext cx="3820802" cy="903340"/>
+          </a:xfrm>
+          <a:prstGeom prst="straightConnector1">
+            <a:avLst/>
+          </a:prstGeom>
+          <a:ln>
+            <a:solidFill>
+              <a:srgbClr val="FF0000"/>
+            </a:solidFill>
+            <a:tailEnd type="triangle"/>
+          </a:ln>
+        </p:spPr>
+        <p:style>
+          <a:lnRef idx="3">
+            <a:schemeClr val="accent1"/>
+          </a:lnRef>
+          <a:fillRef idx="0">
+            <a:schemeClr val="accent1"/>
+          </a:fillRef>
+          <a:effectRef idx="2">
+            <a:schemeClr val="accent1"/>
+          </a:effectRef>
+          <a:fontRef idx="minor">
+            <a:schemeClr val="tx1"/>
+          </a:fontRef>
+        </p:style>
+      </p:cxnSp>
+      <p:sp>
+        <p:nvSpPr>
+          <p:cNvPr id="54" name="箭头: 右 53">
+            <a:extLst>
+              <a:ext uri="{FF2B5EF4-FFF2-40B4-BE49-F238E27FC236}">
+                <a16:creationId xmlns:a16="http://schemas.microsoft.com/office/drawing/2014/main" id="{65EB7469-6037-460C-BD27-0285543C88E5}"/>
+              </a:ext>
+            </a:extLst>
+          </p:cNvPr>
+          <p:cNvSpPr/>
+          <p:nvPr/>
+        </p:nvSpPr>
+        <p:spPr>
+          <a:xfrm rot="13362230">
+            <a:off x="6377188" y="1738668"/>
+            <a:ext cx="1282046" cy="235670"/>
+          </a:xfrm>
+          <a:prstGeom prst="rightArrow">
+            <a:avLst/>
+          </a:prstGeom>
+          <a:solidFill>
+            <a:srgbClr val="FF0000">
+              <a:alpha val="58000"/>
+            </a:srgbClr>
+          </a:solidFill>
+          <a:ln>
+            <a:solidFill>
+              <a:srgbClr val="FF0000"/>
+            </a:solidFill>
+          </a:ln>
+        </p:spPr>
+        <p:style>
+          <a:lnRef idx="2">
+            <a:schemeClr val="accent1">
+              <a:shade val="50000"/>
+            </a:schemeClr>
+          </a:lnRef>
+          <a:fillRef idx="1">
+            <a:schemeClr val="accent1"/>
+          </a:fillRef>
+          <a:effectRef idx="0">
+            <a:schemeClr val="accent1"/>
+          </a:effectRef>
+          <a:fontRef idx="minor">
+            <a:schemeClr val="lt1"/>
+          </a:fontRef>
+        </p:style>
+        <p:txBody>
+          <a:bodyPr rtlCol="0" anchor="ctr"/>
+          <a:lstStyle/>
+          <a:p>
+            <a:pPr algn="ctr"/>
+            <a:endParaRPr lang="zh-CN" altLang="en-US"/>
+          </a:p>
+        </p:txBody>
+      </p:sp>
+      <p:sp>
+        <p:nvSpPr>
+          <p:cNvPr id="55" name="椭圆 54">
+            <a:extLst>
+              <a:ext uri="{FF2B5EF4-FFF2-40B4-BE49-F238E27FC236}">
+                <a16:creationId xmlns:a16="http://schemas.microsoft.com/office/drawing/2014/main" id="{7FBDB849-827F-4B47-BD56-313B7A9E8637}"/>
+              </a:ext>
+            </a:extLst>
+          </p:cNvPr>
+          <p:cNvSpPr/>
+          <p:nvPr/>
+        </p:nvSpPr>
+        <p:spPr>
+          <a:xfrm>
+            <a:off x="5817304" y="684853"/>
+            <a:ext cx="1101970" cy="750207"/>
+          </a:xfrm>
+          <a:prstGeom prst="ellipse">
+            <a:avLst/>
+          </a:prstGeom>
+          <a:noFill/>
+          <a:ln w="28575">
+            <a:solidFill>
+              <a:srgbClr val="FF0000"/>
+            </a:solidFill>
+          </a:ln>
+        </p:spPr>
+        <p:style>
+          <a:lnRef idx="2">
+            <a:schemeClr val="accent2">
+              <a:shade val="50000"/>
+            </a:schemeClr>
+          </a:lnRef>
+          <a:fillRef idx="1">
+            <a:schemeClr val="accent2"/>
+          </a:fillRef>
+          <a:effectRef idx="0">
+            <a:schemeClr val="accent2"/>
+          </a:effectRef>
+          <a:fontRef idx="minor">
+            <a:schemeClr val="lt1"/>
+          </a:fontRef>
+        </p:style>
+        <p:txBody>
+          <a:bodyPr lIns="0" rIns="0" rtlCol="0" anchor="ctr"/>
+          <a:lstStyle/>
+          <a:p>
+            <a:pPr algn="ctr"/>
+            <a:r>
+              <a:rPr lang="zh-CN" altLang="en-US" dirty="0">
+                <a:solidFill>
+                  <a:srgbClr val="FF0000"/>
+                </a:solidFill>
+              </a:rPr>
+              <a:t>第</a:t>
+            </a:r>
+            <a:r>
+              <a:rPr lang="en-US" altLang="zh-CN" dirty="0">
+                <a:solidFill>
+                  <a:srgbClr val="FF0000"/>
+                </a:solidFill>
+              </a:rPr>
+              <a:t>12</a:t>
+            </a:r>
+            <a:r>
+              <a:rPr lang="zh-CN" altLang="en-US" dirty="0">
+                <a:solidFill>
+                  <a:srgbClr val="FF0000"/>
+                </a:solidFill>
+              </a:rPr>
+              <a:t>页</a:t>
+            </a:r>
+            <a:endParaRPr lang="en-US" altLang="zh-CN" dirty="0">
+              <a:solidFill>
+                <a:srgbClr val="FF0000"/>
+              </a:solidFill>
+            </a:endParaRPr>
+          </a:p>
+          <a:p>
+            <a:pPr algn="ctr"/>
+            <a:r>
+              <a:rPr lang="en-US" altLang="zh-CN" dirty="0">
+                <a:solidFill>
+                  <a:srgbClr val="FF0000"/>
+                </a:solidFill>
+              </a:rPr>
+              <a:t>step1</a:t>
+            </a:r>
+            <a:endParaRPr lang="zh-CN" altLang="en-US" dirty="0">
+              <a:solidFill>
+                <a:srgbClr val="FF0000"/>
+              </a:solidFill>
+            </a:endParaRPr>
+          </a:p>
+        </p:txBody>
+      </p:sp>
+      <p:sp>
+        <p:nvSpPr>
+          <p:cNvPr id="56" name="箭头: 右 55">
+            <a:extLst>
+              <a:ext uri="{FF2B5EF4-FFF2-40B4-BE49-F238E27FC236}">
+                <a16:creationId xmlns:a16="http://schemas.microsoft.com/office/drawing/2014/main" id="{5BE0B79B-A92F-443E-81FC-E6A84AA4B00E}"/>
+              </a:ext>
+            </a:extLst>
+          </p:cNvPr>
+          <p:cNvSpPr/>
+          <p:nvPr/>
+        </p:nvSpPr>
+        <p:spPr>
+          <a:xfrm rot="9310735">
+            <a:off x="6233913" y="2847204"/>
+            <a:ext cx="930609" cy="285073"/>
+          </a:xfrm>
+          <a:prstGeom prst="rightArrow">
+            <a:avLst/>
+          </a:prstGeom>
+          <a:solidFill>
+            <a:srgbClr val="FF0000">
+              <a:alpha val="58000"/>
+            </a:srgbClr>
+          </a:solidFill>
+          <a:ln>
+            <a:solidFill>
+              <a:srgbClr val="FF0000"/>
+            </a:solidFill>
+          </a:ln>
+        </p:spPr>
+        <p:style>
+          <a:lnRef idx="2">
+            <a:schemeClr val="accent1">
+              <a:shade val="50000"/>
+            </a:schemeClr>
+          </a:lnRef>
+          <a:fillRef idx="1">
+            <a:schemeClr val="accent1"/>
+          </a:fillRef>
+          <a:effectRef idx="0">
+            <a:schemeClr val="accent1"/>
+          </a:effectRef>
+          <a:fontRef idx="minor">
+            <a:schemeClr val="lt1"/>
+          </a:fontRef>
+        </p:style>
+        <p:txBody>
+          <a:bodyPr rtlCol="0" anchor="ctr"/>
+          <a:lstStyle/>
+          <a:p>
+            <a:pPr algn="ctr"/>
+            <a:endParaRPr lang="zh-CN" altLang="en-US"/>
+          </a:p>
+        </p:txBody>
+      </p:sp>
+      <p:sp>
+        <p:nvSpPr>
+          <p:cNvPr id="57" name="椭圆 56">
+            <a:extLst>
+              <a:ext uri="{FF2B5EF4-FFF2-40B4-BE49-F238E27FC236}">
+                <a16:creationId xmlns:a16="http://schemas.microsoft.com/office/drawing/2014/main" id="{06443BCD-C896-4B97-8318-75BEC4016AA4}"/>
+              </a:ext>
+            </a:extLst>
+          </p:cNvPr>
+          <p:cNvSpPr/>
+          <p:nvPr/>
+        </p:nvSpPr>
+        <p:spPr>
+          <a:xfrm>
+            <a:off x="5222046" y="2851430"/>
+            <a:ext cx="1101970" cy="750207"/>
+          </a:xfrm>
+          <a:prstGeom prst="ellipse">
+            <a:avLst/>
+          </a:prstGeom>
+          <a:noFill/>
+          <a:ln w="28575">
+            <a:solidFill>
+              <a:srgbClr val="FF0000"/>
+            </a:solidFill>
+          </a:ln>
+        </p:spPr>
+        <p:style>
+          <a:lnRef idx="2">
+            <a:schemeClr val="accent2">
+              <a:shade val="50000"/>
+            </a:schemeClr>
+          </a:lnRef>
+          <a:fillRef idx="1">
+            <a:schemeClr val="accent2"/>
+          </a:fillRef>
+          <a:effectRef idx="0">
+            <a:schemeClr val="accent2"/>
+          </a:effectRef>
+          <a:fontRef idx="minor">
+            <a:schemeClr val="lt1"/>
+          </a:fontRef>
+        </p:style>
+        <p:txBody>
+          <a:bodyPr lIns="0" rIns="0" rtlCol="0" anchor="ctr"/>
+          <a:lstStyle/>
+          <a:p>
+            <a:pPr algn="ctr"/>
+            <a:r>
+              <a:rPr lang="zh-CN" altLang="en-US" dirty="0">
+                <a:solidFill>
+                  <a:srgbClr val="FF0000"/>
+                </a:solidFill>
+              </a:rPr>
+              <a:t>第</a:t>
+            </a:r>
+            <a:r>
+              <a:rPr lang="en-US" altLang="zh-CN" dirty="0">
+                <a:solidFill>
+                  <a:srgbClr val="FF0000"/>
+                </a:solidFill>
+              </a:rPr>
+              <a:t>12</a:t>
+            </a:r>
+            <a:r>
+              <a:rPr lang="zh-CN" altLang="en-US" dirty="0">
+                <a:solidFill>
+                  <a:srgbClr val="FF0000"/>
+                </a:solidFill>
+              </a:rPr>
+              <a:t>页</a:t>
+            </a:r>
+            <a:endParaRPr lang="en-US" altLang="zh-CN" dirty="0">
+              <a:solidFill>
+                <a:srgbClr val="FF0000"/>
+              </a:solidFill>
+            </a:endParaRPr>
+          </a:p>
+          <a:p>
+            <a:pPr algn="ctr"/>
+            <a:r>
+              <a:rPr lang="en-US" altLang="zh-CN" dirty="0">
+                <a:solidFill>
+                  <a:srgbClr val="FF0000"/>
+                </a:solidFill>
+              </a:rPr>
+              <a:t>step2</a:t>
+            </a:r>
+            <a:endParaRPr lang="zh-CN" altLang="en-US" dirty="0">
+              <a:solidFill>
+                <a:srgbClr val="FF0000"/>
+              </a:solidFill>
+            </a:endParaRPr>
+          </a:p>
+        </p:txBody>
+      </p:sp>
+      <p:sp>
+        <p:nvSpPr>
+          <p:cNvPr id="58" name="箭头: 右 57">
+            <a:extLst>
+              <a:ext uri="{FF2B5EF4-FFF2-40B4-BE49-F238E27FC236}">
+                <a16:creationId xmlns:a16="http://schemas.microsoft.com/office/drawing/2014/main" id="{8CE3651F-A5FA-4F43-BD0A-61C515DAF6B8}"/>
+              </a:ext>
+            </a:extLst>
+          </p:cNvPr>
+          <p:cNvSpPr/>
+          <p:nvPr/>
+        </p:nvSpPr>
+        <p:spPr>
+          <a:xfrm rot="2149539">
+            <a:off x="7130673" y="4709623"/>
+            <a:ext cx="930609" cy="285073"/>
+          </a:xfrm>
+          <a:prstGeom prst="rightArrow">
+            <a:avLst/>
+          </a:prstGeom>
+          <a:solidFill>
+            <a:srgbClr val="FF0000">
+              <a:alpha val="58000"/>
+            </a:srgbClr>
+          </a:solidFill>
+          <a:ln>
+            <a:solidFill>
+              <a:srgbClr val="FF0000"/>
+            </a:solidFill>
+          </a:ln>
+        </p:spPr>
+        <p:style>
+          <a:lnRef idx="2">
+            <a:schemeClr val="accent1">
+              <a:shade val="50000"/>
+            </a:schemeClr>
+          </a:lnRef>
+          <a:fillRef idx="1">
+            <a:schemeClr val="accent1"/>
+          </a:fillRef>
+          <a:effectRef idx="0">
+            <a:schemeClr val="accent1"/>
+          </a:effectRef>
+          <a:fontRef idx="minor">
+            <a:schemeClr val="lt1"/>
+          </a:fontRef>
+        </p:style>
+        <p:txBody>
+          <a:bodyPr rtlCol="0" anchor="ctr"/>
+          <a:lstStyle/>
+          <a:p>
+            <a:pPr algn="ctr"/>
+            <a:endParaRPr lang="zh-CN" altLang="en-US"/>
+          </a:p>
+        </p:txBody>
+      </p:sp>
+      <p:sp>
+        <p:nvSpPr>
+          <p:cNvPr id="59" name="椭圆 58">
+            <a:extLst>
+              <a:ext uri="{FF2B5EF4-FFF2-40B4-BE49-F238E27FC236}">
+                <a16:creationId xmlns:a16="http://schemas.microsoft.com/office/drawing/2014/main" id="{59C2292A-A3EA-4EBA-96DC-6C0949DC6457}"/>
+              </a:ext>
+            </a:extLst>
+          </p:cNvPr>
+          <p:cNvSpPr/>
+          <p:nvPr/>
+        </p:nvSpPr>
+        <p:spPr>
+          <a:xfrm>
+            <a:off x="7979048" y="4852159"/>
+            <a:ext cx="1101970" cy="750207"/>
+          </a:xfrm>
+          <a:prstGeom prst="ellipse">
+            <a:avLst/>
+          </a:prstGeom>
+          <a:noFill/>
+          <a:ln w="28575">
+            <a:solidFill>
+              <a:srgbClr val="FF0000"/>
+            </a:solidFill>
+          </a:ln>
+        </p:spPr>
+        <p:style>
+          <a:lnRef idx="2">
+            <a:schemeClr val="accent2">
+              <a:shade val="50000"/>
+            </a:schemeClr>
+          </a:lnRef>
+          <a:fillRef idx="1">
+            <a:schemeClr val="accent2"/>
+          </a:fillRef>
+          <a:effectRef idx="0">
+            <a:schemeClr val="accent2"/>
+          </a:effectRef>
+          <a:fontRef idx="minor">
+            <a:schemeClr val="lt1"/>
+          </a:fontRef>
+        </p:style>
+        <p:txBody>
+          <a:bodyPr lIns="0" rIns="0" rtlCol="0" anchor="ctr"/>
+          <a:lstStyle/>
+          <a:p>
+            <a:pPr algn="ctr"/>
+            <a:r>
+              <a:rPr lang="zh-CN" altLang="en-US" dirty="0">
+                <a:solidFill>
+                  <a:srgbClr val="FF0000"/>
+                </a:solidFill>
+              </a:rPr>
+              <a:t>第</a:t>
+            </a:r>
+            <a:r>
+              <a:rPr lang="en-US" altLang="zh-CN" dirty="0">
+                <a:solidFill>
+                  <a:srgbClr val="FF0000"/>
+                </a:solidFill>
+              </a:rPr>
+              <a:t>12</a:t>
+            </a:r>
+            <a:r>
+              <a:rPr lang="zh-CN" altLang="en-US" dirty="0">
+                <a:solidFill>
+                  <a:srgbClr val="FF0000"/>
+                </a:solidFill>
+              </a:rPr>
+              <a:t>页</a:t>
+            </a:r>
+            <a:endParaRPr lang="en-US" altLang="zh-CN" dirty="0">
+              <a:solidFill>
+                <a:srgbClr val="FF0000"/>
+              </a:solidFill>
+            </a:endParaRPr>
+          </a:p>
+          <a:p>
+            <a:pPr algn="ctr"/>
+            <a:r>
+              <a:rPr lang="en-US" altLang="zh-CN" dirty="0">
+                <a:solidFill>
+                  <a:srgbClr val="FF0000"/>
+                </a:solidFill>
+              </a:rPr>
+              <a:t>step3</a:t>
+            </a:r>
+            <a:endParaRPr lang="zh-CN" altLang="en-US" dirty="0">
+              <a:solidFill>
+                <a:srgbClr val="FF0000"/>
+              </a:solidFill>
+            </a:endParaRPr>
+          </a:p>
+        </p:txBody>
+      </p:sp>
+    </p:spTree>
+    <p:extLst>
+      <p:ext uri="{BB962C8B-B14F-4D97-AF65-F5344CB8AC3E}">
+        <p14:creationId xmlns:p14="http://schemas.microsoft.com/office/powerpoint/2010/main" val="2868735601"/>
+      </p:ext>
+    </p:extLst>
+  </p:cSld>
+  <p:clrMapOvr>
+    <a:masterClrMapping/>
+  </p:clrMapOvr>
+</p:sld>
+</file>
+
+<file path=ppt/slides/slide11.xml><?xml version="1.0" encoding="utf-8"?>
+<p:sld xmlns:a="http://schemas.openxmlformats.org/drawingml/2006/main" xmlns:r="http://schemas.openxmlformats.org/officeDocument/2006/relationships" xmlns:p="http://schemas.openxmlformats.org/presentationml/2006/main">
+  <p:cSld>
+    <p:spTree>
+      <p:nvGrpSpPr>
+        <p:cNvPr id="1" name=""/>
+        <p:cNvGrpSpPr/>
+        <p:nvPr/>
+      </p:nvGrpSpPr>
+      <p:grpSpPr>
+        <a:xfrm>
+          <a:off x="0" y="0"/>
+          <a:ext cx="0" cy="0"/>
+          <a:chOff x="0" y="0"/>
+          <a:chExt cx="0" cy="0"/>
+        </a:xfrm>
+      </p:grpSpPr>
+      <p:sp>
+        <p:nvSpPr>
+          <p:cNvPr id="2" name="标题 1">
+            <a:extLst>
+              <a:ext uri="{FF2B5EF4-FFF2-40B4-BE49-F238E27FC236}">
+                <a16:creationId xmlns:a16="http://schemas.microsoft.com/office/drawing/2014/main" id="{9325BD90-4093-418F-B013-ED4B8556C888}"/>
+              </a:ext>
+            </a:extLst>
+          </p:cNvPr>
+          <p:cNvSpPr>
+            <a:spLocks noGrp="1"/>
+          </p:cNvSpPr>
+          <p:nvPr>
+            <p:ph type="title"/>
+          </p:nvPr>
+        </p:nvSpPr>
+        <p:spPr/>
+        <p:txBody>
+          <a:bodyPr/>
+          <a:lstStyle/>
+          <a:p>
+            <a:r>
+              <a:rPr lang="en-US" altLang="zh-CN" dirty="0" err="1"/>
+              <a:t>SchNet</a:t>
+            </a:r>
+            <a:endParaRPr lang="zh-CN" altLang="en-US" dirty="0"/>
+          </a:p>
+        </p:txBody>
+      </p:sp>
+      <p:pic>
+        <p:nvPicPr>
+          <p:cNvPr id="11" name="内容占位符 10">
+            <a:extLst>
+              <a:ext uri="{FF2B5EF4-FFF2-40B4-BE49-F238E27FC236}">
+                <a16:creationId xmlns:a16="http://schemas.microsoft.com/office/drawing/2014/main" id="{5935B4DA-A521-40EE-B98E-A867F6B68C8C}"/>
+              </a:ext>
+            </a:extLst>
+          </p:cNvPr>
+          <p:cNvPicPr>
+            <a:picLocks noGrp="1" noChangeAspect="1"/>
+          </p:cNvPicPr>
+          <p:nvPr>
+            <p:ph idx="1"/>
+          </p:nvPr>
+        </p:nvPicPr>
+        <p:blipFill>
+          <a:blip r:embed="rId2"/>
+          <a:stretch>
+            <a:fillRect/>
+          </a:stretch>
+        </p:blipFill>
+        <p:spPr>
+          <a:xfrm>
+            <a:off x="821605" y="1554454"/>
+            <a:ext cx="7500790" cy="5191402"/>
+          </a:xfrm>
+        </p:spPr>
+      </p:pic>
+      <p:sp>
+        <p:nvSpPr>
+          <p:cNvPr id="4" name="矩形: 圆角 5">
+            <a:extLst>
+              <a:ext uri="{FF2B5EF4-FFF2-40B4-BE49-F238E27FC236}">
+                <a16:creationId xmlns:a16="http://schemas.microsoft.com/office/drawing/2014/main" id="{ED405842-4004-45CA-AF1B-527BE3DFBFED}"/>
+              </a:ext>
+            </a:extLst>
+          </p:cNvPr>
+          <p:cNvSpPr/>
+          <p:nvPr/>
+        </p:nvSpPr>
+        <p:spPr>
+          <a:xfrm>
+            <a:off x="821604" y="1483743"/>
+            <a:ext cx="2120003" cy="293300"/>
+          </a:xfrm>
+          <a:prstGeom prst="roundRect">
+            <a:avLst/>
+          </a:prstGeom>
+          <a:noFill/>
+          <a:ln w="28575">
+            <a:solidFill>
+              <a:srgbClr val="FF0000"/>
+            </a:solidFill>
+          </a:ln>
+        </p:spPr>
+        <p:style>
+          <a:lnRef idx="2">
+            <a:schemeClr val="accent6"/>
+          </a:lnRef>
+          <a:fillRef idx="1">
+            <a:schemeClr val="lt1"/>
+          </a:fillRef>
+          <a:effectRef idx="0">
+            <a:schemeClr val="accent6"/>
+          </a:effectRef>
+          <a:fontRef idx="minor">
+            <a:schemeClr val="dk1"/>
+          </a:fontRef>
+        </p:style>
+        <p:txBody>
+          <a:bodyPr rtlCol="0" anchor="ctr"/>
+          <a:lstStyle/>
+          <a:p>
+            <a:pPr algn="ctr"/>
+            <a:endParaRPr lang="zh-CN" altLang="en-US"/>
+          </a:p>
+        </p:txBody>
+      </p:sp>
+      <p:sp>
+        <p:nvSpPr>
+          <p:cNvPr id="5" name="矩形: 圆角 5">
+            <a:extLst>
+              <a:ext uri="{FF2B5EF4-FFF2-40B4-BE49-F238E27FC236}">
+                <a16:creationId xmlns:a16="http://schemas.microsoft.com/office/drawing/2014/main" id="{ED405842-4004-45CA-AF1B-527BE3DFBFED}"/>
+              </a:ext>
+            </a:extLst>
+          </p:cNvPr>
+          <p:cNvSpPr/>
+          <p:nvPr/>
+        </p:nvSpPr>
+        <p:spPr>
+          <a:xfrm>
+            <a:off x="821604" y="3456317"/>
+            <a:ext cx="1524782" cy="293300"/>
+          </a:xfrm>
+          <a:prstGeom prst="roundRect">
+            <a:avLst/>
+          </a:prstGeom>
+          <a:noFill/>
+          <a:ln w="28575">
+            <a:solidFill>
+              <a:srgbClr val="FF0000"/>
+            </a:solidFill>
+          </a:ln>
+        </p:spPr>
+        <p:style>
+          <a:lnRef idx="2">
+            <a:schemeClr val="accent6"/>
+          </a:lnRef>
+          <a:fillRef idx="1">
+            <a:schemeClr val="lt1"/>
+          </a:fillRef>
+          <a:effectRef idx="0">
+            <a:schemeClr val="accent6"/>
+          </a:effectRef>
+          <a:fontRef idx="minor">
+            <a:schemeClr val="dk1"/>
+          </a:fontRef>
+        </p:style>
+        <p:txBody>
+          <a:bodyPr rtlCol="0" anchor="ctr"/>
+          <a:lstStyle/>
+          <a:p>
+            <a:pPr algn="ctr"/>
+            <a:endParaRPr lang="zh-CN" altLang="en-US"/>
+          </a:p>
+        </p:txBody>
+      </p:sp>
+      <p:sp>
+        <p:nvSpPr>
+          <p:cNvPr id="6" name="矩形: 圆角 5">
+            <a:extLst>
+              <a:ext uri="{FF2B5EF4-FFF2-40B4-BE49-F238E27FC236}">
+                <a16:creationId xmlns:a16="http://schemas.microsoft.com/office/drawing/2014/main" id="{ED405842-4004-45CA-AF1B-527BE3DFBFED}"/>
+              </a:ext>
+            </a:extLst>
+          </p:cNvPr>
+          <p:cNvSpPr/>
+          <p:nvPr/>
+        </p:nvSpPr>
+        <p:spPr>
+          <a:xfrm>
+            <a:off x="821604" y="5063706"/>
+            <a:ext cx="1041702" cy="278924"/>
+          </a:xfrm>
+          <a:prstGeom prst="roundRect">
+            <a:avLst/>
+          </a:prstGeom>
+          <a:noFill/>
+          <a:ln w="28575">
+            <a:solidFill>
+              <a:srgbClr val="FF0000"/>
+            </a:solidFill>
+          </a:ln>
+        </p:spPr>
+        <p:style>
+          <a:lnRef idx="2">
+            <a:schemeClr val="accent6"/>
+          </a:lnRef>
+          <a:fillRef idx="1">
+            <a:schemeClr val="lt1"/>
+          </a:fillRef>
+          <a:effectRef idx="0">
+            <a:schemeClr val="accent6"/>
+          </a:effectRef>
+          <a:fontRef idx="minor">
+            <a:schemeClr val="dk1"/>
+          </a:fontRef>
+        </p:style>
+        <p:txBody>
+          <a:bodyPr rtlCol="0" anchor="ctr"/>
+          <a:lstStyle/>
+          <a:p>
+            <a:pPr algn="ctr"/>
+            <a:endParaRPr lang="zh-CN" altLang="en-US"/>
+          </a:p>
+        </p:txBody>
+      </p:sp>
+    </p:spTree>
+    <p:extLst>
+      <p:ext uri="{BB962C8B-B14F-4D97-AF65-F5344CB8AC3E}">
+        <p14:creationId xmlns:p14="http://schemas.microsoft.com/office/powerpoint/2010/main" val="535198130"/>
+      </p:ext>
+    </p:extLst>
+  </p:cSld>
+  <p:clrMapOvr>
+    <a:masterClrMapping/>
+  </p:clrMapOvr>
+</p:sld>
+</file>
+
+<file path=ppt/slides/slide12.xml><?xml version="1.0" encoding="utf-8"?>
+<p:sld xmlns:a="http://schemas.openxmlformats.org/drawingml/2006/main" xmlns:r="http://schemas.openxmlformats.org/officeDocument/2006/relationships" xmlns:p="http://schemas.openxmlformats.org/presentationml/2006/main">
+  <p:cSld>
+    <p:spTree>
+      <p:nvGrpSpPr>
+        <p:cNvPr id="1" name=""/>
+        <p:cNvGrpSpPr/>
+        <p:nvPr/>
+      </p:nvGrpSpPr>
+      <p:grpSpPr>
+        <a:xfrm>
+          <a:off x="0" y="0"/>
+          <a:ext cx="0" cy="0"/>
+          <a:chOff x="0" y="0"/>
+          <a:chExt cx="0" cy="0"/>
+        </a:xfrm>
+      </p:grpSpPr>
+      <p:sp>
+        <p:nvSpPr>
+          <p:cNvPr id="2" name="标题 1">
+            <a:extLst>
+              <a:ext uri="{FF2B5EF4-FFF2-40B4-BE49-F238E27FC236}">
+                <a16:creationId xmlns:a16="http://schemas.microsoft.com/office/drawing/2014/main" id="{18A338EC-1FD6-40CB-9C5A-6F0A20C3B59F}"/>
+              </a:ext>
+            </a:extLst>
+          </p:cNvPr>
+          <p:cNvSpPr>
+            <a:spLocks noGrp="1"/>
+          </p:cNvSpPr>
+          <p:nvPr>
+            <p:ph type="title"/>
+          </p:nvPr>
+        </p:nvSpPr>
+        <p:spPr/>
+        <p:txBody>
+          <a:bodyPr/>
+          <a:lstStyle/>
+          <a:p>
+            <a:r>
+              <a:rPr lang="en-US" altLang="zh-CN" dirty="0" err="1"/>
+              <a:t>SchNet</a:t>
+            </a:r>
+            <a:br>
+              <a:rPr lang="en-US" altLang="zh-CN" dirty="0"/>
+            </a:br>
+            <a:r>
+              <a:rPr lang="en-US" altLang="zh-CN" sz="4000" dirty="0">
+                <a:solidFill>
+                  <a:schemeClr val="accent2"/>
+                </a:solidFill>
+              </a:rPr>
+              <a:t>Filter-generating networks</a:t>
+            </a:r>
+            <a:endParaRPr lang="zh-CN" altLang="en-US" sz="4000" dirty="0">
+              <a:solidFill>
+                <a:schemeClr val="accent2"/>
+              </a:solidFill>
+            </a:endParaRPr>
+          </a:p>
+        </p:txBody>
+      </p:sp>
+      <p:pic>
+        <p:nvPicPr>
+          <p:cNvPr id="5" name="内容占位符 4">
+            <a:extLst>
+              <a:ext uri="{FF2B5EF4-FFF2-40B4-BE49-F238E27FC236}">
+                <a16:creationId xmlns:a16="http://schemas.microsoft.com/office/drawing/2014/main" id="{7551930F-0293-4CEE-B1EA-841B40D768B7}"/>
+              </a:ext>
+            </a:extLst>
+          </p:cNvPr>
+          <p:cNvPicPr>
+            <a:picLocks noGrp="1" noChangeAspect="1"/>
+          </p:cNvPicPr>
+          <p:nvPr>
+            <p:ph idx="1"/>
+          </p:nvPr>
+        </p:nvPicPr>
+        <p:blipFill>
+          <a:blip r:embed="rId2"/>
+          <a:stretch>
+            <a:fillRect/>
+          </a:stretch>
+        </p:blipFill>
+        <p:spPr>
+          <a:xfrm>
+            <a:off x="119765" y="1850646"/>
+            <a:ext cx="8904469" cy="4898946"/>
+          </a:xfrm>
+        </p:spPr>
+      </p:pic>
+      <p:sp>
+        <p:nvSpPr>
+          <p:cNvPr id="6" name="矩形: 圆角 5">
+            <a:extLst>
+              <a:ext uri="{FF2B5EF4-FFF2-40B4-BE49-F238E27FC236}">
+                <a16:creationId xmlns:a16="http://schemas.microsoft.com/office/drawing/2014/main" id="{ED405842-4004-45CA-AF1B-527BE3DFBFED}"/>
+              </a:ext>
+            </a:extLst>
+          </p:cNvPr>
+          <p:cNvSpPr/>
+          <p:nvPr/>
+        </p:nvSpPr>
+        <p:spPr>
+          <a:xfrm>
+            <a:off x="3685880" y="2931736"/>
+            <a:ext cx="1772240" cy="584462"/>
+          </a:xfrm>
+          <a:prstGeom prst="roundRect">
+            <a:avLst/>
+          </a:prstGeom>
+          <a:noFill/>
+          <a:ln w="28575">
+            <a:solidFill>
+              <a:srgbClr val="FF0000"/>
+            </a:solidFill>
+          </a:ln>
+        </p:spPr>
+        <p:style>
+          <a:lnRef idx="2">
+            <a:schemeClr val="accent6"/>
+          </a:lnRef>
+          <a:fillRef idx="1">
+            <a:schemeClr val="lt1"/>
+          </a:fillRef>
+          <a:effectRef idx="0">
+            <a:schemeClr val="accent6"/>
+          </a:effectRef>
+          <a:fontRef idx="minor">
+            <a:schemeClr val="dk1"/>
+          </a:fontRef>
+        </p:style>
+        <p:txBody>
+          <a:bodyPr rtlCol="0" anchor="ctr"/>
+          <a:lstStyle/>
+          <a:p>
+            <a:pPr algn="ctr"/>
+            <a:endParaRPr lang="zh-CN" altLang="en-US"/>
+          </a:p>
+        </p:txBody>
+      </p:sp>
+      <p:sp>
+        <p:nvSpPr>
+          <p:cNvPr id="7" name="矩形: 圆角 6">
+            <a:extLst>
+              <a:ext uri="{FF2B5EF4-FFF2-40B4-BE49-F238E27FC236}">
+                <a16:creationId xmlns:a16="http://schemas.microsoft.com/office/drawing/2014/main" id="{B018452F-96B4-42B3-BFE4-A2CA96F3C3A9}"/>
+              </a:ext>
+            </a:extLst>
+          </p:cNvPr>
+          <p:cNvSpPr/>
+          <p:nvPr/>
+        </p:nvSpPr>
+        <p:spPr>
+          <a:xfrm>
+            <a:off x="1585274" y="4294693"/>
+            <a:ext cx="4702404" cy="1025951"/>
+          </a:xfrm>
+          <a:prstGeom prst="roundRect">
+            <a:avLst/>
+          </a:prstGeom>
+          <a:noFill/>
+          <a:ln w="28575">
+            <a:solidFill>
+              <a:srgbClr val="FF0000"/>
+            </a:solidFill>
+          </a:ln>
+        </p:spPr>
+        <p:style>
+          <a:lnRef idx="2">
+            <a:schemeClr val="accent6"/>
+          </a:lnRef>
+          <a:fillRef idx="1">
+            <a:schemeClr val="lt1"/>
+          </a:fillRef>
+          <a:effectRef idx="0">
+            <a:schemeClr val="accent6"/>
+          </a:effectRef>
+          <a:fontRef idx="minor">
+            <a:schemeClr val="dk1"/>
+          </a:fontRef>
+        </p:style>
+        <p:txBody>
+          <a:bodyPr rtlCol="0" anchor="ctr"/>
+          <a:lstStyle/>
+          <a:p>
+            <a:pPr algn="ctr"/>
+            <a:endParaRPr lang="zh-CN" altLang="en-US"/>
+          </a:p>
+        </p:txBody>
+      </p:sp>
+      <p:sp>
+        <p:nvSpPr>
+          <p:cNvPr id="9" name="文本框 8">
+            <a:extLst>
+              <a:ext uri="{FF2B5EF4-FFF2-40B4-BE49-F238E27FC236}">
+                <a16:creationId xmlns:a16="http://schemas.microsoft.com/office/drawing/2014/main" id="{3D6E928C-B418-48AF-B5F0-8E2957936F9F}"/>
+              </a:ext>
+            </a:extLst>
+          </p:cNvPr>
+          <p:cNvSpPr txBox="1"/>
+          <p:nvPr/>
+        </p:nvSpPr>
+        <p:spPr>
+          <a:xfrm>
+            <a:off x="6579909" y="365126"/>
+            <a:ext cx="2444325" cy="646331"/>
+          </a:xfrm>
+          <a:prstGeom prst="rect">
+            <a:avLst/>
+          </a:prstGeom>
+          <a:noFill/>
+        </p:spPr>
+        <p:txBody>
+          <a:bodyPr wrap="square" rtlCol="0">
+            <a:spAutoFit/>
+          </a:bodyPr>
+          <a:lstStyle/>
+          <a:p>
+            <a:r>
+              <a:rPr lang="en-US" altLang="zh-CN" dirty="0">
+                <a:solidFill>
+                  <a:srgbClr val="FF0000"/>
+                </a:solidFill>
+              </a:rPr>
+              <a:t>Continuous filter</a:t>
+            </a:r>
+            <a:r>
+              <a:rPr lang="zh-CN" altLang="en-US" dirty="0">
+                <a:solidFill>
+                  <a:srgbClr val="FF0000"/>
+                </a:solidFill>
+              </a:rPr>
+              <a:t>：如何处理任意位置的原子？</a:t>
+            </a:r>
+          </a:p>
+        </p:txBody>
+      </p:sp>
+      <p:sp>
+        <p:nvSpPr>
+          <p:cNvPr id="10" name="文本框 9">
+            <a:extLst>
+              <a:ext uri="{FF2B5EF4-FFF2-40B4-BE49-F238E27FC236}">
+                <a16:creationId xmlns:a16="http://schemas.microsoft.com/office/drawing/2014/main" id="{BF3B6152-9F4F-4761-BA73-F237010FD21E}"/>
+              </a:ext>
+            </a:extLst>
+          </p:cNvPr>
+          <p:cNvSpPr txBox="1"/>
+          <p:nvPr/>
+        </p:nvSpPr>
+        <p:spPr>
+          <a:xfrm>
+            <a:off x="5525678" y="2747070"/>
+            <a:ext cx="2826471" cy="369332"/>
+          </a:xfrm>
+          <a:prstGeom prst="rect">
+            <a:avLst/>
+          </a:prstGeom>
+          <a:noFill/>
+        </p:spPr>
+        <p:txBody>
+          <a:bodyPr wrap="square" rtlCol="0">
+            <a:spAutoFit/>
+          </a:bodyPr>
+          <a:lstStyle/>
+          <a:p>
+            <a:r>
+              <a:rPr lang="en-US" altLang="zh-CN" dirty="0">
+                <a:solidFill>
+                  <a:srgbClr val="FF0000"/>
+                </a:solidFill>
+              </a:rPr>
+              <a:t>1</a:t>
+            </a:r>
+            <a:r>
+              <a:rPr lang="zh-CN" altLang="en-US" dirty="0">
+                <a:solidFill>
+                  <a:srgbClr val="FF0000"/>
+                </a:solidFill>
+              </a:rPr>
+              <a:t>：计算两两原子间的距离</a:t>
+            </a:r>
+          </a:p>
+        </p:txBody>
+      </p:sp>
+      <p:sp>
+        <p:nvSpPr>
+          <p:cNvPr id="11" name="文本框 10">
+            <a:extLst>
+              <a:ext uri="{FF2B5EF4-FFF2-40B4-BE49-F238E27FC236}">
+                <a16:creationId xmlns:a16="http://schemas.microsoft.com/office/drawing/2014/main" id="{839E0DEB-A489-4B1F-B075-DF5345369A87}"/>
+              </a:ext>
+            </a:extLst>
+          </p:cNvPr>
+          <p:cNvSpPr txBox="1"/>
+          <p:nvPr/>
+        </p:nvSpPr>
+        <p:spPr>
+          <a:xfrm>
+            <a:off x="6242721" y="4451002"/>
+            <a:ext cx="2826471" cy="369332"/>
+          </a:xfrm>
+          <a:prstGeom prst="rect">
+            <a:avLst/>
+          </a:prstGeom>
+          <a:noFill/>
+        </p:spPr>
+        <p:txBody>
+          <a:bodyPr wrap="square" rtlCol="0">
+            <a:spAutoFit/>
+          </a:bodyPr>
+          <a:lstStyle/>
+          <a:p>
+            <a:r>
+              <a:rPr lang="en-US" altLang="zh-CN" dirty="0">
+                <a:solidFill>
+                  <a:srgbClr val="FF0000"/>
+                </a:solidFill>
+              </a:rPr>
+              <a:t>2</a:t>
+            </a:r>
+            <a:r>
+              <a:rPr lang="zh-CN" altLang="en-US" dirty="0">
+                <a:solidFill>
+                  <a:srgbClr val="FF0000"/>
+                </a:solidFill>
+              </a:rPr>
+              <a:t>：</a:t>
+            </a:r>
+            <a:r>
+              <a:rPr lang="en-US" altLang="zh-CN" dirty="0">
+                <a:solidFill>
+                  <a:srgbClr val="FF0000"/>
+                </a:solidFill>
+              </a:rPr>
+              <a:t>300</a:t>
+            </a:r>
+            <a:r>
+              <a:rPr lang="zh-CN" altLang="en-US" dirty="0">
+                <a:solidFill>
+                  <a:srgbClr val="FF0000"/>
+                </a:solidFill>
+              </a:rPr>
+              <a:t>个高斯</a:t>
+            </a:r>
+            <a:r>
+              <a:rPr lang="en-US" altLang="zh-CN" dirty="0">
+                <a:solidFill>
+                  <a:srgbClr val="FF0000"/>
+                </a:solidFill>
+              </a:rPr>
+              <a:t>RBF</a:t>
+            </a:r>
+            <a:r>
+              <a:rPr lang="zh-CN" altLang="en-US" dirty="0">
+                <a:solidFill>
+                  <a:srgbClr val="FF0000"/>
+                </a:solidFill>
+              </a:rPr>
+              <a:t>核采样</a:t>
+            </a:r>
+          </a:p>
+        </p:txBody>
+      </p:sp>
+      <p:sp>
+        <p:nvSpPr>
+          <p:cNvPr id="12" name="文本框 11">
+            <a:extLst>
+              <a:ext uri="{FF2B5EF4-FFF2-40B4-BE49-F238E27FC236}">
+                <a16:creationId xmlns:a16="http://schemas.microsoft.com/office/drawing/2014/main" id="{428B89AD-B9BB-461E-9DD3-07E9CE1A8661}"/>
+              </a:ext>
+            </a:extLst>
+          </p:cNvPr>
+          <p:cNvSpPr txBox="1"/>
+          <p:nvPr/>
+        </p:nvSpPr>
+        <p:spPr>
+          <a:xfrm>
+            <a:off x="2564092" y="217611"/>
+            <a:ext cx="3149159" cy="646331"/>
+          </a:xfrm>
+          <a:prstGeom prst="rect">
+            <a:avLst/>
+          </a:prstGeom>
+          <a:noFill/>
+        </p:spPr>
+        <p:txBody>
+          <a:bodyPr wrap="square" rtlCol="0">
+            <a:spAutoFit/>
+          </a:bodyPr>
+          <a:lstStyle/>
+          <a:p>
+            <a:r>
+              <a:rPr lang="en-US" altLang="zh-CN" dirty="0">
+                <a:solidFill>
+                  <a:srgbClr val="FF0000"/>
+                </a:solidFill>
+              </a:rPr>
+              <a:t>3</a:t>
+            </a:r>
+            <a:r>
+              <a:rPr lang="zh-CN" altLang="en-US" dirty="0">
+                <a:solidFill>
+                  <a:srgbClr val="FF0000"/>
+                </a:solidFill>
+              </a:rPr>
+              <a:t>：学得动态</a:t>
+            </a:r>
+            <a:r>
+              <a:rPr lang="en-US" altLang="zh-CN" dirty="0">
+                <a:solidFill>
+                  <a:srgbClr val="FF0000"/>
+                </a:solidFill>
+              </a:rPr>
+              <a:t>Filter</a:t>
+            </a:r>
+          </a:p>
+          <a:p>
+            <a:r>
+              <a:rPr lang="zh-CN" altLang="en-US" dirty="0">
+                <a:solidFill>
+                  <a:srgbClr val="FF0000"/>
+                </a:solidFill>
+              </a:rPr>
+              <a:t>（距离</a:t>
+            </a:r>
+            <a:r>
+              <a:rPr lang="en-US" altLang="zh-CN" dirty="0">
+                <a:solidFill>
+                  <a:srgbClr val="FF0000"/>
+                </a:solidFill>
+              </a:rPr>
+              <a:t>-</a:t>
+            </a:r>
+            <a:r>
+              <a:rPr lang="zh-CN" altLang="en-US" dirty="0">
+                <a:solidFill>
+                  <a:srgbClr val="FF0000"/>
+                </a:solidFill>
+              </a:rPr>
+              <a:t>权重函数，见下页）</a:t>
+            </a:r>
+          </a:p>
+        </p:txBody>
+      </p:sp>
+      <p:sp>
+        <p:nvSpPr>
+          <p:cNvPr id="13" name="椭圆 12">
+            <a:extLst>
+              <a:ext uri="{FF2B5EF4-FFF2-40B4-BE49-F238E27FC236}">
+                <a16:creationId xmlns:a16="http://schemas.microsoft.com/office/drawing/2014/main" id="{B8A4BE6F-098E-425A-B0AC-09887EFEC34D}"/>
+              </a:ext>
+            </a:extLst>
+          </p:cNvPr>
+          <p:cNvSpPr/>
+          <p:nvPr/>
+        </p:nvSpPr>
+        <p:spPr>
+          <a:xfrm>
+            <a:off x="6155703" y="132602"/>
+            <a:ext cx="2988297" cy="1100511"/>
+          </a:xfrm>
+          <a:prstGeom prst="ellipse">
+            <a:avLst/>
+          </a:prstGeom>
+          <a:noFill/>
+          <a:ln w="19050">
+            <a:solidFill>
+              <a:srgbClr val="FF0000"/>
+            </a:solidFill>
+          </a:ln>
+        </p:spPr>
+        <p:style>
+          <a:lnRef idx="2">
+            <a:schemeClr val="accent1">
+              <a:shade val="50000"/>
+            </a:schemeClr>
+          </a:lnRef>
+          <a:fillRef idx="1">
+            <a:schemeClr val="accent1"/>
+          </a:fillRef>
+          <a:effectRef idx="0">
+            <a:schemeClr val="accent1"/>
+          </a:effectRef>
+          <a:fontRef idx="minor">
+            <a:schemeClr val="lt1"/>
+          </a:fontRef>
+        </p:style>
+        <p:txBody>
+          <a:bodyPr rtlCol="0" anchor="ctr"/>
+          <a:lstStyle/>
+          <a:p>
+            <a:pPr algn="ctr"/>
+            <a:endParaRPr lang="zh-CN" altLang="en-US"/>
+          </a:p>
+        </p:txBody>
+      </p:sp>
+      <p:sp>
+        <p:nvSpPr>
+          <p:cNvPr id="14" name="箭头: 右 13">
+            <a:extLst>
+              <a:ext uri="{FF2B5EF4-FFF2-40B4-BE49-F238E27FC236}">
+                <a16:creationId xmlns:a16="http://schemas.microsoft.com/office/drawing/2014/main" id="{CC25F246-3C49-4140-AD0C-5C283A4DC05D}"/>
+              </a:ext>
+            </a:extLst>
+          </p:cNvPr>
+          <p:cNvSpPr/>
+          <p:nvPr/>
+        </p:nvSpPr>
+        <p:spPr>
+          <a:xfrm rot="6345116">
+            <a:off x="6414090" y="1972619"/>
+            <a:ext cx="1490415" cy="206626"/>
+          </a:xfrm>
+          <a:prstGeom prst="rightArrow">
+            <a:avLst/>
+          </a:prstGeom>
+          <a:solidFill>
+            <a:srgbClr val="FF0000">
+              <a:alpha val="51000"/>
+            </a:srgbClr>
+          </a:solidFill>
+          <a:ln>
+            <a:solidFill>
+              <a:srgbClr val="FF0000"/>
+            </a:solidFill>
+          </a:ln>
+        </p:spPr>
+        <p:style>
+          <a:lnRef idx="2">
+            <a:schemeClr val="accent1">
+              <a:shade val="50000"/>
+            </a:schemeClr>
+          </a:lnRef>
+          <a:fillRef idx="1">
+            <a:schemeClr val="accent1"/>
+          </a:fillRef>
+          <a:effectRef idx="0">
+            <a:schemeClr val="accent1"/>
+          </a:effectRef>
+          <a:fontRef idx="minor">
+            <a:schemeClr val="lt1"/>
+          </a:fontRef>
+        </p:style>
+        <p:txBody>
+          <a:bodyPr rtlCol="0" anchor="ctr"/>
+          <a:lstStyle/>
+          <a:p>
+            <a:pPr algn="ctr"/>
+            <a:endParaRPr lang="zh-CN" altLang="en-US" dirty="0"/>
+          </a:p>
+        </p:txBody>
+      </p:sp>
+      <p:sp>
+        <p:nvSpPr>
+          <p:cNvPr id="15" name="箭头: 右 14">
+            <a:extLst>
+              <a:ext uri="{FF2B5EF4-FFF2-40B4-BE49-F238E27FC236}">
+                <a16:creationId xmlns:a16="http://schemas.microsoft.com/office/drawing/2014/main" id="{2D522695-AA59-44B7-8BE0-CF60FAD2186C}"/>
+              </a:ext>
+            </a:extLst>
+          </p:cNvPr>
+          <p:cNvSpPr/>
+          <p:nvPr/>
+        </p:nvSpPr>
+        <p:spPr>
+          <a:xfrm rot="5400000">
+            <a:off x="6932292" y="2729487"/>
+            <a:ext cx="3259602" cy="183427"/>
+          </a:xfrm>
+          <a:prstGeom prst="rightArrow">
+            <a:avLst/>
+          </a:prstGeom>
+          <a:solidFill>
+            <a:srgbClr val="FF0000">
+              <a:alpha val="51000"/>
+            </a:srgbClr>
+          </a:solidFill>
+          <a:ln>
+            <a:solidFill>
+              <a:srgbClr val="FF0000"/>
+            </a:solidFill>
+          </a:ln>
+        </p:spPr>
+        <p:style>
+          <a:lnRef idx="2">
+            <a:schemeClr val="accent1">
+              <a:shade val="50000"/>
+            </a:schemeClr>
+          </a:lnRef>
+          <a:fillRef idx="1">
+            <a:schemeClr val="accent1"/>
+          </a:fillRef>
+          <a:effectRef idx="0">
+            <a:schemeClr val="accent1"/>
+          </a:effectRef>
+          <a:fontRef idx="minor">
+            <a:schemeClr val="lt1"/>
+          </a:fontRef>
+        </p:style>
+        <p:txBody>
+          <a:bodyPr rtlCol="0" anchor="ctr"/>
+          <a:lstStyle/>
+          <a:p>
+            <a:pPr algn="ctr"/>
+            <a:endParaRPr lang="zh-CN" altLang="en-US" dirty="0"/>
+          </a:p>
+        </p:txBody>
+      </p:sp>
+      <p:sp>
+        <p:nvSpPr>
+          <p:cNvPr id="16" name="箭头: 右 15">
+            <a:extLst>
+              <a:ext uri="{FF2B5EF4-FFF2-40B4-BE49-F238E27FC236}">
+                <a16:creationId xmlns:a16="http://schemas.microsoft.com/office/drawing/2014/main" id="{45ED4776-E187-4585-A5D6-F0A8DDEF08CD}"/>
+              </a:ext>
+            </a:extLst>
+          </p:cNvPr>
+          <p:cNvSpPr/>
+          <p:nvPr/>
+        </p:nvSpPr>
+        <p:spPr>
+          <a:xfrm rot="10800000" flipV="1">
+            <a:off x="5392739" y="513382"/>
+            <a:ext cx="697747" cy="230482"/>
+          </a:xfrm>
+          <a:prstGeom prst="rightArrow">
+            <a:avLst/>
+          </a:prstGeom>
+          <a:solidFill>
+            <a:srgbClr val="FF0000">
+              <a:alpha val="51000"/>
+            </a:srgbClr>
+          </a:solidFill>
+          <a:ln>
+            <a:solidFill>
+              <a:srgbClr val="FF0000"/>
+            </a:solidFill>
+          </a:ln>
+        </p:spPr>
+        <p:style>
+          <a:lnRef idx="2">
+            <a:schemeClr val="accent1">
+              <a:shade val="50000"/>
+            </a:schemeClr>
+          </a:lnRef>
+          <a:fillRef idx="1">
+            <a:schemeClr val="accent1"/>
+          </a:fillRef>
+          <a:effectRef idx="0">
+            <a:schemeClr val="accent1"/>
+          </a:effectRef>
+          <a:fontRef idx="minor">
+            <a:schemeClr val="lt1"/>
+          </a:fontRef>
+        </p:style>
+        <p:txBody>
+          <a:bodyPr rtlCol="0" anchor="ctr"/>
+          <a:lstStyle/>
+          <a:p>
+            <a:pPr algn="ctr"/>
+            <a:endParaRPr lang="zh-CN" altLang="en-US" dirty="0"/>
+          </a:p>
+        </p:txBody>
+      </p:sp>
+    </p:spTree>
+    <p:extLst>
+      <p:ext uri="{BB962C8B-B14F-4D97-AF65-F5344CB8AC3E}">
+        <p14:creationId xmlns:p14="http://schemas.microsoft.com/office/powerpoint/2010/main" val="384430742"/>
+      </p:ext>
+    </p:extLst>
+  </p:cSld>
+  <p:clrMapOvr>
+    <a:masterClrMapping/>
+  </p:clrMapOvr>
+</p:sld>
+</file>
+
+<file path=ppt/slides/slide13.xml><?xml version="1.0" encoding="utf-8"?>
+<p:sld xmlns:a="http://schemas.openxmlformats.org/drawingml/2006/main" xmlns:r="http://schemas.openxmlformats.org/officeDocument/2006/relationships" xmlns:p="http://schemas.openxmlformats.org/presentationml/2006/main">
+  <p:cSld>
+    <p:spTree>
+      <p:nvGrpSpPr>
+        <p:cNvPr id="1" name=""/>
+        <p:cNvGrpSpPr/>
+        <p:nvPr/>
+      </p:nvGrpSpPr>
+      <p:grpSpPr>
+        <a:xfrm>
+          <a:off x="0" y="0"/>
+          <a:ext cx="0" cy="0"/>
+          <a:chOff x="0" y="0"/>
+          <a:chExt cx="0" cy="0"/>
+        </a:xfrm>
+      </p:grpSpPr>
+      <p:sp>
+        <p:nvSpPr>
+          <p:cNvPr id="2" name="标题 1">
+            <a:extLst>
+              <a:ext uri="{FF2B5EF4-FFF2-40B4-BE49-F238E27FC236}">
                 <a16:creationId xmlns:a16="http://schemas.microsoft.com/office/drawing/2014/main" id="{A66C7B77-9B0F-43C0-A870-4BC7BD7608A9}"/>
               </a:ext>
             </a:extLst>
@@ -3177,7 +4971,7 @@
         </p:blipFill>
         <p:spPr>
           <a:xfrm>
-            <a:off x="62484" y="1885362"/>
+            <a:off x="58698" y="2332581"/>
             <a:ext cx="9026603" cy="3757378"/>
           </a:xfrm>
         </p:spPr>
@@ -3196,7 +4990,7 @@
         </p:nvSpPr>
         <p:spPr>
           <a:xfrm>
-            <a:off x="2149311" y="2064472"/>
+            <a:off x="2138564" y="2539971"/>
             <a:ext cx="471340" cy="480767"/>
           </a:xfrm>
           <a:prstGeom prst="ellipse">
@@ -3205,7 +4999,7 @@
           <a:noFill/>
           <a:ln w="38100">
             <a:solidFill>
-              <a:srgbClr val="00B050"/>
+              <a:srgbClr val="92D050"/>
             </a:solidFill>
           </a:ln>
         </p:spPr>
@@ -3248,7 +5042,7 @@
         </p:nvCxnSpPr>
         <p:spPr>
           <a:xfrm>
-            <a:off x="6061435" y="1140643"/>
+            <a:off x="6061435" y="1373555"/>
             <a:ext cx="2158738" cy="0"/>
           </a:xfrm>
           <a:prstGeom prst="straightConnector1">
@@ -3289,7 +5083,7 @@
         </p:nvCxnSpPr>
         <p:spPr>
           <a:xfrm flipV="1">
-            <a:off x="6061435" y="273378"/>
+            <a:off x="6061435" y="506290"/>
             <a:ext cx="0" cy="1611984"/>
           </a:xfrm>
           <a:prstGeom prst="straightConnector1">
@@ -3328,7 +5122,7 @@
         </p:nvSpPr>
         <p:spPr>
           <a:xfrm>
-            <a:off x="6061435" y="517250"/>
+            <a:off x="6061435" y="750162"/>
             <a:ext cx="1960775" cy="1009892"/>
           </a:xfrm>
           <a:custGeom>
@@ -3896,7 +5690,7 @@
         </p:nvSpPr>
         <p:spPr>
           <a:xfrm>
-            <a:off x="7792424" y="1205749"/>
+            <a:off x="7792424" y="1438661"/>
             <a:ext cx="646331" cy="369332"/>
           </a:xfrm>
           <a:prstGeom prst="rect">
@@ -3931,7 +5725,7 @@
         </p:nvSpPr>
         <p:spPr>
           <a:xfrm rot="5400000">
-            <a:off x="5577210" y="448336"/>
+            <a:off x="5577210" y="681248"/>
             <a:ext cx="646331" cy="369332"/>
           </a:xfrm>
           <a:prstGeom prst="rect">
@@ -3966,7 +5760,7 @@
         </p:nvSpPr>
         <p:spPr>
           <a:xfrm>
-            <a:off x="6061434" y="1054918"/>
+            <a:off x="6061434" y="1287830"/>
             <a:ext cx="301686" cy="369332"/>
           </a:xfrm>
           <a:prstGeom prst="rect">
@@ -4002,7 +5796,7 @@
         </p:nvSpPr>
         <p:spPr>
           <a:xfrm>
-            <a:off x="8152266" y="955977"/>
+            <a:off x="8152266" y="1188889"/>
             <a:ext cx="284052" cy="369332"/>
           </a:xfrm>
           <a:prstGeom prst="rect">
@@ -4038,7 +5832,7 @@
         </p:nvSpPr>
         <p:spPr>
           <a:xfrm>
-            <a:off x="6037829" y="129689"/>
+            <a:off x="6037829" y="362601"/>
             <a:ext cx="288862" cy="369332"/>
           </a:xfrm>
           <a:prstGeom prst="rect">
@@ -4074,7 +5868,7 @@
         </p:nvSpPr>
         <p:spPr>
           <a:xfrm>
-            <a:off x="5033913" y="0"/>
+            <a:off x="5033913" y="232912"/>
             <a:ext cx="3940405" cy="2215299"/>
           </a:xfrm>
           <a:prstGeom prst="ellipse">
@@ -4127,15 +5921,15 @@
         </p:nvCxnSpPr>
         <p:spPr>
           <a:xfrm flipV="1">
-            <a:off x="2551625" y="1424251"/>
-            <a:ext cx="2482288" cy="710628"/>
+            <a:off x="2540878" y="1851726"/>
+            <a:ext cx="2660850" cy="758652"/>
           </a:xfrm>
           <a:prstGeom prst="straightConnector1">
             <a:avLst/>
           </a:prstGeom>
           <a:ln w="38100">
             <a:solidFill>
-              <a:srgbClr val="00B050"/>
+              <a:srgbClr val="92D050"/>
             </a:solidFill>
             <a:tailEnd type="triangle"/>
           </a:ln>
@@ -4169,7 +5963,7 @@
         </p:nvSpPr>
         <p:spPr>
           <a:xfrm>
-            <a:off x="323348" y="1205749"/>
+            <a:off x="338376" y="1472496"/>
             <a:ext cx="3006272" cy="646331"/>
           </a:xfrm>
           <a:prstGeom prst="rect">
@@ -4242,7 +6036,7 @@
         </p:nvSpPr>
         <p:spPr>
           <a:xfrm rot="10800000">
-            <a:off x="980387" y="1795807"/>
+            <a:off x="933036" y="2194947"/>
             <a:ext cx="240883" cy="324382"/>
           </a:xfrm>
           <a:prstGeom prst="downArrow">
@@ -4290,7 +6084,7 @@
 </p:sld>
 </file>
 
-<file path=ppt/slides/slide11.xml><?xml version="1.0" encoding="utf-8"?>
+<file path=ppt/slides/slide14.xml><?xml version="1.0" encoding="utf-8"?>
 <p:sld xmlns:a="http://schemas.openxmlformats.org/drawingml/2006/main" xmlns:r="http://schemas.openxmlformats.org/officeDocument/2006/relationships" xmlns:p="http://schemas.openxmlformats.org/presentationml/2006/main">
   <p:cSld>
     <p:spTree>
@@ -4395,6 +6189,94 @@
           </a:prstGeom>
         </p:spPr>
       </p:pic>
+      <p:sp>
+        <p:nvSpPr>
+          <p:cNvPr id="3" name="圆角矩形 2"/>
+          <p:cNvSpPr/>
+          <p:nvPr/>
+        </p:nvSpPr>
+        <p:spPr>
+          <a:xfrm>
+            <a:off x="1578634" y="2018581"/>
+            <a:ext cx="5848709" cy="759125"/>
+          </a:xfrm>
+          <a:prstGeom prst="roundRect">
+            <a:avLst/>
+          </a:prstGeom>
+          <a:noFill/>
+          <a:ln w="25400">
+            <a:solidFill>
+              <a:srgbClr val="FF0000"/>
+            </a:solidFill>
+          </a:ln>
+        </p:spPr>
+        <p:style>
+          <a:lnRef idx="2">
+            <a:schemeClr val="accent2"/>
+          </a:lnRef>
+          <a:fillRef idx="1">
+            <a:schemeClr val="lt1"/>
+          </a:fillRef>
+          <a:effectRef idx="0">
+            <a:schemeClr val="accent2"/>
+          </a:effectRef>
+          <a:fontRef idx="minor">
+            <a:schemeClr val="dk1"/>
+          </a:fontRef>
+        </p:style>
+        <p:txBody>
+          <a:bodyPr rtlCol="0" anchor="ctr"/>
+          <a:lstStyle/>
+          <a:p>
+            <a:pPr algn="ctr"/>
+            <a:endParaRPr lang="zh-CN" altLang="en-US"/>
+          </a:p>
+        </p:txBody>
+      </p:sp>
+      <p:sp>
+        <p:nvSpPr>
+          <p:cNvPr id="6" name="圆角矩形 5"/>
+          <p:cNvSpPr/>
+          <p:nvPr/>
+        </p:nvSpPr>
+        <p:spPr>
+          <a:xfrm>
+            <a:off x="1647644" y="5236234"/>
+            <a:ext cx="5926348" cy="828136"/>
+          </a:xfrm>
+          <a:prstGeom prst="roundRect">
+            <a:avLst/>
+          </a:prstGeom>
+          <a:noFill/>
+          <a:ln w="25400">
+            <a:solidFill>
+              <a:srgbClr val="FF0000"/>
+            </a:solidFill>
+          </a:ln>
+        </p:spPr>
+        <p:style>
+          <a:lnRef idx="2">
+            <a:schemeClr val="accent2"/>
+          </a:lnRef>
+          <a:fillRef idx="1">
+            <a:schemeClr val="lt1"/>
+          </a:fillRef>
+          <a:effectRef idx="0">
+            <a:schemeClr val="accent2"/>
+          </a:effectRef>
+          <a:fontRef idx="minor">
+            <a:schemeClr val="dk1"/>
+          </a:fontRef>
+        </p:style>
+        <p:txBody>
+          <a:bodyPr rtlCol="0" anchor="ctr"/>
+          <a:lstStyle/>
+          <a:p>
+            <a:pPr algn="ctr"/>
+            <a:endParaRPr lang="zh-CN" altLang="en-US"/>
+          </a:p>
+        </p:txBody>
+      </p:sp>
     </p:spTree>
     <p:extLst>
       <p:ext uri="{BB962C8B-B14F-4D97-AF65-F5344CB8AC3E}">
@@ -4408,7 +6290,7 @@
 </p:sld>
 </file>
 
-<file path=ppt/slides/slide12.xml><?xml version="1.0" encoding="utf-8"?>
+<file path=ppt/slides/slide15.xml><?xml version="1.0" encoding="utf-8"?>
 <p:sld xmlns:a="http://schemas.openxmlformats.org/drawingml/2006/main" xmlns:r="http://schemas.openxmlformats.org/officeDocument/2006/relationships" xmlns:p="http://schemas.openxmlformats.org/presentationml/2006/main">
   <p:cSld>
     <p:spTree>
@@ -4427,6 +6309,1920 @@
       </p:grpSpPr>
       <p:sp>
         <p:nvSpPr>
+          <p:cNvPr id="2" name="标题 1"/>
+          <p:cNvSpPr>
+            <a:spLocks noGrp="1"/>
+          </p:cNvSpPr>
+          <p:nvPr>
+            <p:ph type="title"/>
+          </p:nvPr>
+        </p:nvSpPr>
+        <p:spPr/>
+        <p:txBody>
+          <a:bodyPr/>
+          <a:lstStyle/>
+          <a:p>
+            <a:r>
+              <a:rPr lang="en-US" altLang="zh-CN" dirty="0"/>
+              <a:t>Technical review</a:t>
+            </a:r>
+            <a:endParaRPr lang="zh-CN" altLang="en-US" dirty="0"/>
+          </a:p>
+        </p:txBody>
+      </p:sp>
+      <p:sp>
+        <p:nvSpPr>
+          <p:cNvPr id="3" name="内容占位符 2"/>
+          <p:cNvSpPr>
+            <a:spLocks noGrp="1"/>
+          </p:cNvSpPr>
+          <p:nvPr>
+            <p:ph idx="1"/>
+          </p:nvPr>
+        </p:nvSpPr>
+        <p:spPr/>
+        <p:txBody>
+          <a:bodyPr>
+            <a:normAutofit fontScale="70000" lnSpcReduction="20000"/>
+          </a:bodyPr>
+          <a:lstStyle/>
+          <a:p>
+            <a:pPr>
+              <a:lnSpc>
+                <a:spcPct val="120000"/>
+              </a:lnSpc>
+            </a:pPr>
+            <a:r>
+              <a:rPr lang="zh-CN" altLang="en-US" sz="2000" dirty="0">
+                <a:solidFill>
+                  <a:schemeClr val="accent1"/>
+                </a:solidFill>
+              </a:rPr>
+              <a:t>把原子位置作为输入 </a:t>
+            </a:r>
+            <a:r>
+              <a:rPr lang="en-US" altLang="zh-CN" sz="2000" dirty="0">
+                <a:sym typeface="Wingdings" panose="05000000000000000000" pitchFamily="2" charset="2"/>
+              </a:rPr>
+              <a:t> </a:t>
+            </a:r>
+            <a:r>
+              <a:rPr lang="zh-CN" altLang="en-US" sz="2000" dirty="0">
+                <a:solidFill>
+                  <a:schemeClr val="accent2"/>
+                </a:solidFill>
+                <a:sym typeface="Wingdings" panose="05000000000000000000" pitchFamily="2" charset="2"/>
+              </a:rPr>
+              <a:t>位置表示连续</a:t>
+            </a:r>
+            <a:endParaRPr lang="en-US" altLang="zh-CN" sz="2000" dirty="0">
+              <a:solidFill>
+                <a:schemeClr val="accent2"/>
+              </a:solidFill>
+            </a:endParaRPr>
+          </a:p>
+          <a:p>
+            <a:pPr>
+              <a:lnSpc>
+                <a:spcPct val="120000"/>
+              </a:lnSpc>
+            </a:pPr>
+            <a:r>
+              <a:rPr lang="zh-CN" altLang="en-US" sz="2000" dirty="0">
+                <a:solidFill>
+                  <a:schemeClr val="accent1"/>
+                </a:solidFill>
+              </a:rPr>
+              <a:t>所有网络模块对应的函数都是光滑的 </a:t>
+            </a:r>
+            <a:r>
+              <a:rPr lang="en-US" altLang="zh-CN" sz="2000" dirty="0">
+                <a:sym typeface="Wingdings" panose="05000000000000000000" pitchFamily="2" charset="2"/>
+              </a:rPr>
+              <a:t> </a:t>
+            </a:r>
+            <a:r>
+              <a:rPr lang="zh-CN" altLang="en-US" sz="2000" dirty="0">
+                <a:solidFill>
+                  <a:schemeClr val="accent2"/>
+                </a:solidFill>
+                <a:sym typeface="Wingdings" panose="05000000000000000000" pitchFamily="2" charset="2"/>
+              </a:rPr>
+              <a:t>学到的</a:t>
+            </a:r>
+            <a:r>
+              <a:rPr lang="en-US" altLang="zh-CN" sz="2000" dirty="0">
+                <a:solidFill>
+                  <a:schemeClr val="accent2"/>
+                </a:solidFill>
+                <a:sym typeface="Wingdings" panose="05000000000000000000" pitchFamily="2" charset="2"/>
+              </a:rPr>
+              <a:t>E</a:t>
+            </a:r>
+            <a:r>
+              <a:rPr lang="zh-CN" altLang="en-US" sz="2000" dirty="0">
+                <a:solidFill>
+                  <a:schemeClr val="accent2"/>
+                </a:solidFill>
+                <a:sym typeface="Wingdings" panose="05000000000000000000" pitchFamily="2" charset="2"/>
+              </a:rPr>
+              <a:t>光滑</a:t>
+            </a:r>
+            <a:endParaRPr lang="en-US" altLang="zh-CN" sz="2000" dirty="0">
+              <a:solidFill>
+                <a:schemeClr val="accent2"/>
+              </a:solidFill>
+              <a:sym typeface="Wingdings" panose="05000000000000000000" pitchFamily="2" charset="2"/>
+            </a:endParaRPr>
+          </a:p>
+          <a:p>
+            <a:pPr>
+              <a:lnSpc>
+                <a:spcPct val="120000"/>
+              </a:lnSpc>
+            </a:pPr>
+            <a:r>
+              <a:rPr lang="en-US" altLang="zh-CN" sz="2000" dirty="0">
+                <a:solidFill>
+                  <a:schemeClr val="accent1"/>
+                </a:solidFill>
+                <a:sym typeface="Wingdings" panose="05000000000000000000" pitchFamily="2" charset="2"/>
+              </a:rPr>
+              <a:t>Atom-wise OP</a:t>
+            </a:r>
+            <a:r>
+              <a:rPr lang="zh-CN" altLang="en-US" sz="2000" dirty="0">
+                <a:solidFill>
+                  <a:schemeClr val="accent1"/>
+                </a:solidFill>
+                <a:sym typeface="Wingdings" panose="05000000000000000000" pitchFamily="2" charset="2"/>
+              </a:rPr>
+              <a:t>：所有原子共享 </a:t>
+            </a:r>
+            <a:r>
+              <a:rPr lang="en-US" altLang="zh-CN" sz="2000" dirty="0">
+                <a:sym typeface="Wingdings" panose="05000000000000000000" pitchFamily="2" charset="2"/>
+              </a:rPr>
+              <a:t> </a:t>
+            </a:r>
+            <a:r>
+              <a:rPr lang="zh-CN" altLang="en-US" sz="2000" dirty="0">
+                <a:solidFill>
+                  <a:schemeClr val="accent2"/>
+                </a:solidFill>
+                <a:sym typeface="Wingdings" panose="05000000000000000000" pitchFamily="2" charset="2"/>
+              </a:rPr>
+              <a:t>可扩展性</a:t>
+            </a:r>
+            <a:endParaRPr lang="en-US" altLang="zh-CN" sz="2000" dirty="0">
+              <a:solidFill>
+                <a:schemeClr val="accent2"/>
+              </a:solidFill>
+              <a:sym typeface="Wingdings" panose="05000000000000000000" pitchFamily="2" charset="2"/>
+            </a:endParaRPr>
+          </a:p>
+          <a:p>
+            <a:pPr>
+              <a:lnSpc>
+                <a:spcPct val="120000"/>
+              </a:lnSpc>
+            </a:pPr>
+            <a:r>
+              <a:rPr lang="en-US" altLang="zh-CN" sz="2000" dirty="0">
+                <a:solidFill>
+                  <a:schemeClr val="accent1"/>
+                </a:solidFill>
+                <a:sym typeface="Wingdings" panose="05000000000000000000" pitchFamily="2" charset="2"/>
+              </a:rPr>
+              <a:t>Continuous filter</a:t>
+            </a:r>
+            <a:r>
+              <a:rPr lang="zh-CN" altLang="en-US" sz="2000" dirty="0">
+                <a:solidFill>
+                  <a:schemeClr val="accent1"/>
+                </a:solidFill>
+                <a:sym typeface="Wingdings" panose="05000000000000000000" pitchFamily="2" charset="2"/>
+              </a:rPr>
+              <a:t>：所有原子共享 </a:t>
+            </a:r>
+            <a:r>
+              <a:rPr lang="en-US" altLang="zh-CN" sz="2000" dirty="0">
+                <a:sym typeface="Wingdings" panose="05000000000000000000" pitchFamily="2" charset="2"/>
+              </a:rPr>
+              <a:t> </a:t>
+            </a:r>
+            <a:r>
+              <a:rPr lang="zh-CN" altLang="en-US" sz="2000" dirty="0">
+                <a:solidFill>
+                  <a:schemeClr val="accent2"/>
+                </a:solidFill>
+                <a:sym typeface="Wingdings" panose="05000000000000000000" pitchFamily="2" charset="2"/>
+              </a:rPr>
+              <a:t>可扩展性</a:t>
+            </a:r>
+            <a:endParaRPr lang="en-US" altLang="zh-CN" sz="2000" dirty="0">
+              <a:solidFill>
+                <a:schemeClr val="accent2"/>
+              </a:solidFill>
+              <a:sym typeface="Wingdings" panose="05000000000000000000" pitchFamily="2" charset="2"/>
+            </a:endParaRPr>
+          </a:p>
+          <a:p>
+            <a:pPr>
+              <a:lnSpc>
+                <a:spcPct val="120000"/>
+              </a:lnSpc>
+            </a:pPr>
+            <a:r>
+              <a:rPr lang="en-US" altLang="zh-CN" sz="2000" dirty="0">
+                <a:solidFill>
+                  <a:schemeClr val="accent1"/>
+                </a:solidFill>
+                <a:sym typeface="Wingdings" panose="05000000000000000000" pitchFamily="2" charset="2"/>
+              </a:rPr>
+              <a:t>Atom-wise/Feature-wise</a:t>
+            </a:r>
+            <a:r>
+              <a:rPr lang="zh-CN" altLang="en-US" sz="2000" dirty="0">
+                <a:solidFill>
+                  <a:schemeClr val="accent1"/>
+                </a:solidFill>
+                <a:sym typeface="Wingdings" panose="05000000000000000000" pitchFamily="2" charset="2"/>
+              </a:rPr>
+              <a:t>分离 </a:t>
+            </a:r>
+            <a:r>
+              <a:rPr lang="en-US" altLang="zh-CN" sz="2000" dirty="0">
+                <a:sym typeface="Wingdings" panose="05000000000000000000" pitchFamily="2" charset="2"/>
+              </a:rPr>
+              <a:t> </a:t>
+            </a:r>
+            <a:r>
+              <a:rPr lang="zh-CN" altLang="en-US" sz="2000" dirty="0">
+                <a:solidFill>
+                  <a:schemeClr val="accent2"/>
+                </a:solidFill>
+                <a:sym typeface="Wingdings" panose="05000000000000000000" pitchFamily="2" charset="2"/>
+              </a:rPr>
+              <a:t>计算效率</a:t>
+            </a:r>
+            <a:endParaRPr lang="en-US" altLang="zh-CN" sz="2000" dirty="0">
+              <a:solidFill>
+                <a:schemeClr val="accent2"/>
+              </a:solidFill>
+              <a:sym typeface="Wingdings" panose="05000000000000000000" pitchFamily="2" charset="2"/>
+            </a:endParaRPr>
+          </a:p>
+          <a:p>
+            <a:pPr>
+              <a:lnSpc>
+                <a:spcPct val="120000"/>
+              </a:lnSpc>
+            </a:pPr>
+            <a:r>
+              <a:rPr lang="zh-CN" altLang="en-US" sz="2000" dirty="0">
+                <a:solidFill>
+                  <a:schemeClr val="accent1"/>
+                </a:solidFill>
+                <a:sym typeface="Wingdings" panose="05000000000000000000" pitchFamily="2" charset="2"/>
+              </a:rPr>
+              <a:t>位置</a:t>
+            </a:r>
+            <a:r>
+              <a:rPr lang="en-US" altLang="zh-CN" sz="2000" dirty="0">
+                <a:solidFill>
+                  <a:schemeClr val="accent1"/>
+                </a:solidFill>
+                <a:sym typeface="Wingdings" panose="05000000000000000000" pitchFamily="2" charset="2"/>
+              </a:rPr>
+              <a:t>r</a:t>
+            </a:r>
+            <a:r>
+              <a:rPr lang="zh-CN" altLang="en-US" sz="2000" dirty="0">
+                <a:solidFill>
+                  <a:schemeClr val="accent1"/>
+                </a:solidFill>
+                <a:sym typeface="Wingdings" panose="05000000000000000000" pitchFamily="2" charset="2"/>
+              </a:rPr>
+              <a:t>转换为距离</a:t>
+            </a:r>
+            <a:r>
+              <a:rPr lang="en-US" altLang="zh-CN" sz="2000" dirty="0">
+                <a:solidFill>
+                  <a:schemeClr val="accent1"/>
+                </a:solidFill>
+                <a:sym typeface="Wingdings" panose="05000000000000000000" pitchFamily="2" charset="2"/>
+              </a:rPr>
+              <a:t>d</a:t>
+            </a:r>
+            <a:r>
+              <a:rPr lang="zh-CN" altLang="en-US" sz="2000" dirty="0">
+                <a:solidFill>
+                  <a:schemeClr val="accent1"/>
+                </a:solidFill>
+                <a:sym typeface="Wingdings" panose="05000000000000000000" pitchFamily="2" charset="2"/>
+              </a:rPr>
+              <a:t> </a:t>
+            </a:r>
+            <a:r>
+              <a:rPr lang="en-US" altLang="zh-CN" sz="2000" dirty="0">
+                <a:sym typeface="Wingdings" panose="05000000000000000000" pitchFamily="2" charset="2"/>
+              </a:rPr>
+              <a:t> </a:t>
+            </a:r>
+            <a:r>
+              <a:rPr lang="en-US" altLang="zh-CN" sz="2000" dirty="0">
+                <a:solidFill>
+                  <a:schemeClr val="accent2"/>
+                </a:solidFill>
+                <a:sym typeface="Wingdings" panose="05000000000000000000" pitchFamily="2" charset="2"/>
+              </a:rPr>
+              <a:t>E</a:t>
+            </a:r>
+            <a:r>
+              <a:rPr lang="zh-CN" altLang="en-US" sz="2000" dirty="0">
+                <a:solidFill>
+                  <a:schemeClr val="accent2"/>
+                </a:solidFill>
+                <a:sym typeface="Wingdings" panose="05000000000000000000" pitchFamily="2" charset="2"/>
+              </a:rPr>
+              <a:t>旋转不变性、</a:t>
+            </a:r>
+            <a:r>
+              <a:rPr lang="en-US" altLang="zh-CN" sz="2000" dirty="0">
+                <a:solidFill>
+                  <a:schemeClr val="accent2"/>
+                </a:solidFill>
+                <a:sym typeface="Wingdings" panose="05000000000000000000" pitchFamily="2" charset="2"/>
+              </a:rPr>
+              <a:t>F</a:t>
+            </a:r>
+            <a:r>
+              <a:rPr lang="zh-CN" altLang="en-US" sz="2000" dirty="0">
+                <a:solidFill>
+                  <a:schemeClr val="accent2"/>
+                </a:solidFill>
+                <a:sym typeface="Wingdings" panose="05000000000000000000" pitchFamily="2" charset="2"/>
+              </a:rPr>
+              <a:t>旋转等变性</a:t>
+            </a:r>
+            <a:endParaRPr lang="en-US" altLang="zh-CN" sz="2000" dirty="0">
+              <a:solidFill>
+                <a:schemeClr val="accent2"/>
+              </a:solidFill>
+              <a:sym typeface="Wingdings" panose="05000000000000000000" pitchFamily="2" charset="2"/>
+            </a:endParaRPr>
+          </a:p>
+          <a:p>
+            <a:pPr>
+              <a:lnSpc>
+                <a:spcPct val="120000"/>
+              </a:lnSpc>
+            </a:pPr>
+            <a:r>
+              <a:rPr lang="zh-CN" altLang="en-US" sz="2000" dirty="0">
+                <a:solidFill>
+                  <a:schemeClr val="accent1"/>
+                </a:solidFill>
+                <a:sym typeface="Wingdings" panose="05000000000000000000" pitchFamily="2" charset="2"/>
+              </a:rPr>
+              <a:t>距离</a:t>
+            </a:r>
+            <a:r>
+              <a:rPr lang="en-US" altLang="zh-CN" sz="2000" dirty="0">
+                <a:solidFill>
+                  <a:schemeClr val="accent1"/>
+                </a:solidFill>
+                <a:sym typeface="Wingdings" panose="05000000000000000000" pitchFamily="2" charset="2"/>
+              </a:rPr>
+              <a:t>d</a:t>
+            </a:r>
+            <a:r>
+              <a:rPr lang="zh-CN" altLang="en-US" sz="2000" dirty="0">
+                <a:solidFill>
+                  <a:schemeClr val="accent1"/>
+                </a:solidFill>
+                <a:sym typeface="Wingdings" panose="05000000000000000000" pitchFamily="2" charset="2"/>
+              </a:rPr>
+              <a:t>的</a:t>
+            </a:r>
+            <a:r>
+              <a:rPr lang="en-US" altLang="zh-CN" sz="2000" dirty="0">
+                <a:solidFill>
+                  <a:schemeClr val="accent1"/>
+                </a:solidFill>
+                <a:sym typeface="Wingdings" panose="05000000000000000000" pitchFamily="2" charset="2"/>
+              </a:rPr>
+              <a:t>RBF</a:t>
+            </a:r>
+            <a:r>
+              <a:rPr lang="zh-CN" altLang="en-US" sz="2000" dirty="0">
+                <a:solidFill>
+                  <a:schemeClr val="accent1"/>
+                </a:solidFill>
+                <a:sym typeface="Wingdings" panose="05000000000000000000" pitchFamily="2" charset="2"/>
+              </a:rPr>
+              <a:t>采样</a:t>
+            </a:r>
+            <a:endParaRPr lang="en-US" altLang="zh-CN" sz="2000" dirty="0">
+              <a:sym typeface="Wingdings" panose="05000000000000000000" pitchFamily="2" charset="2"/>
+            </a:endParaRPr>
+          </a:p>
+          <a:p>
+            <a:pPr lvl="1">
+              <a:lnSpc>
+                <a:spcPct val="120000"/>
+              </a:lnSpc>
+            </a:pPr>
+            <a:r>
+              <a:rPr lang="en-US" altLang="zh-CN" sz="1800" dirty="0">
+                <a:solidFill>
+                  <a:schemeClr val="accent1"/>
+                </a:solidFill>
+                <a:sym typeface="Wingdings" panose="05000000000000000000" pitchFamily="2" charset="2"/>
+              </a:rPr>
+              <a:t>Centers</a:t>
+            </a:r>
+            <a:r>
+              <a:rPr lang="en-US" altLang="zh-CN" sz="1800" dirty="0">
+                <a:sym typeface="Wingdings" panose="05000000000000000000" pitchFamily="2" charset="2"/>
+              </a:rPr>
+              <a:t>  </a:t>
+            </a:r>
+            <a:r>
+              <a:rPr lang="en-US" altLang="zh-CN" sz="1800" dirty="0">
+                <a:solidFill>
+                  <a:schemeClr val="accent2"/>
+                </a:solidFill>
+                <a:sym typeface="Wingdings" panose="05000000000000000000" pitchFamily="2" charset="2"/>
+              </a:rPr>
+              <a:t>filter resolution</a:t>
+            </a:r>
+          </a:p>
+          <a:p>
+            <a:pPr lvl="1">
+              <a:lnSpc>
+                <a:spcPct val="120000"/>
+              </a:lnSpc>
+            </a:pPr>
+            <a:r>
+              <a:rPr lang="en-US" altLang="zh-CN" sz="1800" dirty="0">
+                <a:solidFill>
+                  <a:schemeClr val="accent1"/>
+                </a:solidFill>
+                <a:sym typeface="Wingdings" panose="05000000000000000000" pitchFamily="2" charset="2"/>
+              </a:rPr>
+              <a:t>Range of centers </a:t>
+            </a:r>
+            <a:r>
+              <a:rPr lang="en-US" altLang="zh-CN" sz="1800" dirty="0">
+                <a:sym typeface="Wingdings" panose="05000000000000000000" pitchFamily="2" charset="2"/>
+              </a:rPr>
+              <a:t> </a:t>
+            </a:r>
+            <a:r>
+              <a:rPr lang="en-US" altLang="zh-CN" sz="1800" dirty="0">
+                <a:solidFill>
+                  <a:schemeClr val="accent2"/>
+                </a:solidFill>
+                <a:sym typeface="Wingdings" panose="05000000000000000000" pitchFamily="2" charset="2"/>
+              </a:rPr>
+              <a:t>filter size</a:t>
+            </a:r>
+          </a:p>
+          <a:p>
+            <a:pPr>
+              <a:lnSpc>
+                <a:spcPct val="120000"/>
+              </a:lnSpc>
+            </a:pPr>
+            <a:r>
+              <a:rPr lang="zh-CN" altLang="en-US" sz="2000" dirty="0">
+                <a:solidFill>
+                  <a:schemeClr val="accent1"/>
+                </a:solidFill>
+                <a:sym typeface="Wingdings" panose="05000000000000000000" pitchFamily="2" charset="2"/>
+              </a:rPr>
+              <a:t>多层</a:t>
+            </a:r>
+            <a:r>
+              <a:rPr lang="en-US" altLang="zh-CN" sz="2000" dirty="0">
+                <a:solidFill>
+                  <a:schemeClr val="accent1"/>
+                </a:solidFill>
+                <a:sym typeface="Wingdings" panose="05000000000000000000" pitchFamily="2" charset="2"/>
+              </a:rPr>
+              <a:t>Interaction </a:t>
+            </a:r>
+            <a:r>
+              <a:rPr lang="en-US" altLang="zh-CN" sz="2000" dirty="0">
+                <a:sym typeface="Wingdings" panose="05000000000000000000" pitchFamily="2" charset="2"/>
+              </a:rPr>
+              <a:t></a:t>
+            </a:r>
+            <a:r>
+              <a:rPr lang="en-US" altLang="zh-CN" sz="2000" dirty="0">
+                <a:solidFill>
+                  <a:schemeClr val="accent2"/>
+                </a:solidFill>
+                <a:sym typeface="Wingdings" panose="05000000000000000000" pitchFamily="2" charset="2"/>
+              </a:rPr>
+              <a:t> </a:t>
+            </a:r>
+          </a:p>
+          <a:p>
+            <a:pPr lvl="1">
+              <a:lnSpc>
+                <a:spcPct val="120000"/>
+              </a:lnSpc>
+            </a:pPr>
+            <a:r>
+              <a:rPr lang="en-US" altLang="zh-CN" sz="1900" dirty="0">
+                <a:solidFill>
+                  <a:schemeClr val="accent2"/>
+                </a:solidFill>
+                <a:sym typeface="Wingdings" panose="05000000000000000000" pitchFamily="2" charset="2"/>
+              </a:rPr>
+              <a:t>complex many-body representations</a:t>
+            </a:r>
+            <a:r>
+              <a:rPr lang="zh-CN" altLang="en-US" sz="1900" dirty="0">
+                <a:solidFill>
+                  <a:schemeClr val="accent2"/>
+                </a:solidFill>
+                <a:sym typeface="Wingdings" panose="05000000000000000000" pitchFamily="2" charset="2"/>
+              </a:rPr>
+              <a:t>（</a:t>
+            </a:r>
+            <a:r>
+              <a:rPr lang="en-US" altLang="zh-CN" sz="1900" dirty="0">
+                <a:solidFill>
+                  <a:srgbClr val="FF0000"/>
+                </a:solidFill>
+                <a:sym typeface="Wingdings" panose="05000000000000000000" pitchFamily="2" charset="2"/>
+              </a:rPr>
+              <a:t>spirit of DTNN</a:t>
+            </a:r>
+            <a:r>
+              <a:rPr lang="zh-CN" altLang="en-US" sz="1900" dirty="0">
+                <a:solidFill>
+                  <a:schemeClr val="accent2"/>
+                </a:solidFill>
+                <a:sym typeface="Wingdings" panose="05000000000000000000" pitchFamily="2" charset="2"/>
+              </a:rPr>
+              <a:t>）</a:t>
+            </a:r>
+            <a:endParaRPr lang="en-US" altLang="zh-CN" sz="1900" dirty="0">
+              <a:solidFill>
+                <a:schemeClr val="accent2"/>
+              </a:solidFill>
+              <a:sym typeface="Wingdings" panose="05000000000000000000" pitchFamily="2" charset="2"/>
+            </a:endParaRPr>
+          </a:p>
+          <a:p>
+            <a:pPr lvl="1">
+              <a:lnSpc>
+                <a:spcPct val="120000"/>
+              </a:lnSpc>
+            </a:pPr>
+            <a:r>
+              <a:rPr lang="zh-CN" altLang="en-US" sz="1600" dirty="0">
+                <a:solidFill>
+                  <a:schemeClr val="accent2"/>
+                </a:solidFill>
+                <a:sym typeface="Wingdings" panose="05000000000000000000" pitchFamily="2" charset="2"/>
+              </a:rPr>
+              <a:t>不同的</a:t>
+            </a:r>
+            <a:r>
+              <a:rPr lang="en-US" altLang="zh-CN" sz="1600" dirty="0">
+                <a:solidFill>
+                  <a:schemeClr val="accent2"/>
+                </a:solidFill>
+                <a:sym typeface="Wingdings" panose="05000000000000000000" pitchFamily="2" charset="2"/>
+              </a:rPr>
+              <a:t>Interaction</a:t>
+            </a:r>
+            <a:r>
+              <a:rPr lang="zh-CN" altLang="en-US" sz="1600" dirty="0">
+                <a:solidFill>
+                  <a:schemeClr val="accent2"/>
+                </a:solidFill>
+                <a:sym typeface="Wingdings" panose="05000000000000000000" pitchFamily="2" charset="2"/>
+              </a:rPr>
+              <a:t>层未使用共享权重（</a:t>
+            </a:r>
+            <a:r>
+              <a:rPr lang="en-US" altLang="zh-CN" sz="1600" dirty="0">
+                <a:solidFill>
+                  <a:srgbClr val="FF0000"/>
+                </a:solidFill>
+                <a:sym typeface="Wingdings" panose="05000000000000000000" pitchFamily="2" charset="2"/>
+              </a:rPr>
+              <a:t>MPNN</a:t>
+            </a:r>
+            <a:r>
+              <a:rPr lang="zh-CN" altLang="en-US" sz="1600" dirty="0">
+                <a:solidFill>
+                  <a:srgbClr val="FF0000"/>
+                </a:solidFill>
+                <a:sym typeface="Wingdings" panose="05000000000000000000" pitchFamily="2" charset="2"/>
+              </a:rPr>
+              <a:t>、</a:t>
+            </a:r>
+            <a:r>
+              <a:rPr lang="en-US" altLang="zh-CN" sz="1600" dirty="0">
+                <a:solidFill>
+                  <a:srgbClr val="FF0000"/>
+                </a:solidFill>
+                <a:sym typeface="Wingdings" panose="05000000000000000000" pitchFamily="2" charset="2"/>
+              </a:rPr>
+              <a:t>DTNN</a:t>
+            </a:r>
+            <a:r>
+              <a:rPr lang="zh-CN" altLang="en-US" sz="1600" dirty="0">
+                <a:solidFill>
+                  <a:srgbClr val="FF0000"/>
+                </a:solidFill>
+                <a:sym typeface="Wingdings" panose="05000000000000000000" pitchFamily="2" charset="2"/>
+              </a:rPr>
+              <a:t>的多个</a:t>
+            </a:r>
+            <a:r>
+              <a:rPr lang="en-US" altLang="zh-CN" sz="1600" dirty="0">
+                <a:solidFill>
+                  <a:srgbClr val="FF0000"/>
+                </a:solidFill>
+                <a:sym typeface="Wingdings" panose="05000000000000000000" pitchFamily="2" charset="2"/>
+              </a:rPr>
+              <a:t>Interaction</a:t>
+            </a:r>
+            <a:r>
+              <a:rPr lang="zh-CN" altLang="en-US" sz="1600" dirty="0">
+                <a:solidFill>
+                  <a:srgbClr val="FF0000"/>
+                </a:solidFill>
+                <a:sym typeface="Wingdings" panose="05000000000000000000" pitchFamily="2" charset="2"/>
+              </a:rPr>
+              <a:t>层使用共享权重</a:t>
+            </a:r>
+            <a:r>
+              <a:rPr lang="zh-CN" altLang="en-US" sz="1600" dirty="0">
+                <a:solidFill>
+                  <a:schemeClr val="accent2"/>
+                </a:solidFill>
+                <a:sym typeface="Wingdings" panose="05000000000000000000" pitchFamily="2" charset="2"/>
+              </a:rPr>
+              <a:t>）</a:t>
+            </a:r>
+            <a:endParaRPr lang="en-US" altLang="zh-CN" sz="1600" dirty="0">
+              <a:solidFill>
+                <a:schemeClr val="accent2"/>
+              </a:solidFill>
+              <a:sym typeface="Wingdings" panose="05000000000000000000" pitchFamily="2" charset="2"/>
+            </a:endParaRPr>
+          </a:p>
+          <a:p>
+            <a:pPr>
+              <a:lnSpc>
+                <a:spcPct val="120000"/>
+              </a:lnSpc>
+            </a:pPr>
+            <a:r>
+              <a:rPr lang="zh-CN" altLang="en-US" sz="2000" dirty="0">
+                <a:solidFill>
+                  <a:schemeClr val="accent1"/>
+                </a:solidFill>
+                <a:sym typeface="Wingdings" panose="05000000000000000000" pitchFamily="2" charset="2"/>
+              </a:rPr>
+              <a:t>损失函数中使用</a:t>
+            </a:r>
+            <a:r>
+              <a:rPr lang="en-US" altLang="zh-CN" sz="2000" dirty="0">
+                <a:solidFill>
+                  <a:schemeClr val="accent1"/>
+                </a:solidFill>
+                <a:sym typeface="Wingdings" panose="05000000000000000000" pitchFamily="2" charset="2"/>
+              </a:rPr>
+              <a:t>E</a:t>
+            </a:r>
+            <a:r>
+              <a:rPr lang="zh-CN" altLang="en-US" sz="2000" dirty="0">
+                <a:solidFill>
+                  <a:schemeClr val="accent1"/>
+                </a:solidFill>
+                <a:sym typeface="Wingdings" panose="05000000000000000000" pitchFamily="2" charset="2"/>
+              </a:rPr>
+              <a:t>和</a:t>
+            </a:r>
+            <a:r>
+              <a:rPr lang="en-US" altLang="zh-CN" sz="2000" dirty="0">
+                <a:solidFill>
+                  <a:schemeClr val="accent1"/>
+                </a:solidFill>
+                <a:sym typeface="Wingdings" panose="05000000000000000000" pitchFamily="2" charset="2"/>
+              </a:rPr>
+              <a:t>F </a:t>
+            </a:r>
+            <a:r>
+              <a:rPr lang="en-US" altLang="zh-CN" sz="2000" dirty="0">
+                <a:solidFill>
+                  <a:schemeClr val="accent2"/>
+                </a:solidFill>
+                <a:sym typeface="Wingdings" panose="05000000000000000000" pitchFamily="2" charset="2"/>
+              </a:rPr>
+              <a:t> </a:t>
+            </a:r>
+            <a:r>
+              <a:rPr lang="zh-CN" altLang="en-US" sz="2000" dirty="0">
+                <a:solidFill>
+                  <a:schemeClr val="accent2"/>
+                </a:solidFill>
+                <a:sym typeface="Wingdings" panose="05000000000000000000" pitchFamily="2" charset="2"/>
+              </a:rPr>
+              <a:t>提高预测精度</a:t>
+            </a:r>
+            <a:endParaRPr lang="en-US" altLang="zh-CN" dirty="0">
+              <a:sym typeface="Wingdings" panose="05000000000000000000" pitchFamily="2" charset="2"/>
+            </a:endParaRPr>
+          </a:p>
+        </p:txBody>
+      </p:sp>
+      <p:sp>
+        <p:nvSpPr>
+          <p:cNvPr id="4" name="文本框 3"/>
+          <p:cNvSpPr txBox="1"/>
+          <p:nvPr/>
+        </p:nvSpPr>
+        <p:spPr>
+          <a:xfrm>
+            <a:off x="5546785" y="4744528"/>
+            <a:ext cx="2394245" cy="369332"/>
+          </a:xfrm>
+          <a:prstGeom prst="rect">
+            <a:avLst/>
+          </a:prstGeom>
+          <a:noFill/>
+        </p:spPr>
+        <p:txBody>
+          <a:bodyPr wrap="none" rtlCol="0">
+            <a:spAutoFit/>
+          </a:bodyPr>
+          <a:lstStyle/>
+          <a:p>
+            <a:r>
+              <a:rPr lang="en-US" altLang="zh-CN" dirty="0">
+                <a:solidFill>
+                  <a:srgbClr val="00B050"/>
+                </a:solidFill>
+              </a:rPr>
+              <a:t>DTNN</a:t>
+            </a:r>
+            <a:r>
+              <a:rPr lang="zh-CN" altLang="en-US" dirty="0">
+                <a:solidFill>
+                  <a:srgbClr val="00B050"/>
+                </a:solidFill>
+              </a:rPr>
+              <a:t>、</a:t>
+            </a:r>
+            <a:r>
+              <a:rPr lang="en-US" altLang="zh-CN" dirty="0">
+                <a:solidFill>
+                  <a:srgbClr val="00B050"/>
+                </a:solidFill>
+              </a:rPr>
+              <a:t>MPNN</a:t>
+            </a:r>
+            <a:r>
+              <a:rPr lang="zh-CN" altLang="en-US" dirty="0">
+                <a:solidFill>
+                  <a:srgbClr val="00B050"/>
+                </a:solidFill>
+              </a:rPr>
+              <a:t>详见</a:t>
+            </a:r>
+            <a:r>
+              <a:rPr lang="en-US" altLang="zh-CN" dirty="0">
+                <a:solidFill>
+                  <a:srgbClr val="00B050"/>
+                </a:solidFill>
+              </a:rPr>
+              <a:t>P18</a:t>
+            </a:r>
+            <a:endParaRPr lang="zh-CN" altLang="en-US" dirty="0">
+              <a:solidFill>
+                <a:srgbClr val="00B050"/>
+              </a:solidFill>
+            </a:endParaRPr>
+          </a:p>
+        </p:txBody>
+      </p:sp>
+    </p:spTree>
+    <p:extLst>
+      <p:ext uri="{BB962C8B-B14F-4D97-AF65-F5344CB8AC3E}">
+        <p14:creationId xmlns:p14="http://schemas.microsoft.com/office/powerpoint/2010/main" val="3961630118"/>
+      </p:ext>
+    </p:extLst>
+  </p:cSld>
+  <p:clrMapOvr>
+    <a:masterClrMapping/>
+  </p:clrMapOvr>
+</p:sld>
+</file>
+
+<file path=ppt/slides/slide16.xml><?xml version="1.0" encoding="utf-8"?>
+<p:sld xmlns:a="http://schemas.openxmlformats.org/drawingml/2006/main" xmlns:r="http://schemas.openxmlformats.org/officeDocument/2006/relationships" xmlns:p="http://schemas.openxmlformats.org/presentationml/2006/main">
+  <p:cSld>
+    <p:spTree>
+      <p:nvGrpSpPr>
+        <p:cNvPr id="1" name=""/>
+        <p:cNvGrpSpPr/>
+        <p:nvPr/>
+      </p:nvGrpSpPr>
+      <p:grpSpPr>
+        <a:xfrm>
+          <a:off x="0" y="0"/>
+          <a:ext cx="0" cy="0"/>
+          <a:chOff x="0" y="0"/>
+          <a:chExt cx="0" cy="0"/>
+        </a:xfrm>
+      </p:grpSpPr>
+      <p:sp>
+        <p:nvSpPr>
+          <p:cNvPr id="2" name="标题 1"/>
+          <p:cNvSpPr>
+            <a:spLocks noGrp="1"/>
+          </p:cNvSpPr>
+          <p:nvPr>
+            <p:ph type="title"/>
+          </p:nvPr>
+        </p:nvSpPr>
+        <p:spPr/>
+        <p:txBody>
+          <a:bodyPr>
+            <a:normAutofit/>
+          </a:bodyPr>
+          <a:lstStyle/>
+          <a:p>
+            <a:r>
+              <a:rPr lang="en-US" altLang="zh-CN" dirty="0"/>
+              <a:t>Technical review</a:t>
+            </a:r>
+            <a:br>
+              <a:rPr lang="en-US" altLang="zh-CN" dirty="0"/>
+            </a:br>
+            <a:r>
+              <a:rPr lang="en-US" altLang="zh-CN" sz="3600" dirty="0">
+                <a:solidFill>
+                  <a:srgbClr val="FF0000"/>
+                </a:solidFill>
+              </a:rPr>
+              <a:t>Why dynamic filter architecture?</a:t>
+            </a:r>
+            <a:endParaRPr lang="zh-CN" altLang="en-US" dirty="0">
+              <a:solidFill>
+                <a:srgbClr val="FF0000"/>
+              </a:solidFill>
+            </a:endParaRPr>
+          </a:p>
+        </p:txBody>
+      </p:sp>
+      <p:sp>
+        <p:nvSpPr>
+          <p:cNvPr id="3" name="内容占位符 2"/>
+          <p:cNvSpPr>
+            <a:spLocks noGrp="1"/>
+          </p:cNvSpPr>
+          <p:nvPr>
+            <p:ph idx="1"/>
+          </p:nvPr>
+        </p:nvSpPr>
+        <p:spPr>
+          <a:xfrm>
+            <a:off x="576261" y="3864935"/>
+            <a:ext cx="8464221" cy="2639382"/>
+          </a:xfrm>
+        </p:spPr>
+        <p:txBody>
+          <a:bodyPr>
+            <a:normAutofit fontScale="85000" lnSpcReduction="10000"/>
+          </a:bodyPr>
+          <a:lstStyle/>
+          <a:p>
+            <a:r>
+              <a:rPr lang="zh-CN" altLang="en-US" sz="2400" dirty="0">
+                <a:solidFill>
+                  <a:srgbClr val="FF0000"/>
+                </a:solidFill>
+              </a:rPr>
+              <a:t>与</a:t>
+            </a:r>
+            <a:r>
+              <a:rPr lang="en-US" altLang="zh-CN" sz="2400" dirty="0" err="1">
+                <a:solidFill>
+                  <a:srgbClr val="FF0000"/>
+                </a:solidFill>
+              </a:rPr>
+              <a:t>ResNet</a:t>
+            </a:r>
+            <a:r>
+              <a:rPr lang="zh-CN" altLang="en-US" sz="2400" dirty="0">
+                <a:solidFill>
+                  <a:srgbClr val="FF0000"/>
+                </a:solidFill>
+              </a:rPr>
+              <a:t>的相似性：网络生成一些参数，再以这些参数来改变输入</a:t>
+            </a:r>
+            <a:endParaRPr lang="en-US" altLang="zh-CN" sz="2400" dirty="0">
+              <a:solidFill>
+                <a:srgbClr val="FF0000"/>
+              </a:solidFill>
+            </a:endParaRPr>
+          </a:p>
+          <a:p>
+            <a:pPr lvl="1"/>
+            <a:r>
+              <a:rPr lang="en-US" altLang="zh-CN" dirty="0" err="1">
+                <a:solidFill>
+                  <a:schemeClr val="accent1"/>
+                </a:solidFill>
+              </a:rPr>
+              <a:t>ResNet</a:t>
+            </a:r>
+            <a:r>
+              <a:rPr lang="zh-CN" altLang="en-US" dirty="0"/>
+              <a:t>：两个</a:t>
+            </a:r>
+            <a:r>
+              <a:rPr lang="en-US" altLang="zh-CN" dirty="0"/>
+              <a:t>branch</a:t>
+            </a:r>
+            <a:r>
+              <a:rPr lang="zh-CN" altLang="en-US" dirty="0">
+                <a:solidFill>
+                  <a:schemeClr val="accent2"/>
+                </a:solidFill>
+              </a:rPr>
+              <a:t>加法性合并</a:t>
+            </a:r>
+            <a:endParaRPr lang="en-US" altLang="zh-CN" dirty="0">
+              <a:solidFill>
+                <a:schemeClr val="accent2"/>
+              </a:solidFill>
+            </a:endParaRPr>
+          </a:p>
+          <a:p>
+            <a:pPr lvl="1"/>
+            <a:r>
+              <a:rPr lang="en-US" altLang="zh-CN" dirty="0">
+                <a:solidFill>
+                  <a:schemeClr val="accent1"/>
+                </a:solidFill>
+              </a:rPr>
+              <a:t>Dynamic filter network</a:t>
+            </a:r>
+            <a:r>
+              <a:rPr lang="zh-CN" altLang="en-US" dirty="0"/>
+              <a:t>：两个</a:t>
+            </a:r>
+            <a:r>
+              <a:rPr lang="en-US" altLang="zh-CN" dirty="0"/>
+              <a:t>branch</a:t>
+            </a:r>
+            <a:r>
+              <a:rPr lang="zh-CN" altLang="en-US" dirty="0">
+                <a:solidFill>
+                  <a:schemeClr val="accent2"/>
+                </a:solidFill>
+              </a:rPr>
+              <a:t>乘法性合并（</a:t>
+            </a:r>
+            <a:r>
+              <a:rPr lang="en-US" altLang="zh-CN" dirty="0">
+                <a:solidFill>
+                  <a:schemeClr val="accent2"/>
+                </a:solidFill>
+              </a:rPr>
+              <a:t>filter apply</a:t>
+            </a:r>
+            <a:r>
+              <a:rPr lang="zh-CN" altLang="en-US" dirty="0">
+                <a:solidFill>
+                  <a:schemeClr val="accent2"/>
+                </a:solidFill>
+              </a:rPr>
+              <a:t>）</a:t>
+            </a:r>
+            <a:endParaRPr lang="en-US" altLang="zh-CN" dirty="0">
+              <a:solidFill>
+                <a:schemeClr val="accent2"/>
+              </a:solidFill>
+            </a:endParaRPr>
+          </a:p>
+          <a:p>
+            <a:pPr lvl="1"/>
+            <a:endParaRPr lang="en-US" altLang="zh-CN" dirty="0">
+              <a:solidFill>
+                <a:schemeClr val="accent2"/>
+              </a:solidFill>
+            </a:endParaRPr>
+          </a:p>
+          <a:p>
+            <a:r>
+              <a:rPr lang="zh-CN" altLang="en-US" sz="2400" dirty="0">
+                <a:solidFill>
+                  <a:srgbClr val="FF0000"/>
+                </a:solidFill>
+              </a:rPr>
+              <a:t>以（一维）卷积操作来表示原子间的相互作用</a:t>
+            </a:r>
+            <a:endParaRPr lang="en-US" altLang="zh-CN" sz="2400" dirty="0">
+              <a:solidFill>
+                <a:srgbClr val="FF0000"/>
+              </a:solidFill>
+            </a:endParaRPr>
+          </a:p>
+          <a:p>
+            <a:pPr lvl="1">
+              <a:lnSpc>
+                <a:spcPct val="110000"/>
+              </a:lnSpc>
+            </a:pPr>
+            <a:r>
+              <a:rPr lang="zh-CN" altLang="en-US" sz="2100" dirty="0">
+                <a:solidFill>
+                  <a:schemeClr val="accent1"/>
+                </a:solidFill>
+              </a:rPr>
+              <a:t>这种相互作用是基于输入（原子位置）但又作用于输入（当前能量状态）的</a:t>
+            </a:r>
+            <a:endParaRPr lang="en-US" altLang="zh-CN" sz="2100" dirty="0">
+              <a:solidFill>
+                <a:schemeClr val="accent1"/>
+              </a:solidFill>
+            </a:endParaRPr>
+          </a:p>
+          <a:p>
+            <a:pPr lvl="1"/>
+            <a:r>
+              <a:rPr lang="en-US" altLang="zh-CN" dirty="0">
+                <a:solidFill>
+                  <a:schemeClr val="accent1"/>
+                </a:solidFill>
+              </a:rPr>
+              <a:t>Dynamic filter network</a:t>
+            </a:r>
+            <a:r>
+              <a:rPr lang="zh-CN" altLang="en-US" dirty="0">
+                <a:solidFill>
+                  <a:schemeClr val="accent1"/>
+                </a:solidFill>
+              </a:rPr>
+              <a:t>是一种可行的结构</a:t>
+            </a:r>
+            <a:endParaRPr lang="en-US" altLang="zh-CN" dirty="0">
+              <a:solidFill>
+                <a:schemeClr val="accent1"/>
+              </a:solidFill>
+            </a:endParaRPr>
+          </a:p>
+          <a:p>
+            <a:pPr lvl="1"/>
+            <a:r>
+              <a:rPr lang="en-US" altLang="zh-CN" sz="2100" dirty="0">
+                <a:solidFill>
+                  <a:srgbClr val="FF0000"/>
+                </a:solidFill>
+              </a:rPr>
+              <a:t>Q</a:t>
+            </a:r>
+            <a:r>
+              <a:rPr lang="zh-CN" altLang="en-US" sz="2100" dirty="0">
+                <a:solidFill>
+                  <a:srgbClr val="FF0000"/>
+                </a:solidFill>
+              </a:rPr>
+              <a:t>：原子间的相互作用（增量）有乘法性的本质吗？</a:t>
+            </a:r>
+            <a:endParaRPr lang="en-US" altLang="zh-CN" sz="2100" dirty="0">
+              <a:solidFill>
+                <a:srgbClr val="FF0000"/>
+              </a:solidFill>
+            </a:endParaRPr>
+          </a:p>
+        </p:txBody>
+      </p:sp>
+      <p:pic>
+        <p:nvPicPr>
+          <p:cNvPr id="4" name="图片 3">
+            <a:extLst>
+              <a:ext uri="{FF2B5EF4-FFF2-40B4-BE49-F238E27FC236}">
+                <a16:creationId xmlns:a16="http://schemas.microsoft.com/office/drawing/2014/main" id="{8CB0B787-71DE-454A-8B2A-7A013124F02E}"/>
+              </a:ext>
+            </a:extLst>
+          </p:cNvPr>
+          <p:cNvPicPr>
+            <a:picLocks noChangeAspect="1"/>
+          </p:cNvPicPr>
+          <p:nvPr/>
+        </p:nvPicPr>
+        <p:blipFill>
+          <a:blip r:embed="rId2"/>
+          <a:stretch>
+            <a:fillRect/>
+          </a:stretch>
+        </p:blipFill>
+        <p:spPr>
+          <a:xfrm>
+            <a:off x="0" y="1755404"/>
+            <a:ext cx="4097546" cy="1867903"/>
+          </a:xfrm>
+          <a:prstGeom prst="rect">
+            <a:avLst/>
+          </a:prstGeom>
+        </p:spPr>
+      </p:pic>
+      <p:pic>
+        <p:nvPicPr>
+          <p:cNvPr id="11" name="图片 10"/>
+          <p:cNvPicPr>
+            <a:picLocks noChangeAspect="1"/>
+          </p:cNvPicPr>
+          <p:nvPr/>
+        </p:nvPicPr>
+        <p:blipFill>
+          <a:blip r:embed="rId3"/>
+          <a:stretch>
+            <a:fillRect/>
+          </a:stretch>
+        </p:blipFill>
+        <p:spPr>
+          <a:xfrm>
+            <a:off x="4286699" y="1932317"/>
+            <a:ext cx="4648483" cy="1690990"/>
+          </a:xfrm>
+          <a:prstGeom prst="rect">
+            <a:avLst/>
+          </a:prstGeom>
+        </p:spPr>
+      </p:pic>
+    </p:spTree>
+    <p:extLst>
+      <p:ext uri="{BB962C8B-B14F-4D97-AF65-F5344CB8AC3E}">
+        <p14:creationId xmlns:p14="http://schemas.microsoft.com/office/powerpoint/2010/main" val="522102616"/>
+      </p:ext>
+    </p:extLst>
+  </p:cSld>
+  <p:clrMapOvr>
+    <a:masterClrMapping/>
+  </p:clrMapOvr>
+</p:sld>
+</file>
+
+<file path=ppt/slides/slide17.xml><?xml version="1.0" encoding="utf-8"?>
+<p:sld xmlns:a="http://schemas.openxmlformats.org/drawingml/2006/main" xmlns:r="http://schemas.openxmlformats.org/officeDocument/2006/relationships" xmlns:p="http://schemas.openxmlformats.org/presentationml/2006/main">
+  <p:cSld>
+    <p:spTree>
+      <p:nvGrpSpPr>
+        <p:cNvPr id="1" name=""/>
+        <p:cNvGrpSpPr/>
+        <p:nvPr/>
+      </p:nvGrpSpPr>
+      <p:grpSpPr>
+        <a:xfrm>
+          <a:off x="0" y="0"/>
+          <a:ext cx="0" cy="0"/>
+          <a:chOff x="0" y="0"/>
+          <a:chExt cx="0" cy="0"/>
+        </a:xfrm>
+      </p:grpSpPr>
+      <p:sp>
+        <p:nvSpPr>
+          <p:cNvPr id="2" name="标题 1">
+            <a:extLst>
+              <a:ext uri="{FF2B5EF4-FFF2-40B4-BE49-F238E27FC236}">
+                <a16:creationId xmlns:a16="http://schemas.microsoft.com/office/drawing/2014/main" id="{397D0DE8-052A-4797-8AEE-BF009B06D2F7}"/>
+              </a:ext>
+            </a:extLst>
+          </p:cNvPr>
+          <p:cNvSpPr>
+            <a:spLocks noGrp="1"/>
+          </p:cNvSpPr>
+          <p:nvPr>
+            <p:ph type="title"/>
+          </p:nvPr>
+        </p:nvSpPr>
+        <p:spPr/>
+        <p:txBody>
+          <a:bodyPr>
+            <a:normAutofit/>
+          </a:bodyPr>
+          <a:lstStyle/>
+          <a:p>
+            <a:r>
+              <a:rPr lang="en-US" altLang="zh-CN" dirty="0"/>
+              <a:t>Technical review</a:t>
+            </a:r>
+            <a:br>
+              <a:rPr lang="en-US" altLang="zh-CN" dirty="0"/>
+            </a:br>
+            <a:r>
+              <a:rPr lang="en-US" altLang="zh-CN" dirty="0">
+                <a:solidFill>
+                  <a:srgbClr val="FF0000"/>
+                </a:solidFill>
+              </a:rPr>
+              <a:t>S</a:t>
+            </a:r>
+            <a:r>
+              <a:rPr lang="en-US" altLang="zh-CN" sz="3600" dirty="0">
+                <a:solidFill>
+                  <a:srgbClr val="FF0000"/>
+                </a:solidFill>
+              </a:rPr>
+              <a:t>hifted </a:t>
+            </a:r>
+            <a:r>
+              <a:rPr lang="en-US" altLang="zh-CN" sz="3600" dirty="0" err="1">
+                <a:solidFill>
+                  <a:srgbClr val="FF0000"/>
+                </a:solidFill>
+              </a:rPr>
+              <a:t>softplus</a:t>
+            </a:r>
+            <a:r>
+              <a:rPr lang="en-US" altLang="zh-CN" sz="3600" dirty="0">
+                <a:solidFill>
+                  <a:srgbClr val="FF0000"/>
+                </a:solidFill>
+              </a:rPr>
+              <a:t> activation</a:t>
+            </a:r>
+            <a:endParaRPr lang="zh-CN" altLang="en-US" dirty="0"/>
+          </a:p>
+        </p:txBody>
+      </p:sp>
+      <p:sp>
+        <p:nvSpPr>
+          <p:cNvPr id="3" name="内容占位符 2">
+            <a:extLst>
+              <a:ext uri="{FF2B5EF4-FFF2-40B4-BE49-F238E27FC236}">
+                <a16:creationId xmlns:a16="http://schemas.microsoft.com/office/drawing/2014/main" id="{48AA2607-9D6C-4023-BB33-80FBCE498EA6}"/>
+              </a:ext>
+            </a:extLst>
+          </p:cNvPr>
+          <p:cNvSpPr>
+            <a:spLocks noGrp="1"/>
+          </p:cNvSpPr>
+          <p:nvPr>
+            <p:ph idx="1"/>
+          </p:nvPr>
+        </p:nvSpPr>
+        <p:spPr>
+          <a:xfrm>
+            <a:off x="468394" y="2972519"/>
+            <a:ext cx="8207211" cy="1909763"/>
+          </a:xfrm>
+        </p:spPr>
+        <p:txBody>
+          <a:bodyPr>
+            <a:normAutofit fontScale="70000" lnSpcReduction="20000"/>
+          </a:bodyPr>
+          <a:lstStyle/>
+          <a:p>
+            <a:pPr marL="0" indent="0">
+              <a:lnSpc>
+                <a:spcPct val="120000"/>
+              </a:lnSpc>
+              <a:buNone/>
+            </a:pPr>
+            <a:r>
+              <a:rPr lang="en-US" altLang="zh-CN" dirty="0">
+                <a:solidFill>
+                  <a:schemeClr val="accent1"/>
+                </a:solidFill>
+              </a:rPr>
+              <a:t>as activation functions. This is like ELU(alpha=log2), but </a:t>
+            </a:r>
+            <a:r>
+              <a:rPr lang="en-US" altLang="zh-CN" dirty="0">
+                <a:solidFill>
+                  <a:schemeClr val="accent2"/>
+                </a:solidFill>
+              </a:rPr>
+              <a:t>allows the use of the smooth derivatives of any order for training </a:t>
+            </a:r>
+            <a:r>
+              <a:rPr lang="en-US" altLang="zh-CN" dirty="0">
+                <a:solidFill>
+                  <a:schemeClr val="accent1"/>
+                </a:solidFill>
+              </a:rPr>
+              <a:t>because it have infinite order of continuity. The SSP activation function would be usable instead of ELU where ELU is effective and </a:t>
+            </a:r>
+            <a:r>
+              <a:rPr lang="en-US" altLang="zh-CN" dirty="0">
+                <a:solidFill>
+                  <a:schemeClr val="accent2"/>
+                </a:solidFill>
+              </a:rPr>
+              <a:t>the smooth derivates are required</a:t>
+            </a:r>
+            <a:r>
+              <a:rPr lang="en-US" altLang="zh-CN" dirty="0">
+                <a:solidFill>
+                  <a:schemeClr val="accent1"/>
+                </a:solidFill>
+              </a:rPr>
+              <a:t>. Generally, SSP and </a:t>
+            </a:r>
+            <a:r>
+              <a:rPr lang="en-US" altLang="zh-CN" dirty="0" err="1">
+                <a:solidFill>
+                  <a:schemeClr val="accent1"/>
+                </a:solidFill>
+              </a:rPr>
+              <a:t>Softplus</a:t>
+            </a:r>
+            <a:r>
+              <a:rPr lang="en-US" altLang="zh-CN" dirty="0">
+                <a:solidFill>
+                  <a:schemeClr val="accent1"/>
+                </a:solidFill>
+              </a:rPr>
+              <a:t> are preferable for the following problem:</a:t>
+            </a:r>
+            <a:endParaRPr lang="zh-CN" altLang="en-US" dirty="0">
+              <a:solidFill>
+                <a:schemeClr val="accent1"/>
+              </a:solidFill>
+            </a:endParaRPr>
+          </a:p>
+        </p:txBody>
+      </p:sp>
+      <p:pic>
+        <p:nvPicPr>
+          <p:cNvPr id="1029" name="Picture 5" descr="ssp">
+            <a:extLst>
+              <a:ext uri="{FF2B5EF4-FFF2-40B4-BE49-F238E27FC236}">
+                <a16:creationId xmlns:a16="http://schemas.microsoft.com/office/drawing/2014/main" id="{34549325-EF4E-46D8-A1C0-372F7CF9E326}"/>
+              </a:ext>
+            </a:extLst>
+          </p:cNvPr>
+          <p:cNvPicPr>
+            <a:picLocks noChangeAspect="1" noChangeArrowheads="1"/>
+          </p:cNvPicPr>
+          <p:nvPr/>
+        </p:nvPicPr>
+        <p:blipFill>
+          <a:blip r:embed="rId2">
+            <a:extLst>
+              <a:ext uri="{28A0092B-C50C-407E-A947-70E740481C1C}">
+                <a14:useLocalDpi xmlns:a14="http://schemas.microsoft.com/office/drawing/2010/main" val="0"/>
+              </a:ext>
+            </a:extLst>
+          </a:blip>
+          <a:srcRect/>
+          <a:stretch>
+            <a:fillRect/>
+          </a:stretch>
+        </p:blipFill>
+        <p:spPr bwMode="auto">
+          <a:xfrm>
+            <a:off x="628650" y="2368060"/>
+            <a:ext cx="6102088" cy="463639"/>
+          </a:xfrm>
+          <a:prstGeom prst="rect">
+            <a:avLst/>
+          </a:prstGeom>
+          <a:noFill/>
+          <a:extLst>
+            <a:ext uri="{909E8E84-426E-40DD-AFC4-6F175D3DCCD1}">
+              <a14:hiddenFill xmlns:a14="http://schemas.microsoft.com/office/drawing/2010/main">
+                <a:solidFill>
+                  <a:srgbClr val="FFFFFF"/>
+                </a:solidFill>
+              </a14:hiddenFill>
+            </a:ext>
+          </a:extLst>
+        </p:spPr>
+      </p:pic>
+      <p:sp>
+        <p:nvSpPr>
+          <p:cNvPr id="5" name="文本框 4">
+            <a:extLst>
+              <a:ext uri="{FF2B5EF4-FFF2-40B4-BE49-F238E27FC236}">
+                <a16:creationId xmlns:a16="http://schemas.microsoft.com/office/drawing/2014/main" id="{01701727-00A8-43DE-9351-08EF8B24D36C}"/>
+              </a:ext>
+            </a:extLst>
+          </p:cNvPr>
+          <p:cNvSpPr txBox="1"/>
+          <p:nvPr/>
+        </p:nvSpPr>
+        <p:spPr>
+          <a:xfrm>
+            <a:off x="628650" y="1833483"/>
+            <a:ext cx="4471251" cy="461665"/>
+          </a:xfrm>
+          <a:prstGeom prst="rect">
+            <a:avLst/>
+          </a:prstGeom>
+          <a:noFill/>
+        </p:spPr>
+        <p:txBody>
+          <a:bodyPr wrap="square" rtlCol="0">
+            <a:spAutoFit/>
+          </a:bodyPr>
+          <a:lstStyle/>
+          <a:p>
+            <a:pPr algn="l"/>
+            <a:r>
+              <a:rPr lang="en-US" altLang="zh-CN" sz="2400" b="0" i="0" dirty="0">
+                <a:solidFill>
+                  <a:srgbClr val="24292E"/>
+                </a:solidFill>
+                <a:effectLst/>
+                <a:latin typeface="-apple-system"/>
+              </a:rPr>
+              <a:t>SSP(x) = </a:t>
+            </a:r>
+            <a:r>
+              <a:rPr lang="en-US" altLang="zh-CN" sz="2400" b="0" i="0" dirty="0" err="1">
+                <a:solidFill>
+                  <a:srgbClr val="24292E"/>
+                </a:solidFill>
+                <a:effectLst/>
+                <a:latin typeface="-apple-system"/>
+              </a:rPr>
+              <a:t>Softplus</a:t>
+            </a:r>
+            <a:r>
+              <a:rPr lang="en-US" altLang="zh-CN" sz="2400" b="0" i="0" dirty="0">
+                <a:solidFill>
+                  <a:srgbClr val="24292E"/>
+                </a:solidFill>
+                <a:effectLst/>
+                <a:latin typeface="-apple-system"/>
+              </a:rPr>
+              <a:t>(x) - </a:t>
+            </a:r>
+            <a:r>
+              <a:rPr lang="en-US" altLang="zh-CN" sz="2400" b="0" i="0" dirty="0" err="1">
+                <a:solidFill>
+                  <a:srgbClr val="24292E"/>
+                </a:solidFill>
+                <a:effectLst/>
+                <a:latin typeface="-apple-system"/>
+              </a:rPr>
+              <a:t>Softplus</a:t>
+            </a:r>
+            <a:r>
+              <a:rPr lang="en-US" altLang="zh-CN" sz="2400" b="0" i="0" dirty="0">
+                <a:solidFill>
+                  <a:srgbClr val="24292E"/>
+                </a:solidFill>
+                <a:effectLst/>
+                <a:latin typeface="-apple-system"/>
+              </a:rPr>
+              <a:t>(0)</a:t>
+            </a:r>
+          </a:p>
+        </p:txBody>
+      </p:sp>
+      <p:pic>
+        <p:nvPicPr>
+          <p:cNvPr id="1031" name="Picture 7">
+            <a:extLst>
+              <a:ext uri="{FF2B5EF4-FFF2-40B4-BE49-F238E27FC236}">
+                <a16:creationId xmlns:a16="http://schemas.microsoft.com/office/drawing/2014/main" id="{0F1A45FA-0CD0-4359-8A4E-B9B62E8F3FD5}"/>
+              </a:ext>
+            </a:extLst>
+          </p:cNvPr>
+          <p:cNvPicPr>
+            <a:picLocks noChangeAspect="1" noChangeArrowheads="1"/>
+          </p:cNvPicPr>
+          <p:nvPr/>
+        </p:nvPicPr>
+        <p:blipFill>
+          <a:blip r:embed="rId3">
+            <a:extLst>
+              <a:ext uri="{28A0092B-C50C-407E-A947-70E740481C1C}">
+                <a14:useLocalDpi xmlns:a14="http://schemas.microsoft.com/office/drawing/2010/main" val="0"/>
+              </a:ext>
+            </a:extLst>
+          </a:blip>
+          <a:srcRect/>
+          <a:stretch>
+            <a:fillRect/>
+          </a:stretch>
+        </p:blipFill>
+        <p:spPr bwMode="auto">
+          <a:xfrm>
+            <a:off x="0" y="4882282"/>
+            <a:ext cx="9144000" cy="1909763"/>
+          </a:xfrm>
+          <a:prstGeom prst="rect">
+            <a:avLst/>
+          </a:prstGeom>
+          <a:noFill/>
+          <a:extLst>
+            <a:ext uri="{909E8E84-426E-40DD-AFC4-6F175D3DCCD1}">
+              <a14:hiddenFill xmlns:a14="http://schemas.microsoft.com/office/drawing/2010/main">
+                <a:solidFill>
+                  <a:srgbClr val="FFFFFF"/>
+                </a:solidFill>
+              </a14:hiddenFill>
+            </a:ext>
+          </a:extLst>
+        </p:spPr>
+      </p:pic>
+      <p:pic>
+        <p:nvPicPr>
+          <p:cNvPr id="1033" name="Picture 9" descr="fig_ssp">
+            <a:extLst>
+              <a:ext uri="{FF2B5EF4-FFF2-40B4-BE49-F238E27FC236}">
+                <a16:creationId xmlns:a16="http://schemas.microsoft.com/office/drawing/2014/main" id="{84A34433-86EA-4D21-8E13-A118D99C9827}"/>
+              </a:ext>
+            </a:extLst>
+          </p:cNvPr>
+          <p:cNvPicPr>
+            <a:picLocks noChangeAspect="1" noChangeArrowheads="1"/>
+          </p:cNvPicPr>
+          <p:nvPr/>
+        </p:nvPicPr>
+        <p:blipFill>
+          <a:blip r:embed="rId4">
+            <a:extLst>
+              <a:ext uri="{28A0092B-C50C-407E-A947-70E740481C1C}">
+                <a14:useLocalDpi xmlns:a14="http://schemas.microsoft.com/office/drawing/2010/main" val="0"/>
+              </a:ext>
+            </a:extLst>
+          </a:blip>
+          <a:srcRect/>
+          <a:stretch>
+            <a:fillRect/>
+          </a:stretch>
+        </p:blipFill>
+        <p:spPr bwMode="auto">
+          <a:xfrm>
+            <a:off x="5970309" y="0"/>
+            <a:ext cx="3173691" cy="2380268"/>
+          </a:xfrm>
+          <a:prstGeom prst="rect">
+            <a:avLst/>
+          </a:prstGeom>
+          <a:noFill/>
+          <a:extLst>
+            <a:ext uri="{909E8E84-426E-40DD-AFC4-6F175D3DCCD1}">
+              <a14:hiddenFill xmlns:a14="http://schemas.microsoft.com/office/drawing/2010/main">
+                <a:solidFill>
+                  <a:srgbClr val="FFFFFF"/>
+                </a:solidFill>
+              </a14:hiddenFill>
+            </a:ext>
+          </a:extLst>
+        </p:spPr>
+      </p:pic>
+    </p:spTree>
+    <p:extLst>
+      <p:ext uri="{BB962C8B-B14F-4D97-AF65-F5344CB8AC3E}">
+        <p14:creationId xmlns:p14="http://schemas.microsoft.com/office/powerpoint/2010/main" val="384533852"/>
+      </p:ext>
+    </p:extLst>
+  </p:cSld>
+  <p:clrMapOvr>
+    <a:masterClrMapping/>
+  </p:clrMapOvr>
+</p:sld>
+</file>
+
+<file path=ppt/slides/slide18.xml><?xml version="1.0" encoding="utf-8"?>
+<p:sld xmlns:a="http://schemas.openxmlformats.org/drawingml/2006/main" xmlns:r="http://schemas.openxmlformats.org/officeDocument/2006/relationships" xmlns:p="http://schemas.openxmlformats.org/presentationml/2006/main">
+  <p:cSld>
+    <p:spTree>
+      <p:nvGrpSpPr>
+        <p:cNvPr id="1" name=""/>
+        <p:cNvGrpSpPr/>
+        <p:nvPr/>
+      </p:nvGrpSpPr>
+      <p:grpSpPr>
+        <a:xfrm>
+          <a:off x="0" y="0"/>
+          <a:ext cx="0" cy="0"/>
+          <a:chOff x="0" y="0"/>
+          <a:chExt cx="0" cy="0"/>
+        </a:xfrm>
+      </p:grpSpPr>
+      <p:sp>
+        <p:nvSpPr>
+          <p:cNvPr id="2" name="标题 1"/>
+          <p:cNvSpPr>
+            <a:spLocks noGrp="1"/>
+          </p:cNvSpPr>
+          <p:nvPr>
+            <p:ph type="title"/>
+          </p:nvPr>
+        </p:nvSpPr>
+        <p:spPr/>
+        <p:txBody>
+          <a:bodyPr/>
+          <a:lstStyle/>
+          <a:p>
+            <a:r>
+              <a:rPr lang="en-US" altLang="zh-CN" dirty="0"/>
+              <a:t>Related work of MD</a:t>
+            </a:r>
+            <a:endParaRPr lang="zh-CN" altLang="en-US" dirty="0"/>
+          </a:p>
+        </p:txBody>
+      </p:sp>
+      <p:sp>
+        <p:nvSpPr>
+          <p:cNvPr id="3" name="内容占位符 2"/>
+          <p:cNvSpPr>
+            <a:spLocks noGrp="1"/>
+          </p:cNvSpPr>
+          <p:nvPr>
+            <p:ph idx="1"/>
+          </p:nvPr>
+        </p:nvSpPr>
+        <p:spPr>
+          <a:xfrm>
+            <a:off x="629727" y="1816998"/>
+            <a:ext cx="8238227" cy="4351338"/>
+          </a:xfrm>
+        </p:spPr>
+        <p:txBody>
+          <a:bodyPr>
+            <a:normAutofit fontScale="85000" lnSpcReduction="20000"/>
+          </a:bodyPr>
+          <a:lstStyle/>
+          <a:p>
+            <a:r>
+              <a:rPr lang="en-US" altLang="zh-CN" dirty="0"/>
+              <a:t>Gradient-domain machine learning (GDML)</a:t>
+            </a:r>
+          </a:p>
+          <a:p>
+            <a:pPr lvl="1"/>
+            <a:r>
+              <a:rPr lang="zh-CN" altLang="en-US" dirty="0">
+                <a:solidFill>
+                  <a:schemeClr val="accent2"/>
+                </a:solidFill>
+              </a:rPr>
+              <a:t>扩展性问题：</a:t>
+            </a:r>
+            <a:r>
+              <a:rPr lang="en-US" altLang="zh-CN" dirty="0">
+                <a:solidFill>
+                  <a:schemeClr val="accent2"/>
+                </a:solidFill>
+              </a:rPr>
+              <a:t>kernel matrix O(n</a:t>
+            </a:r>
+            <a:r>
+              <a:rPr lang="en-US" altLang="zh-CN" baseline="30000" dirty="0">
+                <a:solidFill>
+                  <a:schemeClr val="accent2"/>
+                </a:solidFill>
+              </a:rPr>
+              <a:t>2</a:t>
+            </a:r>
+            <a:r>
+              <a:rPr lang="en-US" altLang="zh-CN" dirty="0">
+                <a:solidFill>
+                  <a:schemeClr val="accent2"/>
+                </a:solidFill>
+              </a:rPr>
+              <a:t>)</a:t>
+            </a:r>
+          </a:p>
+          <a:p>
+            <a:pPr lvl="1"/>
+            <a:r>
+              <a:rPr lang="en-US" altLang="zh-CN" dirty="0">
+                <a:solidFill>
+                  <a:schemeClr val="accent2"/>
+                </a:solidFill>
+              </a:rPr>
+              <a:t>not designed to represent different compositions of atom types</a:t>
+            </a:r>
+          </a:p>
+          <a:p>
+            <a:pPr lvl="1"/>
+            <a:endParaRPr lang="en-US" altLang="zh-CN" dirty="0"/>
+          </a:p>
+          <a:p>
+            <a:r>
+              <a:rPr lang="en-US" altLang="zh-CN" dirty="0"/>
+              <a:t>Deep tensor neural networks (DTNN)</a:t>
+            </a:r>
+          </a:p>
+          <a:p>
+            <a:pPr lvl="1"/>
+            <a:r>
+              <a:rPr lang="en-US" altLang="zh-CN" dirty="0">
+                <a:solidFill>
+                  <a:srgbClr val="00B050"/>
+                </a:solidFill>
+              </a:rPr>
+              <a:t>Chemical accuracy</a:t>
+            </a:r>
+          </a:p>
+          <a:p>
+            <a:pPr lvl="1"/>
+            <a:r>
+              <a:rPr lang="en-US" altLang="zh-CN" dirty="0">
+                <a:solidFill>
+                  <a:schemeClr val="accent2"/>
+                </a:solidFill>
+              </a:rPr>
+              <a:t>interaction layers lack the continuous-filter convolution interpretation</a:t>
+            </a:r>
+          </a:p>
+          <a:p>
+            <a:pPr lvl="1"/>
+            <a:r>
+              <a:rPr lang="zh-CN" altLang="en-US" dirty="0">
+                <a:solidFill>
+                  <a:schemeClr val="accent2"/>
+                </a:solidFill>
+              </a:rPr>
+              <a:t>精度不如</a:t>
+            </a:r>
+            <a:r>
+              <a:rPr lang="en-US" altLang="zh-CN" dirty="0" err="1">
+                <a:solidFill>
+                  <a:schemeClr val="accent2"/>
+                </a:solidFill>
+              </a:rPr>
+              <a:t>SchNet</a:t>
+            </a:r>
+            <a:r>
+              <a:rPr lang="zh-CN" altLang="en-US" dirty="0">
+                <a:solidFill>
+                  <a:schemeClr val="accent2"/>
+                </a:solidFill>
+              </a:rPr>
+              <a:t>和</a:t>
+            </a:r>
+            <a:r>
+              <a:rPr lang="en-US" altLang="zh-CN" dirty="0">
+                <a:solidFill>
+                  <a:schemeClr val="accent2"/>
+                </a:solidFill>
+              </a:rPr>
+              <a:t>enn-s2s</a:t>
+            </a:r>
+          </a:p>
+          <a:p>
+            <a:pPr lvl="1"/>
+            <a:endParaRPr lang="en-US" altLang="zh-CN" dirty="0"/>
+          </a:p>
+          <a:p>
+            <a:r>
+              <a:rPr lang="en-US" altLang="zh-CN" dirty="0"/>
+              <a:t>enn-s2s (variant of message-passing neural networks MPNN)</a:t>
+            </a:r>
+          </a:p>
+          <a:p>
+            <a:pPr lvl="1"/>
+            <a:r>
+              <a:rPr lang="en-US" altLang="zh-CN" dirty="0">
+                <a:solidFill>
+                  <a:srgbClr val="00B050"/>
+                </a:solidFill>
+              </a:rPr>
+              <a:t>SOTA performance on QM9</a:t>
+            </a:r>
+          </a:p>
+          <a:p>
+            <a:pPr lvl="1"/>
+            <a:r>
+              <a:rPr lang="zh-CN" altLang="en-US" dirty="0">
+                <a:solidFill>
+                  <a:schemeClr val="accent1"/>
+                </a:solidFill>
+              </a:rPr>
+              <a:t>使用额外的</a:t>
+            </a:r>
+            <a:r>
+              <a:rPr lang="en-US" altLang="zh-CN" dirty="0">
+                <a:solidFill>
+                  <a:schemeClr val="accent1"/>
+                </a:solidFill>
+              </a:rPr>
+              <a:t>bond type features</a:t>
+            </a:r>
+          </a:p>
+          <a:p>
+            <a:pPr lvl="1"/>
+            <a:r>
+              <a:rPr lang="zh-CN" altLang="en-US" dirty="0">
+                <a:solidFill>
+                  <a:schemeClr val="accent2"/>
+                </a:solidFill>
+              </a:rPr>
+              <a:t>输入中的</a:t>
+            </a:r>
+            <a:r>
+              <a:rPr lang="en-US" altLang="zh-CN" dirty="0">
+                <a:solidFill>
+                  <a:schemeClr val="accent2"/>
+                </a:solidFill>
+              </a:rPr>
+              <a:t>one-hot encoding</a:t>
+            </a:r>
+            <a:r>
+              <a:rPr lang="zh-CN" altLang="en-US" dirty="0">
+                <a:solidFill>
+                  <a:schemeClr val="accent2"/>
+                </a:solidFill>
+              </a:rPr>
+              <a:t>：势能面</a:t>
+            </a:r>
+            <a:r>
+              <a:rPr lang="en-US" altLang="zh-CN" dirty="0">
+                <a:solidFill>
+                  <a:schemeClr val="accent2"/>
+                </a:solidFill>
+              </a:rPr>
+              <a:t>E</a:t>
+            </a:r>
+            <a:r>
+              <a:rPr lang="zh-CN" altLang="en-US" dirty="0">
+                <a:solidFill>
+                  <a:schemeClr val="accent2"/>
+                </a:solidFill>
+              </a:rPr>
+              <a:t>不连续</a:t>
+            </a:r>
+            <a:endParaRPr lang="en-US" altLang="zh-CN" dirty="0">
+              <a:solidFill>
+                <a:schemeClr val="accent2"/>
+              </a:solidFill>
+            </a:endParaRPr>
+          </a:p>
+          <a:p>
+            <a:pPr lvl="1"/>
+            <a:r>
+              <a:rPr lang="zh-CN" altLang="en-US" dirty="0">
+                <a:solidFill>
+                  <a:schemeClr val="accent2"/>
+                </a:solidFill>
+              </a:rPr>
+              <a:t>不能计算</a:t>
+            </a:r>
+            <a:r>
+              <a:rPr lang="en-US" altLang="zh-CN" dirty="0">
+                <a:solidFill>
+                  <a:schemeClr val="accent2"/>
+                </a:solidFill>
+              </a:rPr>
+              <a:t>F</a:t>
+            </a:r>
+            <a:endParaRPr lang="zh-CN" altLang="en-US" dirty="0">
+              <a:solidFill>
+                <a:schemeClr val="accent2"/>
+              </a:solidFill>
+            </a:endParaRPr>
+          </a:p>
+        </p:txBody>
+      </p:sp>
+    </p:spTree>
+    <p:extLst>
+      <p:ext uri="{BB962C8B-B14F-4D97-AF65-F5344CB8AC3E}">
+        <p14:creationId xmlns:p14="http://schemas.microsoft.com/office/powerpoint/2010/main" val="2325229220"/>
+      </p:ext>
+    </p:extLst>
+  </p:cSld>
+  <p:clrMapOvr>
+    <a:masterClrMapping/>
+  </p:clrMapOvr>
+</p:sld>
+</file>
+
+<file path=ppt/slides/slide19.xml><?xml version="1.0" encoding="utf-8"?>
+<p:sld xmlns:a="http://schemas.openxmlformats.org/drawingml/2006/main" xmlns:r="http://schemas.openxmlformats.org/officeDocument/2006/relationships" xmlns:p="http://schemas.openxmlformats.org/presentationml/2006/main">
+  <p:cSld>
+    <p:spTree>
+      <p:nvGrpSpPr>
+        <p:cNvPr id="1" name=""/>
+        <p:cNvGrpSpPr/>
+        <p:nvPr/>
+      </p:nvGrpSpPr>
+      <p:grpSpPr>
+        <a:xfrm>
+          <a:off x="0" y="0"/>
+          <a:ext cx="0" cy="0"/>
+          <a:chOff x="0" y="0"/>
+          <a:chExt cx="0" cy="0"/>
+        </a:xfrm>
+      </p:grpSpPr>
+      <p:sp>
+        <p:nvSpPr>
           <p:cNvPr id="2" name="标题 1">
             <a:extLst>
               <a:ext uri="{FF2B5EF4-FFF2-40B4-BE49-F238E27FC236}">
@@ -4456,7 +8252,7 @@
               <a:rPr lang="en-US" altLang="zh-CN" sz="3600" dirty="0"/>
             </a:br>
             <a:r>
-              <a:rPr lang="en-US" altLang="zh-CN" sz="3600" dirty="0">
+              <a:rPr lang="en-US" altLang="zh-CN" sz="3200" dirty="0">
                 <a:solidFill>
                   <a:schemeClr val="accent2"/>
                 </a:solidFill>
@@ -4513,7 +8309,7 @@
 </p:sld>
 </file>
 
-<file path=ppt/slides/slide13.xml><?xml version="1.0" encoding="utf-8"?>
+<file path=ppt/slides/slide2.xml><?xml version="1.0" encoding="utf-8"?>
 <p:sld xmlns:a="http://schemas.openxmlformats.org/drawingml/2006/main" xmlns:r="http://schemas.openxmlformats.org/officeDocument/2006/relationships" xmlns:p="http://schemas.openxmlformats.org/presentationml/2006/main">
   <p:cSld>
     <p:spTree>
@@ -4532,6 +8328,187 @@
       </p:grpSpPr>
       <p:sp>
         <p:nvSpPr>
+          <p:cNvPr id="2" name="标题 1"/>
+          <p:cNvSpPr>
+            <a:spLocks noGrp="1"/>
+          </p:cNvSpPr>
+          <p:nvPr>
+            <p:ph type="title"/>
+          </p:nvPr>
+        </p:nvSpPr>
+        <p:spPr/>
+        <p:txBody>
+          <a:bodyPr/>
+          <a:lstStyle/>
+          <a:p>
+            <a:r>
+              <a:rPr lang="en-US" altLang="zh-CN" dirty="0"/>
+              <a:t>Background </a:t>
+            </a:r>
+            <a:endParaRPr lang="zh-CN" altLang="en-US" dirty="0"/>
+          </a:p>
+        </p:txBody>
+      </p:sp>
+      <p:sp>
+        <p:nvSpPr>
+          <p:cNvPr id="3" name="内容占位符 2"/>
+          <p:cNvSpPr>
+            <a:spLocks noGrp="1"/>
+          </p:cNvSpPr>
+          <p:nvPr>
+            <p:ph idx="1"/>
+          </p:nvPr>
+        </p:nvSpPr>
+        <p:spPr/>
+        <p:txBody>
+          <a:bodyPr/>
+          <a:lstStyle/>
+          <a:p>
+            <a:r>
+              <a:rPr lang="zh-CN" altLang="en-US" dirty="0"/>
+              <a:t>使用</a:t>
+            </a:r>
+            <a:r>
+              <a:rPr lang="zh-CN" altLang="en-US" dirty="0">
+                <a:solidFill>
+                  <a:srgbClr val="FF0000"/>
+                </a:solidFill>
+              </a:rPr>
+              <a:t>机器学习</a:t>
+            </a:r>
+            <a:r>
+              <a:rPr lang="zh-CN" altLang="en-US" dirty="0"/>
+              <a:t>加速对分子体系或材料的模拟</a:t>
+            </a:r>
+            <a:endParaRPr lang="en-US" altLang="zh-CN" dirty="0"/>
+          </a:p>
+          <a:p>
+            <a:r>
+              <a:rPr lang="zh-CN" altLang="en-US" dirty="0"/>
+              <a:t>势能与力</a:t>
+            </a:r>
+            <a:endParaRPr lang="en-US" altLang="zh-CN" dirty="0"/>
+          </a:p>
+          <a:p>
+            <a:endParaRPr lang="en-US" altLang="zh-CN" dirty="0"/>
+          </a:p>
+          <a:p>
+            <a:pPr marL="0" indent="0">
+              <a:buNone/>
+            </a:pPr>
+            <a:endParaRPr lang="en-US" altLang="zh-CN" dirty="0"/>
+          </a:p>
+          <a:p>
+            <a:pPr marL="0" indent="0">
+              <a:buNone/>
+            </a:pPr>
+            <a:endParaRPr lang="en-US" altLang="zh-CN" dirty="0"/>
+          </a:p>
+          <a:p>
+            <a:r>
+              <a:rPr lang="en-US" altLang="zh-CN" dirty="0"/>
+              <a:t>Equilibrium conformation: E</a:t>
+            </a:r>
+            <a:r>
+              <a:rPr lang="zh-CN" altLang="en-US" dirty="0"/>
+              <a:t>已最小，</a:t>
+            </a:r>
+            <a:r>
+              <a:rPr lang="en-US" altLang="zh-CN" dirty="0"/>
+              <a:t>F</a:t>
+            </a:r>
+            <a:r>
+              <a:rPr lang="zh-CN" altLang="en-US" dirty="0"/>
+              <a:t>为</a:t>
+            </a:r>
+            <a:r>
+              <a:rPr lang="en-US" altLang="zh-CN" dirty="0"/>
+              <a:t>0</a:t>
+            </a:r>
+          </a:p>
+          <a:p>
+            <a:r>
+              <a:rPr lang="en-US" altLang="zh-CN" dirty="0"/>
+              <a:t>Non-equilibrium conformation: </a:t>
+            </a:r>
+            <a:r>
+              <a:rPr lang="zh-CN" altLang="en-US" dirty="0">
+                <a:solidFill>
+                  <a:srgbClr val="FF0000"/>
+                </a:solidFill>
+              </a:rPr>
+              <a:t>需要求</a:t>
+            </a:r>
+            <a:r>
+              <a:rPr lang="en-US" altLang="zh-CN" dirty="0">
+                <a:solidFill>
+                  <a:srgbClr val="FF0000"/>
+                </a:solidFill>
+              </a:rPr>
+              <a:t>F</a:t>
+            </a:r>
+          </a:p>
+          <a:p>
+            <a:endParaRPr lang="zh-CN" altLang="en-US" dirty="0"/>
+          </a:p>
+        </p:txBody>
+      </p:sp>
+      <p:pic>
+        <p:nvPicPr>
+          <p:cNvPr id="4" name="图片 3"/>
+          <p:cNvPicPr>
+            <a:picLocks noChangeAspect="1"/>
+          </p:cNvPicPr>
+          <p:nvPr/>
+        </p:nvPicPr>
+        <p:blipFill>
+          <a:blip r:embed="rId2"/>
+          <a:stretch>
+            <a:fillRect/>
+          </a:stretch>
+        </p:blipFill>
+        <p:spPr>
+          <a:xfrm>
+            <a:off x="788688" y="3071929"/>
+            <a:ext cx="7726662" cy="1024637"/>
+          </a:xfrm>
+          <a:prstGeom prst="rect">
+            <a:avLst/>
+          </a:prstGeom>
+        </p:spPr>
+      </p:pic>
+    </p:spTree>
+    <p:extLst>
+      <p:ext uri="{BB962C8B-B14F-4D97-AF65-F5344CB8AC3E}">
+        <p14:creationId xmlns:p14="http://schemas.microsoft.com/office/powerpoint/2010/main" val="4090182229"/>
+      </p:ext>
+    </p:extLst>
+  </p:cSld>
+  <p:clrMapOvr>
+    <a:masterClrMapping/>
+  </p:clrMapOvr>
+</p:sld>
+</file>
+
+<file path=ppt/slides/slide20.xml><?xml version="1.0" encoding="utf-8"?>
+<p:sld xmlns:a="http://schemas.openxmlformats.org/drawingml/2006/main" xmlns:r="http://schemas.openxmlformats.org/officeDocument/2006/relationships" xmlns:p="http://schemas.openxmlformats.org/presentationml/2006/main">
+  <p:cSld>
+    <p:spTree>
+      <p:nvGrpSpPr>
+        <p:cNvPr id="1" name=""/>
+        <p:cNvGrpSpPr/>
+        <p:nvPr/>
+      </p:nvGrpSpPr>
+      <p:grpSpPr>
+        <a:xfrm>
+          <a:off x="0" y="0"/>
+          <a:ext cx="0" cy="0"/>
+          <a:chOff x="0" y="0"/>
+          <a:chExt cx="0" cy="0"/>
+        </a:xfrm>
+      </p:grpSpPr>
+      <p:sp>
+        <p:nvSpPr>
           <p:cNvPr id="2" name="标题 1">
             <a:extLst>
               <a:ext uri="{FF2B5EF4-FFF2-40B4-BE49-F238E27FC236}">
@@ -4554,7 +8531,7 @@
           <a:lstStyle/>
           <a:p>
             <a:r>
-              <a:rPr lang="en-US" altLang="zh-CN" sz="3200" dirty="0"/>
+              <a:rPr lang="en-US" altLang="zh-CN" sz="3600" dirty="0"/>
               <a:t>Experiments and results</a:t>
             </a:r>
             <a:br>
@@ -4618,7 +8595,7 @@
 </p:sld>
 </file>
 
-<file path=ppt/slides/slide14.xml><?xml version="1.0" encoding="utf-8"?>
+<file path=ppt/slides/slide21.xml><?xml version="1.0" encoding="utf-8"?>
 <p:sld xmlns:a="http://schemas.openxmlformats.org/drawingml/2006/main" xmlns:r="http://schemas.openxmlformats.org/officeDocument/2006/relationships" xmlns:p="http://schemas.openxmlformats.org/presentationml/2006/main">
   <p:cSld>
     <p:spTree>
@@ -4653,8 +8630,8 @@
         </p:nvSpPr>
         <p:spPr>
           <a:xfrm>
-            <a:off x="628649" y="525382"/>
-            <a:ext cx="8317387" cy="1325563"/>
+            <a:off x="628649" y="335601"/>
+            <a:ext cx="8515351" cy="1325563"/>
           </a:xfrm>
         </p:spPr>
         <p:txBody>
@@ -4664,7 +8641,7 @@
           <a:lstStyle/>
           <a:p>
             <a:r>
-              <a:rPr lang="en-US" altLang="zh-CN" sz="3200" dirty="0"/>
+              <a:rPr lang="en-US" altLang="zh-CN" sz="3600" dirty="0"/>
               <a:t>Experiments and results</a:t>
             </a:r>
             <a:br>
@@ -4710,9 +8687,121 @@
         </p:blipFill>
         <p:spPr>
           <a:xfrm>
-            <a:off x="628649" y="2552200"/>
+            <a:off x="628649" y="2267528"/>
             <a:ext cx="7886700" cy="2653092"/>
           </a:xfrm>
+        </p:spPr>
+      </p:pic>
+      <p:sp>
+        <p:nvSpPr>
+          <p:cNvPr id="3" name="文本框 2"/>
+          <p:cNvSpPr txBox="1"/>
+          <p:nvPr/>
+        </p:nvSpPr>
+        <p:spPr>
+          <a:xfrm>
+            <a:off x="294674" y="5203818"/>
+            <a:ext cx="8554650" cy="646331"/>
+          </a:xfrm>
+          <a:prstGeom prst="rect">
+            <a:avLst/>
+          </a:prstGeom>
+          <a:noFill/>
+        </p:spPr>
+        <p:txBody>
+          <a:bodyPr wrap="none" rtlCol="0">
+            <a:spAutoFit/>
+          </a:bodyPr>
+          <a:lstStyle/>
+          <a:p>
+            <a:r>
+              <a:rPr lang="zh-CN" altLang="en-US" dirty="0"/>
+              <a:t>训练中加入</a:t>
+            </a:r>
+            <a:r>
+              <a:rPr lang="en-US" altLang="zh-CN" dirty="0"/>
+              <a:t>F</a:t>
+            </a:r>
+            <a:r>
+              <a:rPr lang="zh-CN" altLang="en-US" dirty="0"/>
+              <a:t>，在</a:t>
+            </a:r>
+            <a:r>
+              <a:rPr lang="en-US" altLang="zh-CN" dirty="0"/>
+              <a:t>unknown</a:t>
+            </a:r>
+            <a:r>
+              <a:rPr lang="zh-CN" altLang="en-US" dirty="0"/>
+              <a:t>测试集中也能提升性能，表明此举亦可增强模型泛化能力</a:t>
+            </a:r>
+            <a:endParaRPr lang="en-US" altLang="zh-CN" dirty="0"/>
+          </a:p>
+          <a:p>
+            <a:r>
+              <a:rPr lang="zh-CN" altLang="en-US" dirty="0"/>
+              <a:t>（</a:t>
+            </a:r>
+            <a:r>
+              <a:rPr lang="en-US" altLang="zh-CN" dirty="0">
+                <a:solidFill>
+                  <a:schemeClr val="accent2"/>
+                </a:solidFill>
+              </a:rPr>
+              <a:t>need for comment</a:t>
+            </a:r>
+            <a:r>
+              <a:rPr lang="zh-CN" altLang="en-US" dirty="0"/>
+              <a:t>）</a:t>
+            </a:r>
+          </a:p>
+        </p:txBody>
+      </p:sp>
+      <p:pic>
+        <p:nvPicPr>
+          <p:cNvPr id="4" name="图片 3"/>
+          <p:cNvPicPr>
+            <a:picLocks noChangeAspect="1"/>
+          </p:cNvPicPr>
+          <p:nvPr/>
+        </p:nvPicPr>
+        <p:blipFill>
+          <a:blip r:embed="rId3"/>
+          <a:stretch>
+            <a:fillRect/>
+          </a:stretch>
+        </p:blipFill>
+        <p:spPr>
+          <a:xfrm>
+            <a:off x="404362" y="1699518"/>
+            <a:ext cx="7324725" cy="295275"/>
+          </a:xfrm>
+          <a:prstGeom prst="rect">
+            <a:avLst/>
+          </a:prstGeom>
+        </p:spPr>
+      </p:pic>
+      <p:pic>
+        <p:nvPicPr>
+          <p:cNvPr id="6" name="图片 5"/>
+          <p:cNvPicPr>
+            <a:picLocks noChangeAspect="1"/>
+          </p:cNvPicPr>
+          <p:nvPr/>
+        </p:nvPicPr>
+        <p:blipFill>
+          <a:blip r:embed="rId4"/>
+          <a:stretch>
+            <a:fillRect/>
+          </a:stretch>
+        </p:blipFill>
+        <p:spPr>
+          <a:xfrm>
+            <a:off x="7729087" y="1699518"/>
+            <a:ext cx="1095443" cy="279028"/>
+          </a:xfrm>
+          <a:prstGeom prst="rect">
+            <a:avLst/>
+          </a:prstGeom>
         </p:spPr>
       </p:pic>
     </p:spTree>
@@ -4728,7 +8817,7 @@
 </p:sld>
 </file>
 
-<file path=ppt/slides/slide15.xml><?xml version="1.0" encoding="utf-8"?>
+<file path=ppt/slides/slide22.xml><?xml version="1.0" encoding="utf-8"?>
 <p:sld xmlns:a="http://schemas.openxmlformats.org/drawingml/2006/main" xmlns:r="http://schemas.openxmlformats.org/officeDocument/2006/relationships" xmlns:p="http://schemas.openxmlformats.org/presentationml/2006/main">
   <p:cSld>
     <p:spTree>
@@ -4747,13 +8836,7 @@
       </p:grpSpPr>
       <p:sp>
         <p:nvSpPr>
-          <p:cNvPr id="2" name="标题 1">
-            <a:extLst>
-              <a:ext uri="{FF2B5EF4-FFF2-40B4-BE49-F238E27FC236}">
-                <a16:creationId xmlns:a16="http://schemas.microsoft.com/office/drawing/2014/main" id="{D7C35DCA-9414-4C8E-8DC8-182F936E4A3F}"/>
-              </a:ext>
-            </a:extLst>
-          </p:cNvPr>
+          <p:cNvPr id="2" name="标题 1"/>
           <p:cNvSpPr>
             <a:spLocks noGrp="1"/>
           </p:cNvSpPr>
@@ -4761,28 +8844,159 @@
             <p:ph type="title"/>
           </p:nvPr>
         </p:nvSpPr>
+        <p:spPr/>
+        <p:txBody>
+          <a:bodyPr/>
+          <a:lstStyle/>
+          <a:p>
+            <a:r>
+              <a:rPr lang="en-US" altLang="zh-CN" dirty="0"/>
+              <a:t>Conclusions</a:t>
+            </a:r>
+            <a:endParaRPr lang="zh-CN" altLang="en-US" dirty="0"/>
+          </a:p>
+        </p:txBody>
+      </p:sp>
+      <p:sp>
+        <p:nvSpPr>
+          <p:cNvPr id="3" name="内容占位符 2"/>
+          <p:cNvSpPr>
+            <a:spLocks noGrp="1"/>
+          </p:cNvSpPr>
+          <p:nvPr>
+            <p:ph idx="1"/>
+          </p:nvPr>
+        </p:nvSpPr>
+        <p:spPr/>
+        <p:txBody>
+          <a:bodyPr/>
+          <a:lstStyle/>
+          <a:p>
+            <a:r>
+              <a:rPr lang="en-US" altLang="zh-CN" dirty="0"/>
+              <a:t>Continuous filter convolution</a:t>
+            </a:r>
+          </a:p>
+          <a:p>
+            <a:pPr lvl="1"/>
+            <a:r>
+              <a:rPr lang="en-US" altLang="zh-CN" dirty="0"/>
+              <a:t>Model unevenly spaced data</a:t>
+            </a:r>
+          </a:p>
+          <a:p>
+            <a:pPr lvl="1"/>
+            <a:r>
+              <a:rPr lang="en-US" altLang="zh-CN" dirty="0">
+                <a:sym typeface="Wingdings" panose="05000000000000000000" pitchFamily="2" charset="2"/>
+              </a:rPr>
+              <a:t> </a:t>
+            </a:r>
+            <a:r>
+              <a:rPr lang="zh-CN" altLang="en-US" dirty="0"/>
+              <a:t>连续性、光滑性、</a:t>
+            </a:r>
+            <a:r>
+              <a:rPr lang="en-US" altLang="zh-CN" dirty="0"/>
+              <a:t>E</a:t>
+            </a:r>
+            <a:r>
+              <a:rPr lang="zh-CN" altLang="en-US" dirty="0"/>
+              <a:t>旋转不变、</a:t>
+            </a:r>
+            <a:r>
+              <a:rPr lang="en-US" altLang="zh-CN" dirty="0"/>
+              <a:t>FF</a:t>
+            </a:r>
+            <a:r>
+              <a:rPr lang="zh-CN" altLang="en-US" dirty="0"/>
+              <a:t>能量守恒</a:t>
+            </a:r>
+            <a:endParaRPr lang="en-US" altLang="zh-CN" dirty="0"/>
+          </a:p>
+          <a:p>
+            <a:pPr lvl="1"/>
+            <a:endParaRPr lang="en-US" altLang="zh-CN" dirty="0"/>
+          </a:p>
+          <a:p>
+            <a:r>
+              <a:rPr lang="en-US" altLang="zh-CN" dirty="0" err="1"/>
+              <a:t>SchNet</a:t>
+            </a:r>
+            <a:endParaRPr lang="en-US" altLang="zh-CN" dirty="0"/>
+          </a:p>
+          <a:p>
+            <a:pPr lvl="1"/>
+            <a:r>
+              <a:rPr lang="en-US" altLang="zh-CN" dirty="0"/>
+              <a:t>QM9</a:t>
+            </a:r>
+            <a:r>
+              <a:rPr lang="zh-CN" altLang="en-US" dirty="0"/>
+              <a:t>上性能提升</a:t>
+            </a:r>
+            <a:endParaRPr lang="en-US" altLang="zh-CN" dirty="0"/>
+          </a:p>
+          <a:p>
+            <a:pPr lvl="1"/>
+            <a:r>
+              <a:rPr lang="en-US" altLang="zh-CN" dirty="0"/>
+              <a:t>MD17</a:t>
+            </a:r>
+            <a:r>
+              <a:rPr lang="zh-CN" altLang="en-US" dirty="0"/>
+              <a:t>在大数据集上表现好（可扩展性，准确性）</a:t>
+            </a:r>
+            <a:endParaRPr lang="en-US" altLang="zh-CN" dirty="0"/>
+          </a:p>
+          <a:p>
+            <a:pPr lvl="1"/>
+            <a:endParaRPr lang="en-US" altLang="zh-CN" dirty="0"/>
+          </a:p>
+          <a:p>
+            <a:r>
+              <a:rPr lang="en-US" altLang="zh-CN" dirty="0"/>
+              <a:t>ISO17</a:t>
+            </a:r>
+          </a:p>
+          <a:p>
+            <a:pPr lvl="1"/>
+            <a:r>
+              <a:rPr lang="zh-CN" altLang="en-US" dirty="0"/>
+              <a:t>提出新的同分异构体数据集</a:t>
+            </a:r>
+            <a:endParaRPr lang="en-US" altLang="zh-CN" dirty="0"/>
+          </a:p>
+        </p:txBody>
+      </p:sp>
+      <p:pic>
+        <p:nvPicPr>
+          <p:cNvPr id="4" name="图片 3"/>
+          <p:cNvPicPr>
+            <a:picLocks noChangeAspect="1"/>
+          </p:cNvPicPr>
+          <p:nvPr/>
+        </p:nvPicPr>
+        <p:blipFill>
+          <a:blip r:embed="rId2"/>
+          <a:stretch>
+            <a:fillRect/>
+          </a:stretch>
+        </p:blipFill>
         <p:spPr>
           <a:xfrm>
-            <a:off x="628650" y="2766218"/>
-            <a:ext cx="7886700" cy="1325563"/>
-          </a:xfrm>
-        </p:spPr>
-        <p:txBody>
-          <a:bodyPr/>
-          <a:lstStyle/>
-          <a:p>
-            <a:pPr algn="ctr"/>
-            <a:r>
-              <a:rPr lang="zh-CN" altLang="en-US" dirty="0"/>
-              <a:t>谢谢！</a:t>
-            </a:r>
-          </a:p>
-        </p:txBody>
-      </p:sp>
+            <a:off x="106123" y="6090703"/>
+            <a:ext cx="8931754" cy="544255"/>
+          </a:xfrm>
+          <a:prstGeom prst="rect">
+            <a:avLst/>
+          </a:prstGeom>
+        </p:spPr>
+      </p:pic>
     </p:spTree>
     <p:extLst>
       <p:ext uri="{BB962C8B-B14F-4D97-AF65-F5344CB8AC3E}">
-        <p14:creationId xmlns:p14="http://schemas.microsoft.com/office/powerpoint/2010/main" val="2074515960"/>
+        <p14:creationId xmlns:p14="http://schemas.microsoft.com/office/powerpoint/2010/main" val="1166508047"/>
       </p:ext>
     </p:extLst>
   </p:cSld>
@@ -4792,7 +9006,7 @@
 </p:sld>
 </file>
 
-<file path=ppt/slides/slide2.xml><?xml version="1.0" encoding="utf-8"?>
+<file path=ppt/slides/slide23.xml><?xml version="1.0" encoding="utf-8"?>
 <p:sld xmlns:a="http://schemas.openxmlformats.org/drawingml/2006/main" xmlns:r="http://schemas.openxmlformats.org/officeDocument/2006/relationships" xmlns:p="http://schemas.openxmlformats.org/presentationml/2006/main">
   <p:cSld>
     <p:spTree>
@@ -4814,7 +9028,7 @@
           <p:cNvPr id="2" name="标题 1">
             <a:extLst>
               <a:ext uri="{FF2B5EF4-FFF2-40B4-BE49-F238E27FC236}">
-                <a16:creationId xmlns:a16="http://schemas.microsoft.com/office/drawing/2014/main" id="{3E742434-0857-471B-BFF1-E438923AE0F4}"/>
+                <a16:creationId xmlns:a16="http://schemas.microsoft.com/office/drawing/2014/main" id="{D7C35DCA-9414-4C8E-8DC8-182F936E4A3F}"/>
               </a:ext>
             </a:extLst>
           </p:cNvPr>
@@ -4825,645 +9039,28 @@
             <p:ph type="title"/>
           </p:nvPr>
         </p:nvSpPr>
-        <p:spPr/>
-        <p:txBody>
-          <a:bodyPr>
-            <a:normAutofit/>
-          </a:bodyPr>
-          <a:lstStyle/>
-          <a:p>
-            <a:r>
-              <a:rPr lang="en-US" altLang="zh-CN" dirty="0"/>
-              <a:t>Main idea</a:t>
-            </a:r>
-            <a:endParaRPr lang="zh-CN" altLang="en-US" dirty="0"/>
-          </a:p>
-        </p:txBody>
-      </p:sp>
-      <p:sp>
-        <p:nvSpPr>
-          <p:cNvPr id="4" name="矩形: 圆角 3">
-            <a:extLst>
-              <a:ext uri="{FF2B5EF4-FFF2-40B4-BE49-F238E27FC236}">
-                <a16:creationId xmlns:a16="http://schemas.microsoft.com/office/drawing/2014/main" id="{811AF1C6-5713-4891-A2D7-D1D6D6C6B732}"/>
-              </a:ext>
-            </a:extLst>
-          </p:cNvPr>
-          <p:cNvSpPr/>
-          <p:nvPr/>
-        </p:nvSpPr>
         <p:spPr>
           <a:xfrm>
-            <a:off x="876692" y="1866293"/>
-            <a:ext cx="2450969" cy="782425"/>
-          </a:xfrm>
-          <a:prstGeom prst="roundRect">
-            <a:avLst/>
-          </a:prstGeom>
-        </p:spPr>
-        <p:style>
-          <a:lnRef idx="3">
-            <a:schemeClr val="lt1"/>
-          </a:lnRef>
-          <a:fillRef idx="1">
-            <a:schemeClr val="accent2"/>
-          </a:fillRef>
-          <a:effectRef idx="1">
-            <a:schemeClr val="accent2"/>
-          </a:effectRef>
-          <a:fontRef idx="minor">
-            <a:schemeClr val="lt1"/>
-          </a:fontRef>
-        </p:style>
-        <p:txBody>
-          <a:bodyPr rtlCol="0" anchor="ctr"/>
+            <a:off x="628650" y="2766218"/>
+            <a:ext cx="7886700" cy="1325563"/>
+          </a:xfrm>
+        </p:spPr>
+        <p:txBody>
+          <a:bodyPr/>
           <a:lstStyle/>
           <a:p>
             <a:pPr algn="ctr"/>
             <a:r>
-              <a:rPr lang="en-US" altLang="zh-CN" dirty="0">
-                <a:solidFill>
-                  <a:schemeClr val="tx1"/>
-                </a:solidFill>
-              </a:rPr>
-              <a:t>Continuous Filter</a:t>
-            </a:r>
-          </a:p>
-          <a:p>
-            <a:pPr algn="ctr"/>
-            <a:r>
-              <a:rPr lang="en-US" altLang="zh-CN" dirty="0">
-                <a:solidFill>
-                  <a:schemeClr val="tx1"/>
-                </a:solidFill>
-              </a:rPr>
-              <a:t>Convolution</a:t>
-            </a:r>
-            <a:endParaRPr lang="zh-CN" altLang="en-US" dirty="0">
-              <a:solidFill>
-                <a:schemeClr val="tx1"/>
-              </a:solidFill>
-            </a:endParaRPr>
-          </a:p>
-        </p:txBody>
-      </p:sp>
-      <p:sp>
-        <p:nvSpPr>
-          <p:cNvPr id="6" name="矩形: 圆角 5">
-            <a:extLst>
-              <a:ext uri="{FF2B5EF4-FFF2-40B4-BE49-F238E27FC236}">
-                <a16:creationId xmlns:a16="http://schemas.microsoft.com/office/drawing/2014/main" id="{CC12878F-0AFC-4FB1-8973-780E55EFEA1D}"/>
-              </a:ext>
-            </a:extLst>
-          </p:cNvPr>
-          <p:cNvSpPr/>
-          <p:nvPr/>
-        </p:nvSpPr>
-        <p:spPr>
-          <a:xfrm>
-            <a:off x="4690424" y="1634493"/>
-            <a:ext cx="2751056" cy="1244338"/>
-          </a:xfrm>
-          <a:prstGeom prst="roundRect">
-            <a:avLst/>
-          </a:prstGeom>
-        </p:spPr>
-        <p:style>
-          <a:lnRef idx="3">
-            <a:schemeClr val="lt1"/>
-          </a:lnRef>
-          <a:fillRef idx="1">
-            <a:schemeClr val="accent1"/>
-          </a:fillRef>
-          <a:effectRef idx="1">
-            <a:schemeClr val="accent1"/>
-          </a:effectRef>
-          <a:fontRef idx="minor">
-            <a:schemeClr val="lt1"/>
-          </a:fontRef>
-        </p:style>
-        <p:txBody>
-          <a:bodyPr rtlCol="0" anchor="ctr"/>
-          <a:lstStyle/>
-          <a:p>
-            <a:pPr algn="ctr"/>
-            <a:r>
-              <a:rPr lang="en-US" altLang="zh-CN" dirty="0"/>
-              <a:t>model local correlations without requiring</a:t>
-            </a:r>
-          </a:p>
-          <a:p>
-            <a:pPr algn="ctr"/>
-            <a:r>
-              <a:rPr lang="en-US" altLang="zh-CN" dirty="0"/>
-              <a:t>the data to lie on a grid</a:t>
-            </a:r>
-            <a:endParaRPr lang="zh-CN" altLang="en-US" dirty="0"/>
-          </a:p>
-        </p:txBody>
-      </p:sp>
-      <p:sp>
-        <p:nvSpPr>
-          <p:cNvPr id="7" name="箭头: 右 6">
-            <a:extLst>
-              <a:ext uri="{FF2B5EF4-FFF2-40B4-BE49-F238E27FC236}">
-                <a16:creationId xmlns:a16="http://schemas.microsoft.com/office/drawing/2014/main" id="{7146F8E1-1585-4E28-ADF5-FE001F43E21D}"/>
-              </a:ext>
-            </a:extLst>
-          </p:cNvPr>
-          <p:cNvSpPr/>
-          <p:nvPr/>
-        </p:nvSpPr>
-        <p:spPr>
-          <a:xfrm>
-            <a:off x="3671152" y="2081258"/>
-            <a:ext cx="782425" cy="350807"/>
-          </a:xfrm>
-          <a:prstGeom prst="rightArrow">
-            <a:avLst/>
-          </a:prstGeom>
-          <a:solidFill>
-            <a:schemeClr val="accent6"/>
-          </a:solidFill>
-        </p:spPr>
-        <p:style>
-          <a:lnRef idx="0">
-            <a:schemeClr val="accent2"/>
-          </a:lnRef>
-          <a:fillRef idx="3">
-            <a:schemeClr val="accent2"/>
-          </a:fillRef>
-          <a:effectRef idx="3">
-            <a:schemeClr val="accent2"/>
-          </a:effectRef>
-          <a:fontRef idx="minor">
-            <a:schemeClr val="lt1"/>
-          </a:fontRef>
-        </p:style>
-        <p:txBody>
-          <a:bodyPr rtlCol="0" anchor="ctr"/>
-          <a:lstStyle/>
-          <a:p>
-            <a:pPr algn="ctr"/>
-            <a:endParaRPr lang="zh-CN" altLang="en-US"/>
-          </a:p>
-        </p:txBody>
-      </p:sp>
-      <p:sp>
-        <p:nvSpPr>
-          <p:cNvPr id="9" name="矩形: 圆角 8">
-            <a:extLst>
-              <a:ext uri="{FF2B5EF4-FFF2-40B4-BE49-F238E27FC236}">
-                <a16:creationId xmlns:a16="http://schemas.microsoft.com/office/drawing/2014/main" id="{936AAF81-6058-4EEF-9E2A-DF9F467FC40B}"/>
-              </a:ext>
-            </a:extLst>
-          </p:cNvPr>
-          <p:cNvSpPr/>
-          <p:nvPr/>
-        </p:nvSpPr>
-        <p:spPr>
-          <a:xfrm>
-            <a:off x="895545" y="3555711"/>
-            <a:ext cx="2450969" cy="782425"/>
-          </a:xfrm>
-          <a:prstGeom prst="roundRect">
-            <a:avLst/>
-          </a:prstGeom>
-        </p:spPr>
-        <p:style>
-          <a:lnRef idx="3">
-            <a:schemeClr val="lt1"/>
-          </a:lnRef>
-          <a:fillRef idx="1">
-            <a:schemeClr val="accent2"/>
-          </a:fillRef>
-          <a:effectRef idx="1">
-            <a:schemeClr val="accent2"/>
-          </a:effectRef>
-          <a:fontRef idx="minor">
-            <a:schemeClr val="lt1"/>
-          </a:fontRef>
-        </p:style>
-        <p:txBody>
-          <a:bodyPr rtlCol="0" anchor="ctr"/>
-          <a:lstStyle/>
-          <a:p>
-            <a:pPr algn="ctr"/>
-            <a:r>
-              <a:rPr lang="en-US" altLang="zh-CN" dirty="0" err="1">
-                <a:solidFill>
-                  <a:schemeClr val="tx1"/>
-                </a:solidFill>
-              </a:rPr>
-              <a:t>SchNet</a:t>
-            </a:r>
-            <a:endParaRPr lang="zh-CN" altLang="en-US" dirty="0">
-              <a:solidFill>
-                <a:schemeClr val="tx1"/>
-              </a:solidFill>
-            </a:endParaRPr>
-          </a:p>
-        </p:txBody>
-      </p:sp>
-      <p:sp>
-        <p:nvSpPr>
-          <p:cNvPr id="10" name="矩形: 圆角 9">
-            <a:extLst>
-              <a:ext uri="{FF2B5EF4-FFF2-40B4-BE49-F238E27FC236}">
-                <a16:creationId xmlns:a16="http://schemas.microsoft.com/office/drawing/2014/main" id="{EA7F85C0-3C7C-4376-9BF3-AAC8A3C53513}"/>
-              </a:ext>
-            </a:extLst>
-          </p:cNvPr>
-          <p:cNvSpPr/>
-          <p:nvPr/>
-        </p:nvSpPr>
-        <p:spPr>
-          <a:xfrm>
-            <a:off x="4713402" y="3324754"/>
-            <a:ext cx="2751056" cy="1244338"/>
-          </a:xfrm>
-          <a:prstGeom prst="roundRect">
-            <a:avLst/>
-          </a:prstGeom>
-        </p:spPr>
-        <p:style>
-          <a:lnRef idx="3">
-            <a:schemeClr val="lt1"/>
-          </a:lnRef>
-          <a:fillRef idx="1">
-            <a:schemeClr val="accent1"/>
-          </a:fillRef>
-          <a:effectRef idx="1">
-            <a:schemeClr val="accent1"/>
-          </a:effectRef>
-          <a:fontRef idx="minor">
-            <a:schemeClr val="lt1"/>
-          </a:fontRef>
-        </p:style>
-        <p:txBody>
-          <a:bodyPr rtlCol="0" anchor="ctr"/>
-          <a:lstStyle/>
-          <a:p>
-            <a:pPr algn="ctr"/>
-            <a:r>
-              <a:rPr lang="en-US" altLang="zh-CN" dirty="0"/>
-              <a:t>a novel deep learning</a:t>
-            </a:r>
-          </a:p>
-          <a:p>
-            <a:pPr algn="ctr"/>
-            <a:r>
-              <a:rPr lang="en-US" altLang="zh-CN" dirty="0"/>
-              <a:t>architecture modeling quantum interactions in molecules</a:t>
-            </a:r>
-            <a:endParaRPr lang="zh-CN" altLang="en-US" dirty="0"/>
-          </a:p>
-        </p:txBody>
-      </p:sp>
-      <p:sp>
-        <p:nvSpPr>
-          <p:cNvPr id="12" name="椭圆 11">
-            <a:extLst>
-              <a:ext uri="{FF2B5EF4-FFF2-40B4-BE49-F238E27FC236}">
-                <a16:creationId xmlns:a16="http://schemas.microsoft.com/office/drawing/2014/main" id="{D7239DC1-40C5-471E-9FFB-BB7736093174}"/>
-              </a:ext>
-            </a:extLst>
-          </p:cNvPr>
-          <p:cNvSpPr/>
-          <p:nvPr/>
-        </p:nvSpPr>
-        <p:spPr>
-          <a:xfrm>
-            <a:off x="3157980" y="5223507"/>
-            <a:ext cx="2450969" cy="1118831"/>
-          </a:xfrm>
-          <a:prstGeom prst="ellipse">
-            <a:avLst/>
-          </a:prstGeom>
-        </p:spPr>
-        <p:style>
-          <a:lnRef idx="1">
-            <a:schemeClr val="accent4"/>
-          </a:lnRef>
-          <a:fillRef idx="2">
-            <a:schemeClr val="accent4"/>
-          </a:fillRef>
-          <a:effectRef idx="1">
-            <a:schemeClr val="accent4"/>
-          </a:effectRef>
-          <a:fontRef idx="minor">
-            <a:schemeClr val="dk1"/>
-          </a:fontRef>
-        </p:style>
-        <p:txBody>
-          <a:bodyPr rtlCol="0" anchor="ctr"/>
-          <a:lstStyle/>
-          <a:p>
-            <a:pPr algn="ctr"/>
-            <a:r>
-              <a:rPr lang="en-US" altLang="zh-CN" dirty="0"/>
-              <a:t>rotationally invariant energy predictions</a:t>
-            </a:r>
-            <a:endParaRPr lang="zh-CN" altLang="en-US" dirty="0"/>
-          </a:p>
-        </p:txBody>
-      </p:sp>
-      <p:sp>
-        <p:nvSpPr>
-          <p:cNvPr id="13" name="椭圆 12">
-            <a:extLst>
-              <a:ext uri="{FF2B5EF4-FFF2-40B4-BE49-F238E27FC236}">
-                <a16:creationId xmlns:a16="http://schemas.microsoft.com/office/drawing/2014/main" id="{77DFBCC3-C94C-4D1B-B77F-A1E6EACAB8A5}"/>
-              </a:ext>
-            </a:extLst>
-          </p:cNvPr>
-          <p:cNvSpPr/>
-          <p:nvPr/>
-        </p:nvSpPr>
-        <p:spPr>
-          <a:xfrm>
-            <a:off x="5744066" y="5223506"/>
-            <a:ext cx="3371654" cy="1118831"/>
-          </a:xfrm>
-          <a:prstGeom prst="ellipse">
-            <a:avLst/>
-          </a:prstGeom>
-        </p:spPr>
-        <p:style>
-          <a:lnRef idx="1">
-            <a:schemeClr val="accent4"/>
-          </a:lnRef>
-          <a:fillRef idx="2">
-            <a:schemeClr val="accent4"/>
-          </a:fillRef>
-          <a:effectRef idx="1">
-            <a:schemeClr val="accent4"/>
-          </a:effectRef>
-          <a:fontRef idx="minor">
-            <a:schemeClr val="dk1"/>
-          </a:fontRef>
-        </p:style>
-        <p:txBody>
-          <a:bodyPr rtlCol="0" anchor="ctr"/>
-          <a:lstStyle/>
-          <a:p>
-            <a:pPr algn="ctr"/>
-            <a:r>
-              <a:rPr lang="en-US" altLang="zh-CN" dirty="0"/>
-              <a:t>rotationally equivariant, energy-conserving</a:t>
-            </a:r>
-          </a:p>
-          <a:p>
-            <a:pPr algn="ctr"/>
-            <a:r>
-              <a:rPr lang="en-US" altLang="zh-CN" dirty="0"/>
-              <a:t>force predictions</a:t>
-            </a:r>
-            <a:endParaRPr lang="zh-CN" altLang="en-US" dirty="0"/>
-          </a:p>
-        </p:txBody>
-      </p:sp>
-      <p:sp>
-        <p:nvSpPr>
-          <p:cNvPr id="14" name="箭头: 右 13">
-            <a:extLst>
-              <a:ext uri="{FF2B5EF4-FFF2-40B4-BE49-F238E27FC236}">
-                <a16:creationId xmlns:a16="http://schemas.microsoft.com/office/drawing/2014/main" id="{6634BBA2-26F0-41EB-B2E1-CF18251BBE46}"/>
-              </a:ext>
-            </a:extLst>
-          </p:cNvPr>
-          <p:cNvSpPr/>
-          <p:nvPr/>
-        </p:nvSpPr>
-        <p:spPr>
-          <a:xfrm>
-            <a:off x="3671152" y="3683395"/>
-            <a:ext cx="782425" cy="350807"/>
-          </a:xfrm>
-          <a:prstGeom prst="rightArrow">
-            <a:avLst/>
-          </a:prstGeom>
-          <a:solidFill>
-            <a:schemeClr val="accent6"/>
-          </a:solidFill>
-        </p:spPr>
-        <p:style>
-          <a:lnRef idx="0">
-            <a:schemeClr val="accent2"/>
-          </a:lnRef>
-          <a:fillRef idx="3">
-            <a:schemeClr val="accent2"/>
-          </a:fillRef>
-          <a:effectRef idx="3">
-            <a:schemeClr val="accent2"/>
-          </a:effectRef>
-          <a:fontRef idx="minor">
-            <a:schemeClr val="lt1"/>
-          </a:fontRef>
-        </p:style>
-        <p:txBody>
-          <a:bodyPr rtlCol="0" anchor="ctr"/>
-          <a:lstStyle/>
-          <a:p>
-            <a:pPr algn="ctr"/>
-            <a:endParaRPr lang="zh-CN" altLang="en-US"/>
-          </a:p>
-        </p:txBody>
-      </p:sp>
-      <p:sp>
-        <p:nvSpPr>
-          <p:cNvPr id="15" name="箭头: 右 14">
-            <a:extLst>
-              <a:ext uri="{FF2B5EF4-FFF2-40B4-BE49-F238E27FC236}">
-                <a16:creationId xmlns:a16="http://schemas.microsoft.com/office/drawing/2014/main" id="{D1F91669-5EEB-4EEB-A18D-E0ACB9D49D02}"/>
-              </a:ext>
-            </a:extLst>
-          </p:cNvPr>
-          <p:cNvSpPr/>
-          <p:nvPr/>
-        </p:nvSpPr>
-        <p:spPr>
-          <a:xfrm rot="7697318">
-            <a:off x="4837658" y="4779166"/>
-            <a:ext cx="782425" cy="350807"/>
-          </a:xfrm>
-          <a:prstGeom prst="rightArrow">
-            <a:avLst/>
-          </a:prstGeom>
-          <a:solidFill>
-            <a:srgbClr val="FFC000"/>
-          </a:solidFill>
-        </p:spPr>
-        <p:style>
-          <a:lnRef idx="0">
-            <a:schemeClr val="accent2"/>
-          </a:lnRef>
-          <a:fillRef idx="3">
-            <a:schemeClr val="accent2"/>
-          </a:fillRef>
-          <a:effectRef idx="3">
-            <a:schemeClr val="accent2"/>
-          </a:effectRef>
-          <a:fontRef idx="minor">
-            <a:schemeClr val="lt1"/>
-          </a:fontRef>
-        </p:style>
-        <p:txBody>
-          <a:bodyPr rtlCol="0" anchor="ctr"/>
-          <a:lstStyle/>
-          <a:p>
-            <a:pPr algn="ctr"/>
-            <a:endParaRPr lang="zh-CN" altLang="en-US" dirty="0"/>
-          </a:p>
-        </p:txBody>
-      </p:sp>
-      <p:sp>
-        <p:nvSpPr>
-          <p:cNvPr id="17" name="箭头: 右 16">
-            <a:extLst>
-              <a:ext uri="{FF2B5EF4-FFF2-40B4-BE49-F238E27FC236}">
-                <a16:creationId xmlns:a16="http://schemas.microsoft.com/office/drawing/2014/main" id="{ECDD028D-8F86-4186-B150-84BCE5DDA87A}"/>
-              </a:ext>
-            </a:extLst>
-          </p:cNvPr>
-          <p:cNvSpPr/>
-          <p:nvPr/>
-        </p:nvSpPr>
-        <p:spPr>
-          <a:xfrm rot="3192064">
-            <a:off x="5898053" y="4784379"/>
-            <a:ext cx="782425" cy="350807"/>
-          </a:xfrm>
-          <a:prstGeom prst="rightArrow">
-            <a:avLst/>
-          </a:prstGeom>
-          <a:solidFill>
-            <a:srgbClr val="FFC000"/>
-          </a:solidFill>
-        </p:spPr>
-        <p:style>
-          <a:lnRef idx="0">
-            <a:schemeClr val="accent2"/>
-          </a:lnRef>
-          <a:fillRef idx="3">
-            <a:schemeClr val="accent2"/>
-          </a:fillRef>
-          <a:effectRef idx="3">
-            <a:schemeClr val="accent2"/>
-          </a:effectRef>
-          <a:fontRef idx="minor">
-            <a:schemeClr val="lt1"/>
-          </a:fontRef>
-        </p:style>
-        <p:txBody>
-          <a:bodyPr rtlCol="0" anchor="ctr"/>
-          <a:lstStyle/>
-          <a:p>
-            <a:pPr algn="ctr"/>
-            <a:endParaRPr lang="zh-CN" altLang="en-US"/>
-          </a:p>
-        </p:txBody>
-      </p:sp>
-      <p:sp>
-        <p:nvSpPr>
-          <p:cNvPr id="5" name="矩形: 圆角 4">
-            <a:extLst>
-              <a:ext uri="{FF2B5EF4-FFF2-40B4-BE49-F238E27FC236}">
-                <a16:creationId xmlns:a16="http://schemas.microsoft.com/office/drawing/2014/main" id="{53A1EBEA-664C-49D7-ABF2-D3FECB2421C2}"/>
-              </a:ext>
-            </a:extLst>
-          </p:cNvPr>
-          <p:cNvSpPr/>
-          <p:nvPr/>
-        </p:nvSpPr>
-        <p:spPr>
-          <a:xfrm>
-            <a:off x="282805" y="5370317"/>
-            <a:ext cx="2139884" cy="972020"/>
-          </a:xfrm>
-          <a:prstGeom prst="roundRect">
-            <a:avLst/>
-          </a:prstGeom>
-          <a:ln w="28575"/>
-        </p:spPr>
-        <p:style>
-          <a:lnRef idx="2">
-            <a:schemeClr val="accent2"/>
-          </a:lnRef>
-          <a:fillRef idx="1">
-            <a:schemeClr val="lt1"/>
-          </a:fillRef>
-          <a:effectRef idx="0">
-            <a:schemeClr val="accent2"/>
-          </a:effectRef>
-          <a:fontRef idx="minor">
-            <a:schemeClr val="dk1"/>
-          </a:fontRef>
-        </p:style>
-        <p:txBody>
-          <a:bodyPr rtlCol="0" anchor="ctr"/>
-          <a:lstStyle/>
-          <a:p>
-            <a:pPr algn="ctr"/>
-            <a:r>
-              <a:rPr lang="en-US" altLang="zh-CN" dirty="0"/>
-              <a:t>Basic quantum chemical constrains</a:t>
-            </a:r>
-            <a:endParaRPr lang="zh-CN" altLang="en-US" dirty="0"/>
-          </a:p>
-        </p:txBody>
-      </p:sp>
-      <p:sp>
-        <p:nvSpPr>
-          <p:cNvPr id="19" name="箭头: 右 18">
-            <a:extLst>
-              <a:ext uri="{FF2B5EF4-FFF2-40B4-BE49-F238E27FC236}">
-                <a16:creationId xmlns:a16="http://schemas.microsoft.com/office/drawing/2014/main" id="{A0009C3F-B418-48BB-8BBA-1778A4653F19}"/>
-              </a:ext>
-            </a:extLst>
-          </p:cNvPr>
-          <p:cNvSpPr/>
-          <p:nvPr/>
-        </p:nvSpPr>
-        <p:spPr>
-          <a:xfrm>
-            <a:off x="2598652" y="5680923"/>
-            <a:ext cx="377073" cy="350807"/>
-          </a:xfrm>
-          <a:prstGeom prst="rightArrow">
-            <a:avLst/>
-          </a:prstGeom>
-          <a:solidFill>
-            <a:schemeClr val="accent2"/>
-          </a:solidFill>
-        </p:spPr>
-        <p:style>
-          <a:lnRef idx="0">
-            <a:schemeClr val="accent2"/>
-          </a:lnRef>
-          <a:fillRef idx="3">
-            <a:schemeClr val="accent2"/>
-          </a:fillRef>
-          <a:effectRef idx="3">
-            <a:schemeClr val="accent2"/>
-          </a:effectRef>
-          <a:fontRef idx="minor">
-            <a:schemeClr val="lt1"/>
-          </a:fontRef>
-        </p:style>
-        <p:txBody>
-          <a:bodyPr rtlCol="0" anchor="ctr"/>
-          <a:lstStyle/>
-          <a:p>
-            <a:pPr algn="ctr"/>
-            <a:endParaRPr lang="zh-CN" altLang="en-US"/>
+              <a:rPr lang="zh-CN" altLang="en-US" dirty="0"/>
+              <a:t>谢谢！</a:t>
+            </a:r>
           </a:p>
         </p:txBody>
       </p:sp>
     </p:spTree>
     <p:extLst>
       <p:ext uri="{BB962C8B-B14F-4D97-AF65-F5344CB8AC3E}">
-        <p14:creationId xmlns:p14="http://schemas.microsoft.com/office/powerpoint/2010/main" val="3155336167"/>
+        <p14:creationId xmlns:p14="http://schemas.microsoft.com/office/powerpoint/2010/main" val="2074515960"/>
       </p:ext>
     </p:extLst>
   </p:cSld>
@@ -5492,13 +9089,7 @@
       </p:grpSpPr>
       <p:sp>
         <p:nvSpPr>
-          <p:cNvPr id="2" name="标题 1">
-            <a:extLst>
-              <a:ext uri="{FF2B5EF4-FFF2-40B4-BE49-F238E27FC236}">
-                <a16:creationId xmlns:a16="http://schemas.microsoft.com/office/drawing/2014/main" id="{6EFCBBA7-734E-4D8D-841D-45E1C3B154F2}"/>
-              </a:ext>
-            </a:extLst>
-          </p:cNvPr>
+          <p:cNvPr id="2" name="标题 1"/>
           <p:cNvSpPr>
             <a:spLocks noGrp="1"/>
           </p:cNvSpPr>
@@ -5508,102 +9099,210 @@
         </p:nvSpPr>
         <p:spPr/>
         <p:txBody>
-          <a:bodyPr>
-            <a:normAutofit fontScale="90000"/>
-          </a:bodyPr>
-          <a:lstStyle/>
-          <a:p>
-            <a:r>
-              <a:rPr lang="en-US" altLang="zh-CN" dirty="0"/>
-              <a:t>Continuous filter</a:t>
-            </a:r>
-            <a:br>
-              <a:rPr lang="en-US" altLang="zh-CN" dirty="0"/>
-            </a:br>
-            <a:r>
-              <a:rPr lang="en-US" altLang="zh-CN" dirty="0"/>
-              <a:t>        </a:t>
-            </a:r>
-            <a:r>
-              <a:rPr lang="en-US" altLang="zh-CN" dirty="0">
-                <a:solidFill>
-                  <a:schemeClr val="accent2"/>
-                </a:solidFill>
-                <a:sym typeface="Wingdings" panose="05000000000000000000" pitchFamily="2" charset="2"/>
-              </a:rPr>
-              <a:t> </a:t>
-            </a:r>
-            <a:r>
-              <a:rPr lang="en-US" altLang="zh-CN" dirty="0"/>
-              <a:t> Continuous energy surface</a:t>
+          <a:bodyPr/>
+          <a:lstStyle/>
+          <a:p>
+            <a:r>
+              <a:rPr lang="zh-CN" altLang="en-US" sz="4000" dirty="0"/>
+              <a:t>求</a:t>
+            </a:r>
+            <a:r>
+              <a:rPr lang="en-US" altLang="zh-CN" sz="4000" dirty="0"/>
+              <a:t>F</a:t>
+            </a:r>
+            <a:r>
+              <a:rPr lang="zh-CN" altLang="en-US" sz="4000" dirty="0"/>
+              <a:t>的关键</a:t>
             </a:r>
             <a:endParaRPr lang="zh-CN" altLang="en-US" dirty="0"/>
           </a:p>
         </p:txBody>
       </p:sp>
-      <p:pic>
-        <p:nvPicPr>
-          <p:cNvPr id="5" name="内容占位符 4">
-            <a:extLst>
-              <a:ext uri="{FF2B5EF4-FFF2-40B4-BE49-F238E27FC236}">
-                <a16:creationId xmlns:a16="http://schemas.microsoft.com/office/drawing/2014/main" id="{87C588A8-4B34-4AA8-AB48-E087BF3C0052}"/>
-              </a:ext>
-            </a:extLst>
-          </p:cNvPr>
-          <p:cNvPicPr>
-            <a:picLocks noGrp="1" noChangeAspect="1"/>
-          </p:cNvPicPr>
+      <p:sp>
+        <p:nvSpPr>
+          <p:cNvPr id="3" name="内容占位符 2"/>
+          <p:cNvSpPr>
+            <a:spLocks noGrp="1"/>
+          </p:cNvSpPr>
           <p:nvPr>
             <p:ph idx="1"/>
           </p:nvPr>
-        </p:nvPicPr>
-        <p:blipFill>
-          <a:blip r:embed="rId2"/>
-          <a:stretch>
-            <a:fillRect/>
-          </a:stretch>
-        </p:blipFill>
-        <p:spPr>
-          <a:xfrm>
-            <a:off x="628650" y="1690689"/>
-            <a:ext cx="7886700" cy="3746682"/>
-          </a:xfrm>
-        </p:spPr>
-      </p:pic>
-      <p:pic>
-        <p:nvPicPr>
-          <p:cNvPr id="9" name="图片 8">
-            <a:extLst>
-              <a:ext uri="{FF2B5EF4-FFF2-40B4-BE49-F238E27FC236}">
-                <a16:creationId xmlns:a16="http://schemas.microsoft.com/office/drawing/2014/main" id="{7FBAFC1C-AFAA-4C8D-A343-92D115385B7A}"/>
-              </a:ext>
-            </a:extLst>
-          </p:cNvPr>
-          <p:cNvPicPr>
-            <a:picLocks noChangeAspect="1"/>
-          </p:cNvPicPr>
-          <p:nvPr/>
-        </p:nvPicPr>
-        <p:blipFill>
-          <a:blip r:embed="rId3"/>
-          <a:stretch>
-            <a:fillRect/>
-          </a:stretch>
-        </p:blipFill>
-        <p:spPr>
-          <a:xfrm>
-            <a:off x="1962150" y="5581607"/>
-            <a:ext cx="5219700" cy="1171575"/>
-          </a:xfrm>
-          <a:prstGeom prst="rect">
-            <a:avLst/>
-          </a:prstGeom>
-        </p:spPr>
-      </p:pic>
+        </p:nvSpPr>
+        <p:spPr/>
+        <p:txBody>
+          <a:bodyPr/>
+          <a:lstStyle/>
+          <a:p>
+            <a:r>
+              <a:rPr lang="en-US" altLang="zh-CN" dirty="0"/>
+              <a:t>A</a:t>
+            </a:r>
+            <a:r>
+              <a:rPr lang="zh-CN" altLang="en-US" dirty="0"/>
+              <a:t>：</a:t>
+            </a:r>
+            <a:r>
+              <a:rPr lang="en-US" altLang="zh-CN" dirty="0"/>
+              <a:t>the predicted force field has to be curl-free</a:t>
+            </a:r>
+          </a:p>
+          <a:p>
+            <a:pPr marL="0" indent="0">
+              <a:buNone/>
+            </a:pPr>
+            <a:r>
+              <a:rPr lang="en-US" altLang="zh-CN" dirty="0"/>
+              <a:t>	</a:t>
+            </a:r>
+            <a:r>
+              <a:rPr lang="zh-CN" altLang="en-US" dirty="0"/>
+              <a:t>（</a:t>
+            </a:r>
+            <a:r>
+              <a:rPr lang="en-US" altLang="zh-CN" dirty="0">
+                <a:solidFill>
+                  <a:schemeClr val="accent2"/>
+                </a:solidFill>
+              </a:rPr>
+              <a:t>law of energy conservation</a:t>
+            </a:r>
+            <a:r>
+              <a:rPr lang="zh-CN" altLang="en-US" dirty="0"/>
+              <a:t>）</a:t>
+            </a:r>
+            <a:endParaRPr lang="en-US" altLang="zh-CN" dirty="0"/>
+          </a:p>
+          <a:p>
+            <a:r>
+              <a:rPr lang="en-US" altLang="zh-CN" dirty="0"/>
+              <a:t>B</a:t>
+            </a:r>
+            <a:r>
+              <a:rPr lang="zh-CN" altLang="en-US" dirty="0"/>
+              <a:t>：</a:t>
+            </a:r>
+            <a:r>
+              <a:rPr lang="en-US" altLang="zh-CN" dirty="0"/>
+              <a:t>the potential </a:t>
+            </a:r>
+            <a:r>
+              <a:rPr lang="en-US" altLang="zh-CN" dirty="0">
+                <a:solidFill>
+                  <a:srgbClr val="FF0000"/>
+                </a:solidFill>
+              </a:rPr>
+              <a:t>energy surface </a:t>
+            </a:r>
+            <a:r>
+              <a:rPr lang="en-US" altLang="zh-CN" dirty="0"/>
+              <a:t>as well as its 	partial derivatives have to be </a:t>
+            </a:r>
+            <a:r>
+              <a:rPr lang="en-US" altLang="zh-CN" b="1" i="1" u="sng" dirty="0">
+                <a:solidFill>
+                  <a:srgbClr val="FF0000"/>
+                </a:solidFill>
+              </a:rPr>
+              <a:t>smooth</a:t>
+            </a:r>
+          </a:p>
+          <a:p>
+            <a:pPr marL="0" indent="0">
+              <a:buNone/>
+            </a:pPr>
+            <a:r>
+              <a:rPr lang="en-US" altLang="zh-CN" dirty="0"/>
+              <a:t>	</a:t>
+            </a:r>
+            <a:r>
+              <a:rPr lang="zh-CN" altLang="en-US" dirty="0"/>
+              <a:t>（</a:t>
+            </a:r>
+            <a:r>
+              <a:rPr lang="en-US" altLang="zh-CN" dirty="0">
+                <a:solidFill>
+                  <a:schemeClr val="accent2"/>
+                </a:solidFill>
+              </a:rPr>
+              <a:t>be able to perform geometry optimization</a:t>
+            </a:r>
+            <a:r>
+              <a:rPr lang="zh-CN" altLang="en-US" dirty="0"/>
+              <a:t>）</a:t>
+            </a:r>
+            <a:endParaRPr lang="en-US" altLang="zh-CN" dirty="0"/>
+          </a:p>
+          <a:p>
+            <a:r>
+              <a:rPr lang="en-US" altLang="zh-CN" dirty="0"/>
+              <a:t>C</a:t>
+            </a:r>
+            <a:r>
+              <a:rPr lang="zh-CN" altLang="en-US" dirty="0"/>
+              <a:t>：</a:t>
+            </a:r>
+            <a:r>
+              <a:rPr lang="en-US" altLang="zh-CN" dirty="0">
+                <a:solidFill>
+                  <a:srgbClr val="FF0000"/>
+                </a:solidFill>
+              </a:rPr>
+              <a:t>invariance</a:t>
+            </a:r>
+            <a:r>
+              <a:rPr lang="en-US" altLang="zh-CN" dirty="0"/>
+              <a:t> of the molecular energy with respect 	to rotation, translation and atom indexing</a:t>
+            </a:r>
+          </a:p>
+          <a:p>
+            <a:endParaRPr lang="en-US" altLang="zh-CN" dirty="0"/>
+          </a:p>
+          <a:p>
+            <a:r>
+              <a:rPr lang="en-US" altLang="zh-CN" dirty="0">
+                <a:solidFill>
+                  <a:srgbClr val="FF0000"/>
+                </a:solidFill>
+              </a:rPr>
+              <a:t>Note</a:t>
+            </a:r>
+            <a:r>
+              <a:rPr lang="zh-CN" altLang="en-US" dirty="0">
+                <a:solidFill>
+                  <a:srgbClr val="FF0000"/>
+                </a:solidFill>
+              </a:rPr>
+              <a:t>：</a:t>
+            </a:r>
+            <a:r>
+              <a:rPr lang="en-US" altLang="zh-CN" dirty="0">
+                <a:solidFill>
+                  <a:srgbClr val="FF0000"/>
+                </a:solidFill>
+              </a:rPr>
+              <a:t>B </a:t>
+            </a:r>
+            <a:r>
+              <a:rPr lang="en-US" altLang="zh-CN" dirty="0">
+                <a:solidFill>
+                  <a:srgbClr val="FF0000"/>
+                </a:solidFill>
+                <a:sym typeface="Wingdings" panose="05000000000000000000" pitchFamily="2" charset="2"/>
+              </a:rPr>
+              <a:t>--&gt; A</a:t>
+            </a:r>
+            <a:endParaRPr lang="zh-CN" altLang="en-US" dirty="0">
+              <a:solidFill>
+                <a:srgbClr val="FF0000"/>
+              </a:solidFill>
+            </a:endParaRPr>
+          </a:p>
+        </p:txBody>
+      </p:sp>
     </p:spTree>
     <p:extLst>
       <p:ext uri="{BB962C8B-B14F-4D97-AF65-F5344CB8AC3E}">
-        <p14:creationId xmlns:p14="http://schemas.microsoft.com/office/powerpoint/2010/main" val="2121132589"/>
+        <p14:creationId xmlns:p14="http://schemas.microsoft.com/office/powerpoint/2010/main" val="1207527755"/>
       </p:ext>
     </p:extLst>
   </p:cSld>
@@ -5632,6 +9331,1036 @@
       </p:grpSpPr>
       <p:sp>
         <p:nvSpPr>
+          <p:cNvPr id="2" name="标题 1"/>
+          <p:cNvSpPr>
+            <a:spLocks noGrp="1"/>
+          </p:cNvSpPr>
+          <p:nvPr>
+            <p:ph type="title"/>
+          </p:nvPr>
+        </p:nvSpPr>
+        <p:spPr/>
+        <p:txBody>
+          <a:bodyPr/>
+          <a:lstStyle/>
+          <a:p>
+            <a:r>
+              <a:rPr lang="en-US" altLang="zh-CN" dirty="0"/>
+              <a:t>Convolution</a:t>
+            </a:r>
+            <a:r>
+              <a:rPr lang="zh-CN" altLang="en-US" dirty="0"/>
+              <a:t>？</a:t>
+            </a:r>
+            <a:r>
+              <a:rPr lang="zh-CN" altLang="en-US" sz="3600" dirty="0">
+                <a:solidFill>
+                  <a:srgbClr val="FF0000"/>
+                </a:solidFill>
+              </a:rPr>
+              <a:t>那么问题来了</a:t>
+            </a:r>
+          </a:p>
+        </p:txBody>
+      </p:sp>
+      <p:sp>
+        <p:nvSpPr>
+          <p:cNvPr id="3" name="内容占位符 2"/>
+          <p:cNvSpPr>
+            <a:spLocks noGrp="1"/>
+          </p:cNvSpPr>
+          <p:nvPr>
+            <p:ph idx="1"/>
+          </p:nvPr>
+        </p:nvSpPr>
+        <p:spPr/>
+        <p:txBody>
+          <a:bodyPr/>
+          <a:lstStyle/>
+          <a:p>
+            <a:r>
+              <a:rPr lang="en-US" altLang="zh-CN" dirty="0">
+                <a:solidFill>
+                  <a:schemeClr val="accent2"/>
+                </a:solidFill>
+              </a:rPr>
+              <a:t>Grid convolution </a:t>
+            </a:r>
+            <a:r>
+              <a:rPr lang="en-US" altLang="zh-CN" dirty="0"/>
+              <a:t>VS </a:t>
+            </a:r>
+            <a:r>
+              <a:rPr lang="en-US" altLang="zh-CN" dirty="0">
+                <a:solidFill>
+                  <a:schemeClr val="accent2"/>
+                </a:solidFill>
+              </a:rPr>
+              <a:t>arbitrary atom positions</a:t>
+            </a:r>
+          </a:p>
+          <a:p>
+            <a:r>
+              <a:rPr lang="zh-CN" altLang="en-US" dirty="0"/>
+              <a:t>处理不好的话</a:t>
+            </a:r>
+            <a:r>
+              <a:rPr lang="en-US" altLang="zh-CN" dirty="0"/>
+              <a:t>…</a:t>
+            </a:r>
+            <a:r>
+              <a:rPr lang="zh-CN" altLang="en-US" dirty="0"/>
+              <a:t>就不能很好的求</a:t>
+            </a:r>
+            <a:r>
+              <a:rPr lang="en-US" altLang="zh-CN" dirty="0"/>
+              <a:t>F</a:t>
+            </a:r>
+            <a:r>
+              <a:rPr lang="zh-CN" altLang="en-US" dirty="0"/>
+              <a:t>了</a:t>
+            </a:r>
+          </a:p>
+        </p:txBody>
+      </p:sp>
+      <p:pic>
+        <p:nvPicPr>
+          <p:cNvPr id="4" name="内容占位符 4">
+            <a:extLst>
+              <a:ext uri="{FF2B5EF4-FFF2-40B4-BE49-F238E27FC236}">
+                <a16:creationId xmlns:a16="http://schemas.microsoft.com/office/drawing/2014/main" id="{87C588A8-4B34-4AA8-AB48-E087BF3C0052}"/>
+              </a:ext>
+            </a:extLst>
+          </p:cNvPr>
+          <p:cNvPicPr>
+            <a:picLocks noChangeAspect="1"/>
+          </p:cNvPicPr>
+          <p:nvPr/>
+        </p:nvPicPr>
+        <p:blipFill>
+          <a:blip r:embed="rId2"/>
+          <a:stretch>
+            <a:fillRect/>
+          </a:stretch>
+        </p:blipFill>
+        <p:spPr>
+          <a:xfrm>
+            <a:off x="628650" y="2751738"/>
+            <a:ext cx="7886700" cy="3746682"/>
+          </a:xfrm>
+          <a:prstGeom prst="rect">
+            <a:avLst/>
+          </a:prstGeom>
+        </p:spPr>
+      </p:pic>
+    </p:spTree>
+    <p:extLst>
+      <p:ext uri="{BB962C8B-B14F-4D97-AF65-F5344CB8AC3E}">
+        <p14:creationId xmlns:p14="http://schemas.microsoft.com/office/powerpoint/2010/main" val="1773974790"/>
+      </p:ext>
+    </p:extLst>
+  </p:cSld>
+  <p:clrMapOvr>
+    <a:masterClrMapping/>
+  </p:clrMapOvr>
+</p:sld>
+</file>
+
+<file path=ppt/slides/slide5.xml><?xml version="1.0" encoding="utf-8"?>
+<p:sld xmlns:a="http://schemas.openxmlformats.org/drawingml/2006/main" xmlns:r="http://schemas.openxmlformats.org/officeDocument/2006/relationships" xmlns:p="http://schemas.openxmlformats.org/presentationml/2006/main">
+  <p:cSld>
+    <p:spTree>
+      <p:nvGrpSpPr>
+        <p:cNvPr id="1" name=""/>
+        <p:cNvGrpSpPr/>
+        <p:nvPr/>
+      </p:nvGrpSpPr>
+      <p:grpSpPr>
+        <a:xfrm>
+          <a:off x="0" y="0"/>
+          <a:ext cx="0" cy="0"/>
+          <a:chOff x="0" y="0"/>
+          <a:chExt cx="0" cy="0"/>
+        </a:xfrm>
+      </p:grpSpPr>
+      <p:sp>
+        <p:nvSpPr>
+          <p:cNvPr id="2" name="标题 1"/>
+          <p:cNvSpPr>
+            <a:spLocks noGrp="1"/>
+          </p:cNvSpPr>
+          <p:nvPr>
+            <p:ph type="title"/>
+          </p:nvPr>
+        </p:nvSpPr>
+        <p:spPr/>
+        <p:txBody>
+          <a:bodyPr/>
+          <a:lstStyle/>
+          <a:p>
+            <a:r>
+              <a:rPr lang="en-US" altLang="zh-CN" dirty="0"/>
+              <a:t>Current Solutions</a:t>
+            </a:r>
+            <a:endParaRPr lang="zh-CN" altLang="en-US" dirty="0"/>
+          </a:p>
+        </p:txBody>
+      </p:sp>
+      <p:sp>
+        <p:nvSpPr>
+          <p:cNvPr id="3" name="内容占位符 2"/>
+          <p:cNvSpPr>
+            <a:spLocks noGrp="1"/>
+          </p:cNvSpPr>
+          <p:nvPr>
+            <p:ph idx="1"/>
+          </p:nvPr>
+        </p:nvSpPr>
+        <p:spPr/>
+        <p:txBody>
+          <a:bodyPr>
+            <a:normAutofit lnSpcReduction="10000"/>
+          </a:bodyPr>
+          <a:lstStyle/>
+          <a:p>
+            <a:r>
+              <a:rPr lang="en-US" altLang="zh-CN" dirty="0"/>
+              <a:t>re-sampling</a:t>
+            </a:r>
+            <a:r>
+              <a:rPr lang="zh-CN" altLang="en-US" dirty="0"/>
+              <a:t>：</a:t>
+            </a:r>
+            <a:r>
+              <a:rPr lang="en-US" altLang="zh-CN" dirty="0"/>
+              <a:t>defining a representation on a grid</a:t>
+            </a:r>
+          </a:p>
+          <a:p>
+            <a:pPr lvl="1"/>
+            <a:r>
+              <a:rPr lang="zh-CN" altLang="en-US" dirty="0">
+                <a:solidFill>
+                  <a:schemeClr val="accent2"/>
+                </a:solidFill>
+              </a:rPr>
+              <a:t>插值算法本身的挑战</a:t>
+            </a:r>
+            <a:endParaRPr lang="en-US" altLang="zh-CN" dirty="0">
+              <a:solidFill>
+                <a:schemeClr val="accent2"/>
+              </a:solidFill>
+            </a:endParaRPr>
+          </a:p>
+          <a:p>
+            <a:pPr lvl="1"/>
+            <a:r>
+              <a:rPr lang="zh-CN" altLang="en-US" dirty="0">
+                <a:solidFill>
+                  <a:schemeClr val="accent2"/>
+                </a:solidFill>
+              </a:rPr>
+              <a:t>需要大量的网格格点</a:t>
+            </a:r>
+            <a:endParaRPr lang="en-US" altLang="zh-CN" dirty="0">
+              <a:solidFill>
+                <a:schemeClr val="accent2"/>
+              </a:solidFill>
+            </a:endParaRPr>
+          </a:p>
+          <a:p>
+            <a:pPr lvl="1"/>
+            <a:endParaRPr lang="en-US" altLang="zh-CN" dirty="0">
+              <a:solidFill>
+                <a:schemeClr val="accent2"/>
+              </a:solidFill>
+            </a:endParaRPr>
+          </a:p>
+          <a:p>
+            <a:r>
+              <a:rPr lang="en-US" altLang="zh-CN" dirty="0"/>
+              <a:t>Extensions of convolutional layers</a:t>
+            </a:r>
+          </a:p>
+          <a:p>
+            <a:pPr lvl="1"/>
+            <a:r>
+              <a:rPr lang="en-US" altLang="zh-CN" dirty="0"/>
+              <a:t>convolution on graph-structures</a:t>
+            </a:r>
+          </a:p>
+          <a:p>
+            <a:pPr lvl="1"/>
+            <a:r>
+              <a:rPr lang="en-US" altLang="zh-CN" dirty="0"/>
+              <a:t>convolution on 3d-shapes</a:t>
+            </a:r>
+          </a:p>
+          <a:p>
+            <a:pPr lvl="1"/>
+            <a:endParaRPr lang="en-US" altLang="zh-CN" dirty="0"/>
+          </a:p>
+          <a:p>
+            <a:r>
+              <a:rPr lang="zh-CN" altLang="en-US" dirty="0"/>
+              <a:t>本文提出的卷积扩展</a:t>
+            </a:r>
+            <a:endParaRPr lang="en-US" altLang="zh-CN" dirty="0"/>
+          </a:p>
+          <a:p>
+            <a:pPr lvl="1"/>
+            <a:r>
+              <a:rPr lang="en-US" altLang="zh-CN" dirty="0">
+                <a:solidFill>
+                  <a:srgbClr val="FF0000"/>
+                </a:solidFill>
+              </a:rPr>
+              <a:t>continuous filters </a:t>
+            </a:r>
+            <a:r>
+              <a:rPr lang="en-US" altLang="zh-CN" dirty="0"/>
+              <a:t>that are able to </a:t>
+            </a:r>
+            <a:r>
+              <a:rPr lang="en-US" altLang="zh-CN" dirty="0">
+                <a:solidFill>
+                  <a:schemeClr val="accent2"/>
+                </a:solidFill>
+              </a:rPr>
+              <a:t>handle unevenly spaced data</a:t>
+            </a:r>
+            <a:r>
+              <a:rPr lang="en-US" altLang="zh-CN" dirty="0"/>
+              <a:t>, in particular, </a:t>
+            </a:r>
+            <a:r>
+              <a:rPr lang="en-US" altLang="zh-CN" dirty="0">
+                <a:solidFill>
+                  <a:schemeClr val="accent1"/>
+                </a:solidFill>
+              </a:rPr>
+              <a:t>atoms at arbitrary positions</a:t>
+            </a:r>
+            <a:endParaRPr lang="zh-CN" altLang="en-US" dirty="0">
+              <a:solidFill>
+                <a:schemeClr val="accent1"/>
+              </a:solidFill>
+            </a:endParaRPr>
+          </a:p>
+        </p:txBody>
+      </p:sp>
+    </p:spTree>
+    <p:extLst>
+      <p:ext uri="{BB962C8B-B14F-4D97-AF65-F5344CB8AC3E}">
+        <p14:creationId xmlns:p14="http://schemas.microsoft.com/office/powerpoint/2010/main" val="710741114"/>
+      </p:ext>
+    </p:extLst>
+  </p:cSld>
+  <p:clrMapOvr>
+    <a:masterClrMapping/>
+  </p:clrMapOvr>
+</p:sld>
+</file>
+
+<file path=ppt/slides/slide6.xml><?xml version="1.0" encoding="utf-8"?>
+<p:sld xmlns:a="http://schemas.openxmlformats.org/drawingml/2006/main" xmlns:r="http://schemas.openxmlformats.org/officeDocument/2006/relationships" xmlns:p="http://schemas.openxmlformats.org/presentationml/2006/main">
+  <p:cSld>
+    <p:spTree>
+      <p:nvGrpSpPr>
+        <p:cNvPr id="1" name=""/>
+        <p:cNvGrpSpPr/>
+        <p:nvPr/>
+      </p:nvGrpSpPr>
+      <p:grpSpPr>
+        <a:xfrm>
+          <a:off x="0" y="0"/>
+          <a:ext cx="0" cy="0"/>
+          <a:chOff x="0" y="0"/>
+          <a:chExt cx="0" cy="0"/>
+        </a:xfrm>
+      </p:grpSpPr>
+      <p:sp>
+        <p:nvSpPr>
+          <p:cNvPr id="2" name="标题 1">
+            <a:extLst>
+              <a:ext uri="{FF2B5EF4-FFF2-40B4-BE49-F238E27FC236}">
+                <a16:creationId xmlns:a16="http://schemas.microsoft.com/office/drawing/2014/main" id="{3E742434-0857-471B-BFF1-E438923AE0F4}"/>
+              </a:ext>
+            </a:extLst>
+          </p:cNvPr>
+          <p:cNvSpPr>
+            <a:spLocks noGrp="1"/>
+          </p:cNvSpPr>
+          <p:nvPr>
+            <p:ph type="title"/>
+          </p:nvPr>
+        </p:nvSpPr>
+        <p:spPr/>
+        <p:txBody>
+          <a:bodyPr>
+            <a:normAutofit/>
+          </a:bodyPr>
+          <a:lstStyle/>
+          <a:p>
+            <a:r>
+              <a:rPr lang="zh-CN" altLang="en-US" sz="3600" dirty="0"/>
+              <a:t>本文主要工作</a:t>
+            </a:r>
+          </a:p>
+        </p:txBody>
+      </p:sp>
+      <p:sp>
+        <p:nvSpPr>
+          <p:cNvPr id="4" name="矩形: 圆角 3">
+            <a:extLst>
+              <a:ext uri="{FF2B5EF4-FFF2-40B4-BE49-F238E27FC236}">
+                <a16:creationId xmlns:a16="http://schemas.microsoft.com/office/drawing/2014/main" id="{811AF1C6-5713-4891-A2D7-D1D6D6C6B732}"/>
+              </a:ext>
+            </a:extLst>
+          </p:cNvPr>
+          <p:cNvSpPr/>
+          <p:nvPr/>
+        </p:nvSpPr>
+        <p:spPr>
+          <a:xfrm>
+            <a:off x="1595084" y="1861409"/>
+            <a:ext cx="1895676" cy="782425"/>
+          </a:xfrm>
+          <a:prstGeom prst="roundRect">
+            <a:avLst/>
+          </a:prstGeom>
+        </p:spPr>
+        <p:style>
+          <a:lnRef idx="3">
+            <a:schemeClr val="lt1"/>
+          </a:lnRef>
+          <a:fillRef idx="1">
+            <a:schemeClr val="accent2"/>
+          </a:fillRef>
+          <a:effectRef idx="1">
+            <a:schemeClr val="accent2"/>
+          </a:effectRef>
+          <a:fontRef idx="minor">
+            <a:schemeClr val="lt1"/>
+          </a:fontRef>
+        </p:style>
+        <p:txBody>
+          <a:bodyPr rtlCol="0" anchor="ctr"/>
+          <a:lstStyle/>
+          <a:p>
+            <a:pPr algn="ctr"/>
+            <a:r>
+              <a:rPr lang="en-US" altLang="zh-CN" dirty="0">
+                <a:solidFill>
+                  <a:schemeClr val="tx1"/>
+                </a:solidFill>
+              </a:rPr>
+              <a:t>Continuous Filter</a:t>
+            </a:r>
+          </a:p>
+          <a:p>
+            <a:pPr algn="ctr"/>
+            <a:r>
+              <a:rPr lang="en-US" altLang="zh-CN" dirty="0">
+                <a:solidFill>
+                  <a:schemeClr val="tx1"/>
+                </a:solidFill>
+              </a:rPr>
+              <a:t>Convolution</a:t>
+            </a:r>
+            <a:endParaRPr lang="zh-CN" altLang="en-US" dirty="0">
+              <a:solidFill>
+                <a:schemeClr val="tx1"/>
+              </a:solidFill>
+            </a:endParaRPr>
+          </a:p>
+        </p:txBody>
+      </p:sp>
+      <p:sp>
+        <p:nvSpPr>
+          <p:cNvPr id="6" name="矩形: 圆角 5">
+            <a:extLst>
+              <a:ext uri="{FF2B5EF4-FFF2-40B4-BE49-F238E27FC236}">
+                <a16:creationId xmlns:a16="http://schemas.microsoft.com/office/drawing/2014/main" id="{CC12878F-0AFC-4FB1-8973-780E55EFEA1D}"/>
+              </a:ext>
+            </a:extLst>
+          </p:cNvPr>
+          <p:cNvSpPr/>
+          <p:nvPr/>
+        </p:nvSpPr>
+        <p:spPr>
+          <a:xfrm>
+            <a:off x="4690424" y="1634493"/>
+            <a:ext cx="2751056" cy="1244338"/>
+          </a:xfrm>
+          <a:prstGeom prst="roundRect">
+            <a:avLst/>
+          </a:prstGeom>
+        </p:spPr>
+        <p:style>
+          <a:lnRef idx="3">
+            <a:schemeClr val="lt1"/>
+          </a:lnRef>
+          <a:fillRef idx="1">
+            <a:schemeClr val="accent1"/>
+          </a:fillRef>
+          <a:effectRef idx="1">
+            <a:schemeClr val="accent1"/>
+          </a:effectRef>
+          <a:fontRef idx="minor">
+            <a:schemeClr val="lt1"/>
+          </a:fontRef>
+        </p:style>
+        <p:txBody>
+          <a:bodyPr rtlCol="0" anchor="ctr"/>
+          <a:lstStyle/>
+          <a:p>
+            <a:pPr algn="ctr"/>
+            <a:r>
+              <a:rPr lang="en-US" altLang="zh-CN" dirty="0"/>
+              <a:t>model local correlations without requiring</a:t>
+            </a:r>
+          </a:p>
+          <a:p>
+            <a:pPr algn="ctr"/>
+            <a:r>
+              <a:rPr lang="en-US" altLang="zh-CN" dirty="0"/>
+              <a:t>the data to lie on a grid</a:t>
+            </a:r>
+            <a:endParaRPr lang="zh-CN" altLang="en-US" dirty="0"/>
+          </a:p>
+        </p:txBody>
+      </p:sp>
+      <p:sp>
+        <p:nvSpPr>
+          <p:cNvPr id="7" name="箭头: 右 6">
+            <a:extLst>
+              <a:ext uri="{FF2B5EF4-FFF2-40B4-BE49-F238E27FC236}">
+                <a16:creationId xmlns:a16="http://schemas.microsoft.com/office/drawing/2014/main" id="{7146F8E1-1585-4E28-ADF5-FE001F43E21D}"/>
+              </a:ext>
+            </a:extLst>
+          </p:cNvPr>
+          <p:cNvSpPr/>
+          <p:nvPr/>
+        </p:nvSpPr>
+        <p:spPr>
+          <a:xfrm>
+            <a:off x="3715582" y="2077217"/>
+            <a:ext cx="782425" cy="350807"/>
+          </a:xfrm>
+          <a:prstGeom prst="rightArrow">
+            <a:avLst/>
+          </a:prstGeom>
+          <a:solidFill>
+            <a:schemeClr val="accent6"/>
+          </a:solidFill>
+        </p:spPr>
+        <p:style>
+          <a:lnRef idx="0">
+            <a:schemeClr val="accent2"/>
+          </a:lnRef>
+          <a:fillRef idx="3">
+            <a:schemeClr val="accent2"/>
+          </a:fillRef>
+          <a:effectRef idx="3">
+            <a:schemeClr val="accent2"/>
+          </a:effectRef>
+          <a:fontRef idx="minor">
+            <a:schemeClr val="lt1"/>
+          </a:fontRef>
+        </p:style>
+        <p:txBody>
+          <a:bodyPr rtlCol="0" anchor="ctr"/>
+          <a:lstStyle/>
+          <a:p>
+            <a:pPr algn="ctr"/>
+            <a:endParaRPr lang="zh-CN" altLang="en-US"/>
+          </a:p>
+        </p:txBody>
+      </p:sp>
+      <p:sp>
+        <p:nvSpPr>
+          <p:cNvPr id="9" name="矩形: 圆角 8">
+            <a:extLst>
+              <a:ext uri="{FF2B5EF4-FFF2-40B4-BE49-F238E27FC236}">
+                <a16:creationId xmlns:a16="http://schemas.microsoft.com/office/drawing/2014/main" id="{936AAF81-6058-4EEF-9E2A-DF9F467FC40B}"/>
+              </a:ext>
+            </a:extLst>
+          </p:cNvPr>
+          <p:cNvSpPr/>
+          <p:nvPr/>
+        </p:nvSpPr>
+        <p:spPr>
+          <a:xfrm>
+            <a:off x="1585658" y="3555710"/>
+            <a:ext cx="1914529" cy="782425"/>
+          </a:xfrm>
+          <a:prstGeom prst="roundRect">
+            <a:avLst/>
+          </a:prstGeom>
+        </p:spPr>
+        <p:style>
+          <a:lnRef idx="3">
+            <a:schemeClr val="lt1"/>
+          </a:lnRef>
+          <a:fillRef idx="1">
+            <a:schemeClr val="accent2"/>
+          </a:fillRef>
+          <a:effectRef idx="1">
+            <a:schemeClr val="accent2"/>
+          </a:effectRef>
+          <a:fontRef idx="minor">
+            <a:schemeClr val="lt1"/>
+          </a:fontRef>
+        </p:style>
+        <p:txBody>
+          <a:bodyPr rtlCol="0" anchor="ctr"/>
+          <a:lstStyle/>
+          <a:p>
+            <a:pPr algn="ctr"/>
+            <a:r>
+              <a:rPr lang="en-US" altLang="zh-CN" dirty="0" err="1">
+                <a:solidFill>
+                  <a:schemeClr val="tx1"/>
+                </a:solidFill>
+              </a:rPr>
+              <a:t>SchNet</a:t>
+            </a:r>
+            <a:endParaRPr lang="zh-CN" altLang="en-US" dirty="0">
+              <a:solidFill>
+                <a:schemeClr val="tx1"/>
+              </a:solidFill>
+            </a:endParaRPr>
+          </a:p>
+        </p:txBody>
+      </p:sp>
+      <p:sp>
+        <p:nvSpPr>
+          <p:cNvPr id="10" name="矩形: 圆角 9">
+            <a:extLst>
+              <a:ext uri="{FF2B5EF4-FFF2-40B4-BE49-F238E27FC236}">
+                <a16:creationId xmlns:a16="http://schemas.microsoft.com/office/drawing/2014/main" id="{EA7F85C0-3C7C-4376-9BF3-AAC8A3C53513}"/>
+              </a:ext>
+            </a:extLst>
+          </p:cNvPr>
+          <p:cNvSpPr/>
+          <p:nvPr/>
+        </p:nvSpPr>
+        <p:spPr>
+          <a:xfrm>
+            <a:off x="4713402" y="3324754"/>
+            <a:ext cx="2751056" cy="1244338"/>
+          </a:xfrm>
+          <a:prstGeom prst="roundRect">
+            <a:avLst/>
+          </a:prstGeom>
+        </p:spPr>
+        <p:style>
+          <a:lnRef idx="3">
+            <a:schemeClr val="lt1"/>
+          </a:lnRef>
+          <a:fillRef idx="1">
+            <a:schemeClr val="accent1"/>
+          </a:fillRef>
+          <a:effectRef idx="1">
+            <a:schemeClr val="accent1"/>
+          </a:effectRef>
+          <a:fontRef idx="minor">
+            <a:schemeClr val="lt1"/>
+          </a:fontRef>
+        </p:style>
+        <p:txBody>
+          <a:bodyPr rtlCol="0" anchor="ctr"/>
+          <a:lstStyle/>
+          <a:p>
+            <a:pPr algn="ctr"/>
+            <a:r>
+              <a:rPr lang="en-US" altLang="zh-CN" dirty="0"/>
+              <a:t>a novel deep learning</a:t>
+            </a:r>
+          </a:p>
+          <a:p>
+            <a:pPr algn="ctr"/>
+            <a:r>
+              <a:rPr lang="en-US" altLang="zh-CN" dirty="0"/>
+              <a:t>architecture modeling quantum interactions in molecules</a:t>
+            </a:r>
+            <a:endParaRPr lang="zh-CN" altLang="en-US" dirty="0"/>
+          </a:p>
+        </p:txBody>
+      </p:sp>
+      <p:sp>
+        <p:nvSpPr>
+          <p:cNvPr id="12" name="椭圆 11">
+            <a:extLst>
+              <a:ext uri="{FF2B5EF4-FFF2-40B4-BE49-F238E27FC236}">
+                <a16:creationId xmlns:a16="http://schemas.microsoft.com/office/drawing/2014/main" id="{D7239DC1-40C5-471E-9FFB-BB7736093174}"/>
+              </a:ext>
+            </a:extLst>
+          </p:cNvPr>
+          <p:cNvSpPr/>
+          <p:nvPr/>
+        </p:nvSpPr>
+        <p:spPr>
+          <a:xfrm>
+            <a:off x="3157980" y="5223507"/>
+            <a:ext cx="2450969" cy="1118831"/>
+          </a:xfrm>
+          <a:prstGeom prst="ellipse">
+            <a:avLst/>
+          </a:prstGeom>
+        </p:spPr>
+        <p:style>
+          <a:lnRef idx="1">
+            <a:schemeClr val="accent4"/>
+          </a:lnRef>
+          <a:fillRef idx="2">
+            <a:schemeClr val="accent4"/>
+          </a:fillRef>
+          <a:effectRef idx="1">
+            <a:schemeClr val="accent4"/>
+          </a:effectRef>
+          <a:fontRef idx="minor">
+            <a:schemeClr val="dk1"/>
+          </a:fontRef>
+        </p:style>
+        <p:txBody>
+          <a:bodyPr rtlCol="0" anchor="ctr"/>
+          <a:lstStyle/>
+          <a:p>
+            <a:pPr algn="ctr"/>
+            <a:r>
+              <a:rPr lang="en-US" altLang="zh-CN" dirty="0"/>
+              <a:t>rotationally invariant energy predictions</a:t>
+            </a:r>
+            <a:endParaRPr lang="zh-CN" altLang="en-US" dirty="0"/>
+          </a:p>
+        </p:txBody>
+      </p:sp>
+      <p:sp>
+        <p:nvSpPr>
+          <p:cNvPr id="13" name="椭圆 12">
+            <a:extLst>
+              <a:ext uri="{FF2B5EF4-FFF2-40B4-BE49-F238E27FC236}">
+                <a16:creationId xmlns:a16="http://schemas.microsoft.com/office/drawing/2014/main" id="{77DFBCC3-C94C-4D1B-B77F-A1E6EACAB8A5}"/>
+              </a:ext>
+            </a:extLst>
+          </p:cNvPr>
+          <p:cNvSpPr/>
+          <p:nvPr/>
+        </p:nvSpPr>
+        <p:spPr>
+          <a:xfrm>
+            <a:off x="5744066" y="5223506"/>
+            <a:ext cx="3371654" cy="1118831"/>
+          </a:xfrm>
+          <a:prstGeom prst="ellipse">
+            <a:avLst/>
+          </a:prstGeom>
+        </p:spPr>
+        <p:style>
+          <a:lnRef idx="1">
+            <a:schemeClr val="accent4"/>
+          </a:lnRef>
+          <a:fillRef idx="2">
+            <a:schemeClr val="accent4"/>
+          </a:fillRef>
+          <a:effectRef idx="1">
+            <a:schemeClr val="accent4"/>
+          </a:effectRef>
+          <a:fontRef idx="minor">
+            <a:schemeClr val="dk1"/>
+          </a:fontRef>
+        </p:style>
+        <p:txBody>
+          <a:bodyPr rtlCol="0" anchor="ctr"/>
+          <a:lstStyle/>
+          <a:p>
+            <a:pPr algn="ctr"/>
+            <a:r>
+              <a:rPr lang="en-US" altLang="zh-CN" dirty="0"/>
+              <a:t>rotationally equivariant, energy-conserving</a:t>
+            </a:r>
+          </a:p>
+          <a:p>
+            <a:pPr algn="ctr"/>
+            <a:r>
+              <a:rPr lang="en-US" altLang="zh-CN" dirty="0"/>
+              <a:t>force predictions</a:t>
+            </a:r>
+            <a:endParaRPr lang="zh-CN" altLang="en-US" dirty="0"/>
+          </a:p>
+        </p:txBody>
+      </p:sp>
+      <p:sp>
+        <p:nvSpPr>
+          <p:cNvPr id="14" name="箭头: 右 13">
+            <a:extLst>
+              <a:ext uri="{FF2B5EF4-FFF2-40B4-BE49-F238E27FC236}">
+                <a16:creationId xmlns:a16="http://schemas.microsoft.com/office/drawing/2014/main" id="{6634BBA2-26F0-41EB-B2E1-CF18251BBE46}"/>
+              </a:ext>
+            </a:extLst>
+          </p:cNvPr>
+          <p:cNvSpPr/>
+          <p:nvPr/>
+        </p:nvSpPr>
+        <p:spPr>
+          <a:xfrm>
+            <a:off x="3715582" y="3771518"/>
+            <a:ext cx="782425" cy="350807"/>
+          </a:xfrm>
+          <a:prstGeom prst="rightArrow">
+            <a:avLst/>
+          </a:prstGeom>
+          <a:solidFill>
+            <a:schemeClr val="accent6"/>
+          </a:solidFill>
+        </p:spPr>
+        <p:style>
+          <a:lnRef idx="0">
+            <a:schemeClr val="accent2"/>
+          </a:lnRef>
+          <a:fillRef idx="3">
+            <a:schemeClr val="accent2"/>
+          </a:fillRef>
+          <a:effectRef idx="3">
+            <a:schemeClr val="accent2"/>
+          </a:effectRef>
+          <a:fontRef idx="minor">
+            <a:schemeClr val="lt1"/>
+          </a:fontRef>
+        </p:style>
+        <p:txBody>
+          <a:bodyPr rtlCol="0" anchor="ctr"/>
+          <a:lstStyle/>
+          <a:p>
+            <a:pPr algn="ctr"/>
+            <a:endParaRPr lang="zh-CN" altLang="en-US"/>
+          </a:p>
+        </p:txBody>
+      </p:sp>
+      <p:sp>
+        <p:nvSpPr>
+          <p:cNvPr id="15" name="箭头: 右 14">
+            <a:extLst>
+              <a:ext uri="{FF2B5EF4-FFF2-40B4-BE49-F238E27FC236}">
+                <a16:creationId xmlns:a16="http://schemas.microsoft.com/office/drawing/2014/main" id="{D1F91669-5EEB-4EEB-A18D-E0ACB9D49D02}"/>
+              </a:ext>
+            </a:extLst>
+          </p:cNvPr>
+          <p:cNvSpPr/>
+          <p:nvPr/>
+        </p:nvSpPr>
+        <p:spPr>
+          <a:xfrm rot="7697318">
+            <a:off x="4837658" y="4779166"/>
+            <a:ext cx="782425" cy="350807"/>
+          </a:xfrm>
+          <a:prstGeom prst="rightArrow">
+            <a:avLst/>
+          </a:prstGeom>
+          <a:solidFill>
+            <a:srgbClr val="FFC000"/>
+          </a:solidFill>
+        </p:spPr>
+        <p:style>
+          <a:lnRef idx="0">
+            <a:schemeClr val="accent2"/>
+          </a:lnRef>
+          <a:fillRef idx="3">
+            <a:schemeClr val="accent2"/>
+          </a:fillRef>
+          <a:effectRef idx="3">
+            <a:schemeClr val="accent2"/>
+          </a:effectRef>
+          <a:fontRef idx="minor">
+            <a:schemeClr val="lt1"/>
+          </a:fontRef>
+        </p:style>
+        <p:txBody>
+          <a:bodyPr rtlCol="0" anchor="ctr"/>
+          <a:lstStyle/>
+          <a:p>
+            <a:pPr algn="ctr"/>
+            <a:endParaRPr lang="zh-CN" altLang="en-US" dirty="0"/>
+          </a:p>
+        </p:txBody>
+      </p:sp>
+      <p:sp>
+        <p:nvSpPr>
+          <p:cNvPr id="17" name="箭头: 右 16">
+            <a:extLst>
+              <a:ext uri="{FF2B5EF4-FFF2-40B4-BE49-F238E27FC236}">
+                <a16:creationId xmlns:a16="http://schemas.microsoft.com/office/drawing/2014/main" id="{ECDD028D-8F86-4186-B150-84BCE5DDA87A}"/>
+              </a:ext>
+            </a:extLst>
+          </p:cNvPr>
+          <p:cNvSpPr/>
+          <p:nvPr/>
+        </p:nvSpPr>
+        <p:spPr>
+          <a:xfrm rot="3192064">
+            <a:off x="5898053" y="4784379"/>
+            <a:ext cx="782425" cy="350807"/>
+          </a:xfrm>
+          <a:prstGeom prst="rightArrow">
+            <a:avLst/>
+          </a:prstGeom>
+          <a:solidFill>
+            <a:srgbClr val="FFC000"/>
+          </a:solidFill>
+        </p:spPr>
+        <p:style>
+          <a:lnRef idx="0">
+            <a:schemeClr val="accent2"/>
+          </a:lnRef>
+          <a:fillRef idx="3">
+            <a:schemeClr val="accent2"/>
+          </a:fillRef>
+          <a:effectRef idx="3">
+            <a:schemeClr val="accent2"/>
+          </a:effectRef>
+          <a:fontRef idx="minor">
+            <a:schemeClr val="lt1"/>
+          </a:fontRef>
+        </p:style>
+        <p:txBody>
+          <a:bodyPr rtlCol="0" anchor="ctr"/>
+          <a:lstStyle/>
+          <a:p>
+            <a:pPr algn="ctr"/>
+            <a:endParaRPr lang="zh-CN" altLang="en-US"/>
+          </a:p>
+        </p:txBody>
+      </p:sp>
+      <p:sp>
+        <p:nvSpPr>
+          <p:cNvPr id="5" name="矩形: 圆角 4">
+            <a:extLst>
+              <a:ext uri="{FF2B5EF4-FFF2-40B4-BE49-F238E27FC236}">
+                <a16:creationId xmlns:a16="http://schemas.microsoft.com/office/drawing/2014/main" id="{53A1EBEA-664C-49D7-ABF2-D3FECB2421C2}"/>
+              </a:ext>
+            </a:extLst>
+          </p:cNvPr>
+          <p:cNvSpPr/>
+          <p:nvPr/>
+        </p:nvSpPr>
+        <p:spPr>
+          <a:xfrm>
+            <a:off x="282805" y="5370317"/>
+            <a:ext cx="2139884" cy="972020"/>
+          </a:xfrm>
+          <a:prstGeom prst="roundRect">
+            <a:avLst/>
+          </a:prstGeom>
+          <a:ln w="28575"/>
+        </p:spPr>
+        <p:style>
+          <a:lnRef idx="2">
+            <a:schemeClr val="accent2"/>
+          </a:lnRef>
+          <a:fillRef idx="1">
+            <a:schemeClr val="lt1"/>
+          </a:fillRef>
+          <a:effectRef idx="0">
+            <a:schemeClr val="accent2"/>
+          </a:effectRef>
+          <a:fontRef idx="minor">
+            <a:schemeClr val="dk1"/>
+          </a:fontRef>
+        </p:style>
+        <p:txBody>
+          <a:bodyPr rtlCol="0" anchor="ctr"/>
+          <a:lstStyle/>
+          <a:p>
+            <a:pPr algn="ctr"/>
+            <a:r>
+              <a:rPr lang="en-US" altLang="zh-CN" dirty="0"/>
+              <a:t>Basic quantum chemical constrains</a:t>
+            </a:r>
+            <a:endParaRPr lang="zh-CN" altLang="en-US" dirty="0"/>
+          </a:p>
+        </p:txBody>
+      </p:sp>
+      <p:sp>
+        <p:nvSpPr>
+          <p:cNvPr id="19" name="箭头: 右 18">
+            <a:extLst>
+              <a:ext uri="{FF2B5EF4-FFF2-40B4-BE49-F238E27FC236}">
+                <a16:creationId xmlns:a16="http://schemas.microsoft.com/office/drawing/2014/main" id="{A0009C3F-B418-48BB-8BBA-1778A4653F19}"/>
+              </a:ext>
+            </a:extLst>
+          </p:cNvPr>
+          <p:cNvSpPr/>
+          <p:nvPr/>
+        </p:nvSpPr>
+        <p:spPr>
+          <a:xfrm>
+            <a:off x="2598652" y="5680923"/>
+            <a:ext cx="377073" cy="350807"/>
+          </a:xfrm>
+          <a:prstGeom prst="rightArrow">
+            <a:avLst/>
+          </a:prstGeom>
+          <a:solidFill>
+            <a:schemeClr val="accent2"/>
+          </a:solidFill>
+        </p:spPr>
+        <p:style>
+          <a:lnRef idx="0">
+            <a:schemeClr val="accent2"/>
+          </a:lnRef>
+          <a:fillRef idx="3">
+            <a:schemeClr val="accent2"/>
+          </a:fillRef>
+          <a:effectRef idx="3">
+            <a:schemeClr val="accent2"/>
+          </a:effectRef>
+          <a:fontRef idx="minor">
+            <a:schemeClr val="lt1"/>
+          </a:fontRef>
+        </p:style>
+        <p:txBody>
+          <a:bodyPr rtlCol="0" anchor="ctr"/>
+          <a:lstStyle/>
+          <a:p>
+            <a:pPr algn="ctr"/>
+            <a:endParaRPr lang="zh-CN" altLang="en-US"/>
+          </a:p>
+        </p:txBody>
+      </p:sp>
+    </p:spTree>
+    <p:extLst>
+      <p:ext uri="{BB962C8B-B14F-4D97-AF65-F5344CB8AC3E}">
+        <p14:creationId xmlns:p14="http://schemas.microsoft.com/office/powerpoint/2010/main" val="3155336167"/>
+      </p:ext>
+    </p:extLst>
+  </p:cSld>
+  <p:clrMapOvr>
+    <a:masterClrMapping/>
+  </p:clrMapOvr>
+</p:sld>
+</file>
+
+<file path=ppt/slides/slide7.xml><?xml version="1.0" encoding="utf-8"?>
+<p:sld xmlns:a="http://schemas.openxmlformats.org/drawingml/2006/main" xmlns:r="http://schemas.openxmlformats.org/officeDocument/2006/relationships" xmlns:p="http://schemas.openxmlformats.org/presentationml/2006/main">
+  <p:cSld>
+    <p:spTree>
+      <p:nvGrpSpPr>
+        <p:cNvPr id="1" name=""/>
+        <p:cNvGrpSpPr/>
+        <p:nvPr/>
+      </p:nvGrpSpPr>
+      <p:grpSpPr>
+        <a:xfrm>
+          <a:off x="0" y="0"/>
+          <a:ext cx="0" cy="0"/>
+          <a:chOff x="0" y="0"/>
+          <a:chExt cx="0" cy="0"/>
+        </a:xfrm>
+      </p:grpSpPr>
+      <p:sp>
+        <p:nvSpPr>
           <p:cNvPr id="2" name="标题 1">
             <a:extLst>
               <a:ext uri="{FF2B5EF4-FFF2-40B4-BE49-F238E27FC236}">
@@ -5659,7 +10388,7 @@
               <a:rPr lang="en-US" altLang="zh-CN" dirty="0"/>
             </a:br>
             <a:r>
-              <a:rPr lang="zh-CN" altLang="en-US" dirty="0">
+              <a:rPr lang="zh-CN" altLang="en-US" sz="3600" dirty="0">
                 <a:solidFill>
                   <a:schemeClr val="accent2"/>
                 </a:solidFill>
@@ -5667,7 +10396,7 @@
               <a:t>借鉴</a:t>
             </a:r>
             <a:r>
-              <a:rPr lang="en-US" altLang="zh-CN" dirty="0">
+              <a:rPr lang="en-US" altLang="zh-CN" sz="3600" dirty="0">
                 <a:solidFill>
                   <a:schemeClr val="accent2"/>
                 </a:solidFill>
@@ -5675,7 +10404,7 @@
               <a:t>——</a:t>
             </a:r>
             <a:r>
-              <a:rPr lang="zh-CN" altLang="en-US" dirty="0">
+              <a:rPr lang="zh-CN" altLang="en-US" sz="3600" dirty="0">
                 <a:solidFill>
                   <a:schemeClr val="accent2"/>
                 </a:solidFill>
@@ -6032,7 +10761,7 @@
 </p:sld>
 </file>
 
-<file path=ppt/slides/slide5.xml><?xml version="1.0" encoding="utf-8"?>
+<file path=ppt/slides/slide8.xml><?xml version="1.0" encoding="utf-8"?>
 <p:sld xmlns:a="http://schemas.openxmlformats.org/drawingml/2006/main" xmlns:r="http://schemas.openxmlformats.org/officeDocument/2006/relationships" xmlns:p="http://schemas.openxmlformats.org/presentationml/2006/main">
   <p:cSld>
     <p:spTree>
@@ -6078,7 +10807,7 @@
               <a:rPr lang="en-US" altLang="zh-CN" dirty="0"/>
             </a:br>
             <a:r>
-              <a:rPr lang="zh-CN" altLang="en-US" dirty="0">
+              <a:rPr lang="zh-CN" altLang="en-US" sz="3600" dirty="0">
                 <a:solidFill>
                   <a:schemeClr val="accent2"/>
                 </a:solidFill>
@@ -6086,14 +10815,14 @@
               <a:t>借鉴</a:t>
             </a:r>
             <a:r>
-              <a:rPr lang="en-US" altLang="zh-CN" dirty="0">
+              <a:rPr lang="en-US" altLang="zh-CN" sz="3600" dirty="0">
                 <a:solidFill>
                   <a:schemeClr val="accent2"/>
                 </a:solidFill>
               </a:rPr>
               <a:t>——Dynamic Filter Network</a:t>
             </a:r>
-            <a:endParaRPr lang="zh-CN" altLang="en-US" dirty="0">
+            <a:endParaRPr lang="zh-CN" altLang="en-US" sz="3600" dirty="0">
               <a:solidFill>
                 <a:schemeClr val="accent2"/>
               </a:solidFill>
@@ -6434,7 +11163,7 @@
 </p:sld>
 </file>
 
-<file path=ppt/slides/slide6.xml><?xml version="1.0" encoding="utf-8"?>
+<file path=ppt/slides/slide9.xml><?xml version="1.0" encoding="utf-8"?>
 <p:sld xmlns:a="http://schemas.openxmlformats.org/drawingml/2006/main" xmlns:r="http://schemas.openxmlformats.org/officeDocument/2006/relationships" xmlns:p="http://schemas.openxmlformats.org/presentationml/2006/main">
   <p:cSld>
     <p:spTree>
@@ -6609,6 +11338,11 @@
             <a:avLst/>
           </a:prstGeom>
           <a:noFill/>
+          <a:ln w="22225">
+            <a:solidFill>
+              <a:srgbClr val="FF0000"/>
+            </a:solidFill>
+          </a:ln>
         </p:spPr>
         <p:style>
           <a:lnRef idx="2">
@@ -6676,1642 +11410,6 @@
     <p:extLst>
       <p:ext uri="{BB962C8B-B14F-4D97-AF65-F5344CB8AC3E}">
         <p14:creationId xmlns:p14="http://schemas.microsoft.com/office/powerpoint/2010/main" val="1682550705"/>
-      </p:ext>
-    </p:extLst>
-  </p:cSld>
-  <p:clrMapOvr>
-    <a:masterClrMapping/>
-  </p:clrMapOvr>
-</p:sld>
-</file>
-
-<file path=ppt/slides/slide7.xml><?xml version="1.0" encoding="utf-8"?>
-<p:sld xmlns:a="http://schemas.openxmlformats.org/drawingml/2006/main" xmlns:r="http://schemas.openxmlformats.org/officeDocument/2006/relationships" xmlns:p="http://schemas.openxmlformats.org/presentationml/2006/main">
-  <p:cSld>
-    <p:spTree>
-      <p:nvGrpSpPr>
-        <p:cNvPr id="1" name=""/>
-        <p:cNvGrpSpPr/>
-        <p:nvPr/>
-      </p:nvGrpSpPr>
-      <p:grpSpPr>
-        <a:xfrm>
-          <a:off x="0" y="0"/>
-          <a:ext cx="0" cy="0"/>
-          <a:chOff x="0" y="0"/>
-          <a:chExt cx="0" cy="0"/>
-        </a:xfrm>
-      </p:grpSpPr>
-      <p:sp>
-        <p:nvSpPr>
-          <p:cNvPr id="2" name="标题 1">
-            <a:extLst>
-              <a:ext uri="{FF2B5EF4-FFF2-40B4-BE49-F238E27FC236}">
-                <a16:creationId xmlns:a16="http://schemas.microsoft.com/office/drawing/2014/main" id="{71BAAE09-B055-496A-BEC5-A70D5387D5C8}"/>
-              </a:ext>
-            </a:extLst>
-          </p:cNvPr>
-          <p:cNvSpPr>
-            <a:spLocks noGrp="1"/>
-          </p:cNvSpPr>
-          <p:nvPr>
-            <p:ph type="title"/>
-          </p:nvPr>
-        </p:nvSpPr>
-        <p:spPr/>
-        <p:txBody>
-          <a:bodyPr/>
-          <a:lstStyle/>
-          <a:p>
-            <a:r>
-              <a:rPr lang="en-US" altLang="zh-CN" dirty="0" err="1"/>
-              <a:t>SchNet</a:t>
-            </a:r>
-            <a:br>
-              <a:rPr lang="en-US" altLang="zh-CN" dirty="0"/>
-            </a:br>
-            <a:endParaRPr lang="zh-CN" altLang="en-US" dirty="0"/>
-          </a:p>
-        </p:txBody>
-      </p:sp>
-      <p:pic>
-        <p:nvPicPr>
-          <p:cNvPr id="5" name="内容占位符 4">
-            <a:extLst>
-              <a:ext uri="{FF2B5EF4-FFF2-40B4-BE49-F238E27FC236}">
-                <a16:creationId xmlns:a16="http://schemas.microsoft.com/office/drawing/2014/main" id="{1A990A96-C9F1-4475-B6D5-2CF8BCB7B68A}"/>
-              </a:ext>
-            </a:extLst>
-          </p:cNvPr>
-          <p:cNvPicPr>
-            <a:picLocks noGrp="1" noChangeAspect="1"/>
-          </p:cNvPicPr>
-          <p:nvPr>
-            <p:ph idx="1"/>
-          </p:nvPr>
-        </p:nvPicPr>
-        <p:blipFill>
-          <a:blip r:embed="rId2"/>
-          <a:stretch>
-            <a:fillRect/>
-          </a:stretch>
-        </p:blipFill>
-        <p:spPr>
-          <a:xfrm>
-            <a:off x="99320" y="1485498"/>
-            <a:ext cx="8810347" cy="5032376"/>
-          </a:xfrm>
-        </p:spPr>
-      </p:pic>
-      <p:cxnSp>
-        <p:nvCxnSpPr>
-          <p:cNvPr id="18" name="直接箭头连接符 17">
-            <a:extLst>
-              <a:ext uri="{FF2B5EF4-FFF2-40B4-BE49-F238E27FC236}">
-                <a16:creationId xmlns:a16="http://schemas.microsoft.com/office/drawing/2014/main" id="{FD1BA0C0-99AB-4675-A053-04BC3DA0615A}"/>
-              </a:ext>
-            </a:extLst>
-          </p:cNvPr>
-          <p:cNvCxnSpPr>
-            <a:cxnSpLocks/>
-          </p:cNvCxnSpPr>
-          <p:nvPr/>
-        </p:nvCxnSpPr>
-        <p:spPr>
-          <a:xfrm flipV="1">
-            <a:off x="8041064" y="2331786"/>
-            <a:ext cx="405352" cy="116001"/>
-          </a:xfrm>
-          <a:prstGeom prst="straightConnector1">
-            <a:avLst/>
-          </a:prstGeom>
-          <a:ln>
-            <a:solidFill>
-              <a:srgbClr val="FF0000"/>
-            </a:solidFill>
-            <a:tailEnd type="triangle"/>
-          </a:ln>
-        </p:spPr>
-        <p:style>
-          <a:lnRef idx="3">
-            <a:schemeClr val="accent1"/>
-          </a:lnRef>
-          <a:fillRef idx="0">
-            <a:schemeClr val="accent1"/>
-          </a:fillRef>
-          <a:effectRef idx="2">
-            <a:schemeClr val="accent1"/>
-          </a:effectRef>
-          <a:fontRef idx="minor">
-            <a:schemeClr val="tx1"/>
-          </a:fontRef>
-        </p:style>
-      </p:cxnSp>
-      <p:cxnSp>
-        <p:nvCxnSpPr>
-          <p:cNvPr id="22" name="直接箭头连接符 21">
-            <a:extLst>
-              <a:ext uri="{FF2B5EF4-FFF2-40B4-BE49-F238E27FC236}">
-                <a16:creationId xmlns:a16="http://schemas.microsoft.com/office/drawing/2014/main" id="{6A363FFE-6E69-4760-8D69-395771A0EDB7}"/>
-              </a:ext>
-            </a:extLst>
-          </p:cNvPr>
-          <p:cNvCxnSpPr>
-            <a:cxnSpLocks/>
-          </p:cNvCxnSpPr>
-          <p:nvPr/>
-        </p:nvCxnSpPr>
-        <p:spPr>
-          <a:xfrm>
-            <a:off x="8041064" y="2828041"/>
-            <a:ext cx="568554" cy="194455"/>
-          </a:xfrm>
-          <a:prstGeom prst="straightConnector1">
-            <a:avLst/>
-          </a:prstGeom>
-          <a:ln>
-            <a:solidFill>
-              <a:srgbClr val="FF0000"/>
-            </a:solidFill>
-            <a:tailEnd type="triangle"/>
-          </a:ln>
-        </p:spPr>
-        <p:style>
-          <a:lnRef idx="3">
-            <a:schemeClr val="accent1"/>
-          </a:lnRef>
-          <a:fillRef idx="0">
-            <a:schemeClr val="accent1"/>
-          </a:fillRef>
-          <a:effectRef idx="2">
-            <a:schemeClr val="accent1"/>
-          </a:effectRef>
-          <a:fontRef idx="minor">
-            <a:schemeClr val="tx1"/>
-          </a:fontRef>
-        </p:style>
-      </p:cxnSp>
-      <p:cxnSp>
-        <p:nvCxnSpPr>
-          <p:cNvPr id="24" name="直接箭头连接符 23">
-            <a:extLst>
-              <a:ext uri="{FF2B5EF4-FFF2-40B4-BE49-F238E27FC236}">
-                <a16:creationId xmlns:a16="http://schemas.microsoft.com/office/drawing/2014/main" id="{E3EC4BD8-B92E-487F-A59F-40FD340B1541}"/>
-              </a:ext>
-            </a:extLst>
-          </p:cNvPr>
-          <p:cNvCxnSpPr>
-            <a:cxnSpLocks/>
-          </p:cNvCxnSpPr>
-          <p:nvPr/>
-        </p:nvCxnSpPr>
-        <p:spPr>
-          <a:xfrm flipV="1">
-            <a:off x="7992298" y="3089318"/>
-            <a:ext cx="617320" cy="94514"/>
-          </a:xfrm>
-          <a:prstGeom prst="straightConnector1">
-            <a:avLst/>
-          </a:prstGeom>
-          <a:ln>
-            <a:solidFill>
-              <a:srgbClr val="FF0000"/>
-            </a:solidFill>
-            <a:tailEnd type="triangle"/>
-          </a:ln>
-        </p:spPr>
-        <p:style>
-          <a:lnRef idx="3">
-            <a:schemeClr val="accent1"/>
-          </a:lnRef>
-          <a:fillRef idx="0">
-            <a:schemeClr val="accent1"/>
-          </a:fillRef>
-          <a:effectRef idx="2">
-            <a:schemeClr val="accent1"/>
-          </a:effectRef>
-          <a:fontRef idx="minor">
-            <a:schemeClr val="tx1"/>
-          </a:fontRef>
-        </p:style>
-      </p:cxnSp>
-      <p:cxnSp>
-        <p:nvCxnSpPr>
-          <p:cNvPr id="26" name="直接箭头连接符 25">
-            <a:extLst>
-              <a:ext uri="{FF2B5EF4-FFF2-40B4-BE49-F238E27FC236}">
-                <a16:creationId xmlns:a16="http://schemas.microsoft.com/office/drawing/2014/main" id="{DB5818AE-E84A-4EE7-BC5F-3863226CCF09}"/>
-              </a:ext>
-            </a:extLst>
-          </p:cNvPr>
-          <p:cNvCxnSpPr>
-            <a:cxnSpLocks/>
-          </p:cNvCxnSpPr>
-          <p:nvPr/>
-        </p:nvCxnSpPr>
-        <p:spPr>
-          <a:xfrm flipV="1">
-            <a:off x="8041064" y="3183832"/>
-            <a:ext cx="568554" cy="245168"/>
-          </a:xfrm>
-          <a:prstGeom prst="straightConnector1">
-            <a:avLst/>
-          </a:prstGeom>
-          <a:ln>
-            <a:solidFill>
-              <a:srgbClr val="FF0000"/>
-            </a:solidFill>
-            <a:tailEnd type="triangle"/>
-          </a:ln>
-        </p:spPr>
-        <p:style>
-          <a:lnRef idx="3">
-            <a:schemeClr val="accent1"/>
-          </a:lnRef>
-          <a:fillRef idx="0">
-            <a:schemeClr val="accent1"/>
-          </a:fillRef>
-          <a:effectRef idx="2">
-            <a:schemeClr val="accent1"/>
-          </a:effectRef>
-          <a:fontRef idx="minor">
-            <a:schemeClr val="tx1"/>
-          </a:fontRef>
-        </p:style>
-      </p:cxnSp>
-      <p:sp>
-        <p:nvSpPr>
-          <p:cNvPr id="27" name="椭圆 26">
-            <a:extLst>
-              <a:ext uri="{FF2B5EF4-FFF2-40B4-BE49-F238E27FC236}">
-                <a16:creationId xmlns:a16="http://schemas.microsoft.com/office/drawing/2014/main" id="{4227D0CE-3C0A-4EDD-8749-40EA061D9D12}"/>
-              </a:ext>
-            </a:extLst>
-          </p:cNvPr>
-          <p:cNvSpPr/>
-          <p:nvPr/>
-        </p:nvSpPr>
-        <p:spPr>
-          <a:xfrm>
-            <a:off x="8658384" y="2581268"/>
-            <a:ext cx="367555" cy="915902"/>
-          </a:xfrm>
-          <a:prstGeom prst="ellipse">
-            <a:avLst/>
-          </a:prstGeom>
-          <a:solidFill>
-            <a:srgbClr val="0070C0"/>
-          </a:solidFill>
-        </p:spPr>
-        <p:style>
-          <a:lnRef idx="2">
-            <a:schemeClr val="accent1">
-              <a:shade val="50000"/>
-            </a:schemeClr>
-          </a:lnRef>
-          <a:fillRef idx="1">
-            <a:schemeClr val="accent1"/>
-          </a:fillRef>
-          <a:effectRef idx="0">
-            <a:schemeClr val="accent1"/>
-          </a:effectRef>
-          <a:fontRef idx="minor">
-            <a:schemeClr val="lt1"/>
-          </a:fontRef>
-        </p:style>
-        <p:txBody>
-          <a:bodyPr rtlCol="0" anchor="ctr"/>
-          <a:lstStyle/>
-          <a:p>
-            <a:pPr algn="ctr"/>
-            <a:r>
-              <a:rPr lang="zh-CN" altLang="en-US" dirty="0"/>
-              <a:t>光滑的</a:t>
-            </a:r>
-          </a:p>
-        </p:txBody>
-      </p:sp>
-      <p:sp>
-        <p:nvSpPr>
-          <p:cNvPr id="41" name="椭圆 40">
-            <a:extLst>
-              <a:ext uri="{FF2B5EF4-FFF2-40B4-BE49-F238E27FC236}">
-                <a16:creationId xmlns:a16="http://schemas.microsoft.com/office/drawing/2014/main" id="{69F8B464-B6F0-4D30-8BBE-E9A090D3E400}"/>
-              </a:ext>
-            </a:extLst>
-          </p:cNvPr>
-          <p:cNvSpPr/>
-          <p:nvPr/>
-        </p:nvSpPr>
-        <p:spPr>
-          <a:xfrm>
-            <a:off x="8446416" y="1575432"/>
-            <a:ext cx="367555" cy="915902"/>
-          </a:xfrm>
-          <a:prstGeom prst="ellipse">
-            <a:avLst/>
-          </a:prstGeom>
-          <a:solidFill>
-            <a:srgbClr val="0070C0"/>
-          </a:solidFill>
-        </p:spPr>
-        <p:style>
-          <a:lnRef idx="2">
-            <a:schemeClr val="accent1">
-              <a:shade val="50000"/>
-            </a:schemeClr>
-          </a:lnRef>
-          <a:fillRef idx="1">
-            <a:schemeClr val="accent1"/>
-          </a:fillRef>
-          <a:effectRef idx="0">
-            <a:schemeClr val="accent1"/>
-          </a:effectRef>
-          <a:fontRef idx="minor">
-            <a:schemeClr val="lt1"/>
-          </a:fontRef>
-        </p:style>
-        <p:txBody>
-          <a:bodyPr rtlCol="0" anchor="ctr"/>
-          <a:lstStyle/>
-          <a:p>
-            <a:pPr algn="ctr"/>
-            <a:r>
-              <a:rPr lang="zh-CN" altLang="en-US" dirty="0"/>
-              <a:t>连续的</a:t>
-            </a:r>
-          </a:p>
-        </p:txBody>
-      </p:sp>
-      <p:cxnSp>
-        <p:nvCxnSpPr>
-          <p:cNvPr id="51" name="直接箭头连接符 50">
-            <a:extLst>
-              <a:ext uri="{FF2B5EF4-FFF2-40B4-BE49-F238E27FC236}">
-                <a16:creationId xmlns:a16="http://schemas.microsoft.com/office/drawing/2014/main" id="{1210C3DB-27AA-458A-8B07-49291D5861D0}"/>
-              </a:ext>
-            </a:extLst>
-          </p:cNvPr>
-          <p:cNvCxnSpPr>
-            <a:cxnSpLocks/>
-          </p:cNvCxnSpPr>
-          <p:nvPr/>
-        </p:nvCxnSpPr>
-        <p:spPr>
-          <a:xfrm flipV="1">
-            <a:off x="4788816" y="3132431"/>
-            <a:ext cx="3820802" cy="903340"/>
-          </a:xfrm>
-          <a:prstGeom prst="straightConnector1">
-            <a:avLst/>
-          </a:prstGeom>
-          <a:ln>
-            <a:solidFill>
-              <a:srgbClr val="FF0000"/>
-            </a:solidFill>
-            <a:tailEnd type="triangle"/>
-          </a:ln>
-        </p:spPr>
-        <p:style>
-          <a:lnRef idx="3">
-            <a:schemeClr val="accent1"/>
-          </a:lnRef>
-          <a:fillRef idx="0">
-            <a:schemeClr val="accent1"/>
-          </a:fillRef>
-          <a:effectRef idx="2">
-            <a:schemeClr val="accent1"/>
-          </a:effectRef>
-          <a:fontRef idx="minor">
-            <a:schemeClr val="tx1"/>
-          </a:fontRef>
-        </p:style>
-      </p:cxnSp>
-      <p:sp>
-        <p:nvSpPr>
-          <p:cNvPr id="54" name="箭头: 右 53">
-            <a:extLst>
-              <a:ext uri="{FF2B5EF4-FFF2-40B4-BE49-F238E27FC236}">
-                <a16:creationId xmlns:a16="http://schemas.microsoft.com/office/drawing/2014/main" id="{65EB7469-6037-460C-BD27-0285543C88E5}"/>
-              </a:ext>
-            </a:extLst>
-          </p:cNvPr>
-          <p:cNvSpPr/>
-          <p:nvPr/>
-        </p:nvSpPr>
-        <p:spPr>
-          <a:xfrm rot="13362230">
-            <a:off x="6377188" y="1738668"/>
-            <a:ext cx="1282046" cy="235670"/>
-          </a:xfrm>
-          <a:prstGeom prst="rightArrow">
-            <a:avLst/>
-          </a:prstGeom>
-          <a:solidFill>
-            <a:srgbClr val="FF0000">
-              <a:alpha val="58000"/>
-            </a:srgbClr>
-          </a:solidFill>
-          <a:ln>
-            <a:solidFill>
-              <a:srgbClr val="FF0000"/>
-            </a:solidFill>
-          </a:ln>
-        </p:spPr>
-        <p:style>
-          <a:lnRef idx="2">
-            <a:schemeClr val="accent1">
-              <a:shade val="50000"/>
-            </a:schemeClr>
-          </a:lnRef>
-          <a:fillRef idx="1">
-            <a:schemeClr val="accent1"/>
-          </a:fillRef>
-          <a:effectRef idx="0">
-            <a:schemeClr val="accent1"/>
-          </a:effectRef>
-          <a:fontRef idx="minor">
-            <a:schemeClr val="lt1"/>
-          </a:fontRef>
-        </p:style>
-        <p:txBody>
-          <a:bodyPr rtlCol="0" anchor="ctr"/>
-          <a:lstStyle/>
-          <a:p>
-            <a:pPr algn="ctr"/>
-            <a:endParaRPr lang="zh-CN" altLang="en-US"/>
-          </a:p>
-        </p:txBody>
-      </p:sp>
-      <p:sp>
-        <p:nvSpPr>
-          <p:cNvPr id="55" name="椭圆 54">
-            <a:extLst>
-              <a:ext uri="{FF2B5EF4-FFF2-40B4-BE49-F238E27FC236}">
-                <a16:creationId xmlns:a16="http://schemas.microsoft.com/office/drawing/2014/main" id="{7FBDB849-827F-4B47-BD56-313B7A9E8637}"/>
-              </a:ext>
-            </a:extLst>
-          </p:cNvPr>
-          <p:cNvSpPr/>
-          <p:nvPr/>
-        </p:nvSpPr>
-        <p:spPr>
-          <a:xfrm>
-            <a:off x="5817304" y="684853"/>
-            <a:ext cx="1101970" cy="750207"/>
-          </a:xfrm>
-          <a:prstGeom prst="ellipse">
-            <a:avLst/>
-          </a:prstGeom>
-          <a:noFill/>
-          <a:ln w="28575">
-            <a:solidFill>
-              <a:srgbClr val="FF0000"/>
-            </a:solidFill>
-          </a:ln>
-        </p:spPr>
-        <p:style>
-          <a:lnRef idx="2">
-            <a:schemeClr val="accent2">
-              <a:shade val="50000"/>
-            </a:schemeClr>
-          </a:lnRef>
-          <a:fillRef idx="1">
-            <a:schemeClr val="accent2"/>
-          </a:fillRef>
-          <a:effectRef idx="0">
-            <a:schemeClr val="accent2"/>
-          </a:effectRef>
-          <a:fontRef idx="minor">
-            <a:schemeClr val="lt1"/>
-          </a:fontRef>
-        </p:style>
-        <p:txBody>
-          <a:bodyPr rtlCol="0" anchor="ctr"/>
-          <a:lstStyle/>
-          <a:p>
-            <a:pPr algn="ctr"/>
-            <a:r>
-              <a:rPr lang="zh-CN" altLang="en-US" dirty="0">
-                <a:solidFill>
-                  <a:srgbClr val="FF0000"/>
-                </a:solidFill>
-              </a:rPr>
-              <a:t>第</a:t>
-            </a:r>
-            <a:r>
-              <a:rPr lang="en-US" altLang="zh-CN" dirty="0">
-                <a:solidFill>
-                  <a:srgbClr val="FF0000"/>
-                </a:solidFill>
-              </a:rPr>
-              <a:t>9</a:t>
-            </a:r>
-            <a:r>
-              <a:rPr lang="zh-CN" altLang="en-US" dirty="0">
-                <a:solidFill>
-                  <a:srgbClr val="FF0000"/>
-                </a:solidFill>
-              </a:rPr>
-              <a:t>页</a:t>
-            </a:r>
-            <a:endParaRPr lang="en-US" altLang="zh-CN" dirty="0">
-              <a:solidFill>
-                <a:srgbClr val="FF0000"/>
-              </a:solidFill>
-            </a:endParaRPr>
-          </a:p>
-          <a:p>
-            <a:pPr algn="ctr"/>
-            <a:r>
-              <a:rPr lang="en-US" altLang="zh-CN" dirty="0">
-                <a:solidFill>
-                  <a:srgbClr val="FF0000"/>
-                </a:solidFill>
-              </a:rPr>
-              <a:t>step1</a:t>
-            </a:r>
-            <a:endParaRPr lang="zh-CN" altLang="en-US" dirty="0">
-              <a:solidFill>
-                <a:srgbClr val="FF0000"/>
-              </a:solidFill>
-            </a:endParaRPr>
-          </a:p>
-        </p:txBody>
-      </p:sp>
-      <p:sp>
-        <p:nvSpPr>
-          <p:cNvPr id="56" name="箭头: 右 55">
-            <a:extLst>
-              <a:ext uri="{FF2B5EF4-FFF2-40B4-BE49-F238E27FC236}">
-                <a16:creationId xmlns:a16="http://schemas.microsoft.com/office/drawing/2014/main" id="{5BE0B79B-A92F-443E-81FC-E6A84AA4B00E}"/>
-              </a:ext>
-            </a:extLst>
-          </p:cNvPr>
-          <p:cNvSpPr/>
-          <p:nvPr/>
-        </p:nvSpPr>
-        <p:spPr>
-          <a:xfrm rot="9310735">
-            <a:off x="6233913" y="2847204"/>
-            <a:ext cx="930609" cy="285073"/>
-          </a:xfrm>
-          <a:prstGeom prst="rightArrow">
-            <a:avLst/>
-          </a:prstGeom>
-          <a:solidFill>
-            <a:srgbClr val="FF0000">
-              <a:alpha val="58000"/>
-            </a:srgbClr>
-          </a:solidFill>
-          <a:ln>
-            <a:solidFill>
-              <a:srgbClr val="FF0000"/>
-            </a:solidFill>
-          </a:ln>
-        </p:spPr>
-        <p:style>
-          <a:lnRef idx="2">
-            <a:schemeClr val="accent1">
-              <a:shade val="50000"/>
-            </a:schemeClr>
-          </a:lnRef>
-          <a:fillRef idx="1">
-            <a:schemeClr val="accent1"/>
-          </a:fillRef>
-          <a:effectRef idx="0">
-            <a:schemeClr val="accent1"/>
-          </a:effectRef>
-          <a:fontRef idx="minor">
-            <a:schemeClr val="lt1"/>
-          </a:fontRef>
-        </p:style>
-        <p:txBody>
-          <a:bodyPr rtlCol="0" anchor="ctr"/>
-          <a:lstStyle/>
-          <a:p>
-            <a:pPr algn="ctr"/>
-            <a:endParaRPr lang="zh-CN" altLang="en-US"/>
-          </a:p>
-        </p:txBody>
-      </p:sp>
-      <p:sp>
-        <p:nvSpPr>
-          <p:cNvPr id="57" name="椭圆 56">
-            <a:extLst>
-              <a:ext uri="{FF2B5EF4-FFF2-40B4-BE49-F238E27FC236}">
-                <a16:creationId xmlns:a16="http://schemas.microsoft.com/office/drawing/2014/main" id="{06443BCD-C896-4B97-8318-75BEC4016AA4}"/>
-              </a:ext>
-            </a:extLst>
-          </p:cNvPr>
-          <p:cNvSpPr/>
-          <p:nvPr/>
-        </p:nvSpPr>
-        <p:spPr>
-          <a:xfrm>
-            <a:off x="5222046" y="2851430"/>
-            <a:ext cx="1101970" cy="750207"/>
-          </a:xfrm>
-          <a:prstGeom prst="ellipse">
-            <a:avLst/>
-          </a:prstGeom>
-          <a:noFill/>
-          <a:ln w="28575">
-            <a:solidFill>
-              <a:srgbClr val="FF0000"/>
-            </a:solidFill>
-          </a:ln>
-        </p:spPr>
-        <p:style>
-          <a:lnRef idx="2">
-            <a:schemeClr val="accent2">
-              <a:shade val="50000"/>
-            </a:schemeClr>
-          </a:lnRef>
-          <a:fillRef idx="1">
-            <a:schemeClr val="accent2"/>
-          </a:fillRef>
-          <a:effectRef idx="0">
-            <a:schemeClr val="accent2"/>
-          </a:effectRef>
-          <a:fontRef idx="minor">
-            <a:schemeClr val="lt1"/>
-          </a:fontRef>
-        </p:style>
-        <p:txBody>
-          <a:bodyPr rtlCol="0" anchor="ctr"/>
-          <a:lstStyle/>
-          <a:p>
-            <a:pPr algn="ctr"/>
-            <a:r>
-              <a:rPr lang="zh-CN" altLang="en-US" dirty="0">
-                <a:solidFill>
-                  <a:srgbClr val="FF0000"/>
-                </a:solidFill>
-              </a:rPr>
-              <a:t>第</a:t>
-            </a:r>
-            <a:r>
-              <a:rPr lang="en-US" altLang="zh-CN" dirty="0">
-                <a:solidFill>
-                  <a:srgbClr val="FF0000"/>
-                </a:solidFill>
-              </a:rPr>
-              <a:t>9</a:t>
-            </a:r>
-            <a:r>
-              <a:rPr lang="zh-CN" altLang="en-US" dirty="0">
-                <a:solidFill>
-                  <a:srgbClr val="FF0000"/>
-                </a:solidFill>
-              </a:rPr>
-              <a:t>页</a:t>
-            </a:r>
-            <a:endParaRPr lang="en-US" altLang="zh-CN" dirty="0">
-              <a:solidFill>
-                <a:srgbClr val="FF0000"/>
-              </a:solidFill>
-            </a:endParaRPr>
-          </a:p>
-          <a:p>
-            <a:pPr algn="ctr"/>
-            <a:r>
-              <a:rPr lang="en-US" altLang="zh-CN" dirty="0">
-                <a:solidFill>
-                  <a:srgbClr val="FF0000"/>
-                </a:solidFill>
-              </a:rPr>
-              <a:t>step2</a:t>
-            </a:r>
-            <a:endParaRPr lang="zh-CN" altLang="en-US" dirty="0">
-              <a:solidFill>
-                <a:srgbClr val="FF0000"/>
-              </a:solidFill>
-            </a:endParaRPr>
-          </a:p>
-        </p:txBody>
-      </p:sp>
-      <p:sp>
-        <p:nvSpPr>
-          <p:cNvPr id="58" name="箭头: 右 57">
-            <a:extLst>
-              <a:ext uri="{FF2B5EF4-FFF2-40B4-BE49-F238E27FC236}">
-                <a16:creationId xmlns:a16="http://schemas.microsoft.com/office/drawing/2014/main" id="{8CE3651F-A5FA-4F43-BD0A-61C515DAF6B8}"/>
-              </a:ext>
-            </a:extLst>
-          </p:cNvPr>
-          <p:cNvSpPr/>
-          <p:nvPr/>
-        </p:nvSpPr>
-        <p:spPr>
-          <a:xfrm rot="2149539">
-            <a:off x="7130673" y="4709623"/>
-            <a:ext cx="930609" cy="285073"/>
-          </a:xfrm>
-          <a:prstGeom prst="rightArrow">
-            <a:avLst/>
-          </a:prstGeom>
-          <a:solidFill>
-            <a:srgbClr val="FF0000">
-              <a:alpha val="58000"/>
-            </a:srgbClr>
-          </a:solidFill>
-          <a:ln>
-            <a:solidFill>
-              <a:srgbClr val="FF0000"/>
-            </a:solidFill>
-          </a:ln>
-        </p:spPr>
-        <p:style>
-          <a:lnRef idx="2">
-            <a:schemeClr val="accent1">
-              <a:shade val="50000"/>
-            </a:schemeClr>
-          </a:lnRef>
-          <a:fillRef idx="1">
-            <a:schemeClr val="accent1"/>
-          </a:fillRef>
-          <a:effectRef idx="0">
-            <a:schemeClr val="accent1"/>
-          </a:effectRef>
-          <a:fontRef idx="minor">
-            <a:schemeClr val="lt1"/>
-          </a:fontRef>
-        </p:style>
-        <p:txBody>
-          <a:bodyPr rtlCol="0" anchor="ctr"/>
-          <a:lstStyle/>
-          <a:p>
-            <a:pPr algn="ctr"/>
-            <a:endParaRPr lang="zh-CN" altLang="en-US"/>
-          </a:p>
-        </p:txBody>
-      </p:sp>
-      <p:sp>
-        <p:nvSpPr>
-          <p:cNvPr id="59" name="椭圆 58">
-            <a:extLst>
-              <a:ext uri="{FF2B5EF4-FFF2-40B4-BE49-F238E27FC236}">
-                <a16:creationId xmlns:a16="http://schemas.microsoft.com/office/drawing/2014/main" id="{59C2292A-A3EA-4EBA-96DC-6C0949DC6457}"/>
-              </a:ext>
-            </a:extLst>
-          </p:cNvPr>
-          <p:cNvSpPr/>
-          <p:nvPr/>
-        </p:nvSpPr>
-        <p:spPr>
-          <a:xfrm>
-            <a:off x="7979048" y="4852159"/>
-            <a:ext cx="1101970" cy="750207"/>
-          </a:xfrm>
-          <a:prstGeom prst="ellipse">
-            <a:avLst/>
-          </a:prstGeom>
-          <a:noFill/>
-          <a:ln w="28575">
-            <a:solidFill>
-              <a:srgbClr val="FF0000"/>
-            </a:solidFill>
-          </a:ln>
-        </p:spPr>
-        <p:style>
-          <a:lnRef idx="2">
-            <a:schemeClr val="accent2">
-              <a:shade val="50000"/>
-            </a:schemeClr>
-          </a:lnRef>
-          <a:fillRef idx="1">
-            <a:schemeClr val="accent2"/>
-          </a:fillRef>
-          <a:effectRef idx="0">
-            <a:schemeClr val="accent2"/>
-          </a:effectRef>
-          <a:fontRef idx="minor">
-            <a:schemeClr val="lt1"/>
-          </a:fontRef>
-        </p:style>
-        <p:txBody>
-          <a:bodyPr rtlCol="0" anchor="ctr"/>
-          <a:lstStyle/>
-          <a:p>
-            <a:pPr algn="ctr"/>
-            <a:r>
-              <a:rPr lang="zh-CN" altLang="en-US" dirty="0">
-                <a:solidFill>
-                  <a:srgbClr val="FF0000"/>
-                </a:solidFill>
-              </a:rPr>
-              <a:t>第</a:t>
-            </a:r>
-            <a:r>
-              <a:rPr lang="en-US" altLang="zh-CN" dirty="0">
-                <a:solidFill>
-                  <a:srgbClr val="FF0000"/>
-                </a:solidFill>
-              </a:rPr>
-              <a:t>9</a:t>
-            </a:r>
-            <a:r>
-              <a:rPr lang="zh-CN" altLang="en-US" dirty="0">
-                <a:solidFill>
-                  <a:srgbClr val="FF0000"/>
-                </a:solidFill>
-              </a:rPr>
-              <a:t>页</a:t>
-            </a:r>
-            <a:endParaRPr lang="en-US" altLang="zh-CN" dirty="0">
-              <a:solidFill>
-                <a:srgbClr val="FF0000"/>
-              </a:solidFill>
-            </a:endParaRPr>
-          </a:p>
-          <a:p>
-            <a:pPr algn="ctr"/>
-            <a:r>
-              <a:rPr lang="en-US" altLang="zh-CN" dirty="0">
-                <a:solidFill>
-                  <a:srgbClr val="FF0000"/>
-                </a:solidFill>
-              </a:rPr>
-              <a:t>step3</a:t>
-            </a:r>
-            <a:endParaRPr lang="zh-CN" altLang="en-US" dirty="0">
-              <a:solidFill>
-                <a:srgbClr val="FF0000"/>
-              </a:solidFill>
-            </a:endParaRPr>
-          </a:p>
-        </p:txBody>
-      </p:sp>
-    </p:spTree>
-    <p:extLst>
-      <p:ext uri="{BB962C8B-B14F-4D97-AF65-F5344CB8AC3E}">
-        <p14:creationId xmlns:p14="http://schemas.microsoft.com/office/powerpoint/2010/main" val="2868735601"/>
-      </p:ext>
-    </p:extLst>
-  </p:cSld>
-  <p:clrMapOvr>
-    <a:masterClrMapping/>
-  </p:clrMapOvr>
-</p:sld>
-</file>
-
-<file path=ppt/slides/slide8.xml><?xml version="1.0" encoding="utf-8"?>
-<p:sld xmlns:a="http://schemas.openxmlformats.org/drawingml/2006/main" xmlns:r="http://schemas.openxmlformats.org/officeDocument/2006/relationships" xmlns:p="http://schemas.openxmlformats.org/presentationml/2006/main">
-  <p:cSld>
-    <p:spTree>
-      <p:nvGrpSpPr>
-        <p:cNvPr id="1" name=""/>
-        <p:cNvGrpSpPr/>
-        <p:nvPr/>
-      </p:nvGrpSpPr>
-      <p:grpSpPr>
-        <a:xfrm>
-          <a:off x="0" y="0"/>
-          <a:ext cx="0" cy="0"/>
-          <a:chOff x="0" y="0"/>
-          <a:chExt cx="0" cy="0"/>
-        </a:xfrm>
-      </p:grpSpPr>
-      <p:sp>
-        <p:nvSpPr>
-          <p:cNvPr id="2" name="标题 1">
-            <a:extLst>
-              <a:ext uri="{FF2B5EF4-FFF2-40B4-BE49-F238E27FC236}">
-                <a16:creationId xmlns:a16="http://schemas.microsoft.com/office/drawing/2014/main" id="{9325BD90-4093-418F-B013-ED4B8556C888}"/>
-              </a:ext>
-            </a:extLst>
-          </p:cNvPr>
-          <p:cNvSpPr>
-            <a:spLocks noGrp="1"/>
-          </p:cNvSpPr>
-          <p:nvPr>
-            <p:ph type="title"/>
-          </p:nvPr>
-        </p:nvSpPr>
-        <p:spPr/>
-        <p:txBody>
-          <a:bodyPr/>
-          <a:lstStyle/>
-          <a:p>
-            <a:r>
-              <a:rPr lang="en-US" altLang="zh-CN" dirty="0" err="1"/>
-              <a:t>SchNet</a:t>
-            </a:r>
-            <a:endParaRPr lang="zh-CN" altLang="en-US" dirty="0"/>
-          </a:p>
-        </p:txBody>
-      </p:sp>
-      <p:pic>
-        <p:nvPicPr>
-          <p:cNvPr id="11" name="内容占位符 10">
-            <a:extLst>
-              <a:ext uri="{FF2B5EF4-FFF2-40B4-BE49-F238E27FC236}">
-                <a16:creationId xmlns:a16="http://schemas.microsoft.com/office/drawing/2014/main" id="{5935B4DA-A521-40EE-B98E-A867F6B68C8C}"/>
-              </a:ext>
-            </a:extLst>
-          </p:cNvPr>
-          <p:cNvPicPr>
-            <a:picLocks noGrp="1" noChangeAspect="1"/>
-          </p:cNvPicPr>
-          <p:nvPr>
-            <p:ph idx="1"/>
-          </p:nvPr>
-        </p:nvPicPr>
-        <p:blipFill>
-          <a:blip r:embed="rId2"/>
-          <a:stretch>
-            <a:fillRect/>
-          </a:stretch>
-        </p:blipFill>
-        <p:spPr>
-          <a:xfrm>
-            <a:off x="821605" y="1666598"/>
-            <a:ext cx="7500790" cy="5191402"/>
-          </a:xfrm>
-        </p:spPr>
-      </p:pic>
-    </p:spTree>
-    <p:extLst>
-      <p:ext uri="{BB962C8B-B14F-4D97-AF65-F5344CB8AC3E}">
-        <p14:creationId xmlns:p14="http://schemas.microsoft.com/office/powerpoint/2010/main" val="535198130"/>
-      </p:ext>
-    </p:extLst>
-  </p:cSld>
-  <p:clrMapOvr>
-    <a:masterClrMapping/>
-  </p:clrMapOvr>
-</p:sld>
-</file>
-
-<file path=ppt/slides/slide9.xml><?xml version="1.0" encoding="utf-8"?>
-<p:sld xmlns:a="http://schemas.openxmlformats.org/drawingml/2006/main" xmlns:r="http://schemas.openxmlformats.org/officeDocument/2006/relationships" xmlns:p="http://schemas.openxmlformats.org/presentationml/2006/main">
-  <p:cSld>
-    <p:spTree>
-      <p:nvGrpSpPr>
-        <p:cNvPr id="1" name=""/>
-        <p:cNvGrpSpPr/>
-        <p:nvPr/>
-      </p:nvGrpSpPr>
-      <p:grpSpPr>
-        <a:xfrm>
-          <a:off x="0" y="0"/>
-          <a:ext cx="0" cy="0"/>
-          <a:chOff x="0" y="0"/>
-          <a:chExt cx="0" cy="0"/>
-        </a:xfrm>
-      </p:grpSpPr>
-      <p:sp>
-        <p:nvSpPr>
-          <p:cNvPr id="2" name="标题 1">
-            <a:extLst>
-              <a:ext uri="{FF2B5EF4-FFF2-40B4-BE49-F238E27FC236}">
-                <a16:creationId xmlns:a16="http://schemas.microsoft.com/office/drawing/2014/main" id="{18A338EC-1FD6-40CB-9C5A-6F0A20C3B59F}"/>
-              </a:ext>
-            </a:extLst>
-          </p:cNvPr>
-          <p:cNvSpPr>
-            <a:spLocks noGrp="1"/>
-          </p:cNvSpPr>
-          <p:nvPr>
-            <p:ph type="title"/>
-          </p:nvPr>
-        </p:nvSpPr>
-        <p:spPr/>
-        <p:txBody>
-          <a:bodyPr/>
-          <a:lstStyle/>
-          <a:p>
-            <a:r>
-              <a:rPr lang="en-US" altLang="zh-CN" dirty="0" err="1"/>
-              <a:t>SchNet</a:t>
-            </a:r>
-            <a:br>
-              <a:rPr lang="en-US" altLang="zh-CN" dirty="0"/>
-            </a:br>
-            <a:r>
-              <a:rPr lang="en-US" altLang="zh-CN" dirty="0">
-                <a:solidFill>
-                  <a:schemeClr val="accent2"/>
-                </a:solidFill>
-              </a:rPr>
-              <a:t>Filter-generating networks</a:t>
-            </a:r>
-            <a:endParaRPr lang="zh-CN" altLang="en-US" dirty="0">
-              <a:solidFill>
-                <a:schemeClr val="accent2"/>
-              </a:solidFill>
-            </a:endParaRPr>
-          </a:p>
-        </p:txBody>
-      </p:sp>
-      <p:pic>
-        <p:nvPicPr>
-          <p:cNvPr id="5" name="内容占位符 4">
-            <a:extLst>
-              <a:ext uri="{FF2B5EF4-FFF2-40B4-BE49-F238E27FC236}">
-                <a16:creationId xmlns:a16="http://schemas.microsoft.com/office/drawing/2014/main" id="{7551930F-0293-4CEE-B1EA-841B40D768B7}"/>
-              </a:ext>
-            </a:extLst>
-          </p:cNvPr>
-          <p:cNvPicPr>
-            <a:picLocks noGrp="1" noChangeAspect="1"/>
-          </p:cNvPicPr>
-          <p:nvPr>
-            <p:ph idx="1"/>
-          </p:nvPr>
-        </p:nvPicPr>
-        <p:blipFill>
-          <a:blip r:embed="rId2"/>
-          <a:stretch>
-            <a:fillRect/>
-          </a:stretch>
-        </p:blipFill>
-        <p:spPr>
-          <a:xfrm>
-            <a:off x="119765" y="1850646"/>
-            <a:ext cx="8904469" cy="4898946"/>
-          </a:xfrm>
-        </p:spPr>
-      </p:pic>
-      <p:sp>
-        <p:nvSpPr>
-          <p:cNvPr id="6" name="矩形: 圆角 5">
-            <a:extLst>
-              <a:ext uri="{FF2B5EF4-FFF2-40B4-BE49-F238E27FC236}">
-                <a16:creationId xmlns:a16="http://schemas.microsoft.com/office/drawing/2014/main" id="{ED405842-4004-45CA-AF1B-527BE3DFBFED}"/>
-              </a:ext>
-            </a:extLst>
-          </p:cNvPr>
-          <p:cNvSpPr/>
-          <p:nvPr/>
-        </p:nvSpPr>
-        <p:spPr>
-          <a:xfrm>
-            <a:off x="3685880" y="2931736"/>
-            <a:ext cx="1772240" cy="584462"/>
-          </a:xfrm>
-          <a:prstGeom prst="roundRect">
-            <a:avLst/>
-          </a:prstGeom>
-          <a:noFill/>
-          <a:ln w="28575">
-            <a:solidFill>
-              <a:srgbClr val="FF0000"/>
-            </a:solidFill>
-          </a:ln>
-        </p:spPr>
-        <p:style>
-          <a:lnRef idx="2">
-            <a:schemeClr val="accent6"/>
-          </a:lnRef>
-          <a:fillRef idx="1">
-            <a:schemeClr val="lt1"/>
-          </a:fillRef>
-          <a:effectRef idx="0">
-            <a:schemeClr val="accent6"/>
-          </a:effectRef>
-          <a:fontRef idx="minor">
-            <a:schemeClr val="dk1"/>
-          </a:fontRef>
-        </p:style>
-        <p:txBody>
-          <a:bodyPr rtlCol="0" anchor="ctr"/>
-          <a:lstStyle/>
-          <a:p>
-            <a:pPr algn="ctr"/>
-            <a:endParaRPr lang="zh-CN" altLang="en-US"/>
-          </a:p>
-        </p:txBody>
-      </p:sp>
-      <p:sp>
-        <p:nvSpPr>
-          <p:cNvPr id="7" name="矩形: 圆角 6">
-            <a:extLst>
-              <a:ext uri="{FF2B5EF4-FFF2-40B4-BE49-F238E27FC236}">
-                <a16:creationId xmlns:a16="http://schemas.microsoft.com/office/drawing/2014/main" id="{B018452F-96B4-42B3-BFE4-A2CA96F3C3A9}"/>
-              </a:ext>
-            </a:extLst>
-          </p:cNvPr>
-          <p:cNvSpPr/>
-          <p:nvPr/>
-        </p:nvSpPr>
-        <p:spPr>
-          <a:xfrm>
-            <a:off x="1585274" y="4294693"/>
-            <a:ext cx="4702404" cy="1025951"/>
-          </a:xfrm>
-          <a:prstGeom prst="roundRect">
-            <a:avLst/>
-          </a:prstGeom>
-          <a:noFill/>
-          <a:ln w="28575">
-            <a:solidFill>
-              <a:srgbClr val="FF0000"/>
-            </a:solidFill>
-          </a:ln>
-        </p:spPr>
-        <p:style>
-          <a:lnRef idx="2">
-            <a:schemeClr val="accent6"/>
-          </a:lnRef>
-          <a:fillRef idx="1">
-            <a:schemeClr val="lt1"/>
-          </a:fillRef>
-          <a:effectRef idx="0">
-            <a:schemeClr val="accent6"/>
-          </a:effectRef>
-          <a:fontRef idx="minor">
-            <a:schemeClr val="dk1"/>
-          </a:fontRef>
-        </p:style>
-        <p:txBody>
-          <a:bodyPr rtlCol="0" anchor="ctr"/>
-          <a:lstStyle/>
-          <a:p>
-            <a:pPr algn="ctr"/>
-            <a:endParaRPr lang="zh-CN" altLang="en-US"/>
-          </a:p>
-        </p:txBody>
-      </p:sp>
-      <p:sp>
-        <p:nvSpPr>
-          <p:cNvPr id="9" name="文本框 8">
-            <a:extLst>
-              <a:ext uri="{FF2B5EF4-FFF2-40B4-BE49-F238E27FC236}">
-                <a16:creationId xmlns:a16="http://schemas.microsoft.com/office/drawing/2014/main" id="{3D6E928C-B418-48AF-B5F0-8E2957936F9F}"/>
-              </a:ext>
-            </a:extLst>
-          </p:cNvPr>
-          <p:cNvSpPr txBox="1"/>
-          <p:nvPr/>
-        </p:nvSpPr>
-        <p:spPr>
-          <a:xfrm>
-            <a:off x="6579909" y="365126"/>
-            <a:ext cx="2444325" cy="646331"/>
-          </a:xfrm>
-          <a:prstGeom prst="rect">
-            <a:avLst/>
-          </a:prstGeom>
-          <a:noFill/>
-        </p:spPr>
-        <p:txBody>
-          <a:bodyPr wrap="square" rtlCol="0">
-            <a:spAutoFit/>
-          </a:bodyPr>
-          <a:lstStyle/>
-          <a:p>
-            <a:r>
-              <a:rPr lang="en-US" altLang="zh-CN" dirty="0">
-                <a:solidFill>
-                  <a:srgbClr val="FF0000"/>
-                </a:solidFill>
-              </a:rPr>
-              <a:t>Continuous filter</a:t>
-            </a:r>
-            <a:r>
-              <a:rPr lang="zh-CN" altLang="en-US" dirty="0">
-                <a:solidFill>
-                  <a:srgbClr val="FF0000"/>
-                </a:solidFill>
-              </a:rPr>
-              <a:t>：如何处理任意位置的原子？</a:t>
-            </a:r>
-          </a:p>
-        </p:txBody>
-      </p:sp>
-      <p:sp>
-        <p:nvSpPr>
-          <p:cNvPr id="10" name="文本框 9">
-            <a:extLst>
-              <a:ext uri="{FF2B5EF4-FFF2-40B4-BE49-F238E27FC236}">
-                <a16:creationId xmlns:a16="http://schemas.microsoft.com/office/drawing/2014/main" id="{BF3B6152-9F4F-4761-BA73-F237010FD21E}"/>
-              </a:ext>
-            </a:extLst>
-          </p:cNvPr>
-          <p:cNvSpPr txBox="1"/>
-          <p:nvPr/>
-        </p:nvSpPr>
-        <p:spPr>
-          <a:xfrm>
-            <a:off x="5525678" y="2747070"/>
-            <a:ext cx="2826471" cy="369332"/>
-          </a:xfrm>
-          <a:prstGeom prst="rect">
-            <a:avLst/>
-          </a:prstGeom>
-          <a:noFill/>
-        </p:spPr>
-        <p:txBody>
-          <a:bodyPr wrap="square" rtlCol="0">
-            <a:spAutoFit/>
-          </a:bodyPr>
-          <a:lstStyle/>
-          <a:p>
-            <a:r>
-              <a:rPr lang="en-US" altLang="zh-CN" dirty="0">
-                <a:solidFill>
-                  <a:srgbClr val="FF0000"/>
-                </a:solidFill>
-              </a:rPr>
-              <a:t>1</a:t>
-            </a:r>
-            <a:r>
-              <a:rPr lang="zh-CN" altLang="en-US" dirty="0">
-                <a:solidFill>
-                  <a:srgbClr val="FF0000"/>
-                </a:solidFill>
-              </a:rPr>
-              <a:t>：计算两两原子间的距离</a:t>
-            </a:r>
-          </a:p>
-        </p:txBody>
-      </p:sp>
-      <p:sp>
-        <p:nvSpPr>
-          <p:cNvPr id="11" name="文本框 10">
-            <a:extLst>
-              <a:ext uri="{FF2B5EF4-FFF2-40B4-BE49-F238E27FC236}">
-                <a16:creationId xmlns:a16="http://schemas.microsoft.com/office/drawing/2014/main" id="{839E0DEB-A489-4B1F-B075-DF5345369A87}"/>
-              </a:ext>
-            </a:extLst>
-          </p:cNvPr>
-          <p:cNvSpPr txBox="1"/>
-          <p:nvPr/>
-        </p:nvSpPr>
-        <p:spPr>
-          <a:xfrm>
-            <a:off x="6242721" y="4451002"/>
-            <a:ext cx="2826471" cy="369332"/>
-          </a:xfrm>
-          <a:prstGeom prst="rect">
-            <a:avLst/>
-          </a:prstGeom>
-          <a:noFill/>
-        </p:spPr>
-        <p:txBody>
-          <a:bodyPr wrap="square" rtlCol="0">
-            <a:spAutoFit/>
-          </a:bodyPr>
-          <a:lstStyle/>
-          <a:p>
-            <a:r>
-              <a:rPr lang="en-US" altLang="zh-CN" dirty="0">
-                <a:solidFill>
-                  <a:srgbClr val="FF0000"/>
-                </a:solidFill>
-              </a:rPr>
-              <a:t>2</a:t>
-            </a:r>
-            <a:r>
-              <a:rPr lang="zh-CN" altLang="en-US" dirty="0">
-                <a:solidFill>
-                  <a:srgbClr val="FF0000"/>
-                </a:solidFill>
-              </a:rPr>
-              <a:t>：</a:t>
-            </a:r>
-            <a:r>
-              <a:rPr lang="en-US" altLang="zh-CN" dirty="0">
-                <a:solidFill>
-                  <a:srgbClr val="FF0000"/>
-                </a:solidFill>
-              </a:rPr>
-              <a:t>300</a:t>
-            </a:r>
-            <a:r>
-              <a:rPr lang="zh-CN" altLang="en-US" dirty="0">
-                <a:solidFill>
-                  <a:srgbClr val="FF0000"/>
-                </a:solidFill>
-              </a:rPr>
-              <a:t>个高斯</a:t>
-            </a:r>
-            <a:r>
-              <a:rPr lang="en-US" altLang="zh-CN" dirty="0">
-                <a:solidFill>
-                  <a:srgbClr val="FF0000"/>
-                </a:solidFill>
-              </a:rPr>
-              <a:t>RBF</a:t>
-            </a:r>
-            <a:r>
-              <a:rPr lang="zh-CN" altLang="en-US" dirty="0">
-                <a:solidFill>
-                  <a:srgbClr val="FF0000"/>
-                </a:solidFill>
-              </a:rPr>
-              <a:t>核采样</a:t>
-            </a:r>
-          </a:p>
-        </p:txBody>
-      </p:sp>
-      <p:sp>
-        <p:nvSpPr>
-          <p:cNvPr id="12" name="文本框 11">
-            <a:extLst>
-              <a:ext uri="{FF2B5EF4-FFF2-40B4-BE49-F238E27FC236}">
-                <a16:creationId xmlns:a16="http://schemas.microsoft.com/office/drawing/2014/main" id="{428B89AD-B9BB-461E-9DD3-07E9CE1A8661}"/>
-              </a:ext>
-            </a:extLst>
-          </p:cNvPr>
-          <p:cNvSpPr txBox="1"/>
-          <p:nvPr/>
-        </p:nvSpPr>
-        <p:spPr>
-          <a:xfrm>
-            <a:off x="2564092" y="217611"/>
-            <a:ext cx="3149159" cy="646331"/>
-          </a:xfrm>
-          <a:prstGeom prst="rect">
-            <a:avLst/>
-          </a:prstGeom>
-          <a:noFill/>
-        </p:spPr>
-        <p:txBody>
-          <a:bodyPr wrap="square" rtlCol="0">
-            <a:spAutoFit/>
-          </a:bodyPr>
-          <a:lstStyle/>
-          <a:p>
-            <a:r>
-              <a:rPr lang="en-US" altLang="zh-CN" dirty="0">
-                <a:solidFill>
-                  <a:srgbClr val="FF0000"/>
-                </a:solidFill>
-              </a:rPr>
-              <a:t>3</a:t>
-            </a:r>
-            <a:r>
-              <a:rPr lang="zh-CN" altLang="en-US" dirty="0">
-                <a:solidFill>
-                  <a:srgbClr val="FF0000"/>
-                </a:solidFill>
-              </a:rPr>
-              <a:t>：学得动态</a:t>
-            </a:r>
-            <a:r>
-              <a:rPr lang="en-US" altLang="zh-CN" dirty="0">
-                <a:solidFill>
-                  <a:srgbClr val="FF0000"/>
-                </a:solidFill>
-              </a:rPr>
-              <a:t>Filter</a:t>
-            </a:r>
-          </a:p>
-          <a:p>
-            <a:r>
-              <a:rPr lang="zh-CN" altLang="en-US" dirty="0">
-                <a:solidFill>
-                  <a:srgbClr val="FF0000"/>
-                </a:solidFill>
-              </a:rPr>
-              <a:t>（距离</a:t>
-            </a:r>
-            <a:r>
-              <a:rPr lang="en-US" altLang="zh-CN" dirty="0">
-                <a:solidFill>
-                  <a:srgbClr val="FF0000"/>
-                </a:solidFill>
-              </a:rPr>
-              <a:t>-</a:t>
-            </a:r>
-            <a:r>
-              <a:rPr lang="zh-CN" altLang="en-US" dirty="0">
-                <a:solidFill>
-                  <a:srgbClr val="FF0000"/>
-                </a:solidFill>
-              </a:rPr>
-              <a:t>权重函数，见下页）</a:t>
-            </a:r>
-          </a:p>
-        </p:txBody>
-      </p:sp>
-      <p:sp>
-        <p:nvSpPr>
-          <p:cNvPr id="13" name="椭圆 12">
-            <a:extLst>
-              <a:ext uri="{FF2B5EF4-FFF2-40B4-BE49-F238E27FC236}">
-                <a16:creationId xmlns:a16="http://schemas.microsoft.com/office/drawing/2014/main" id="{B8A4BE6F-098E-425A-B0AC-09887EFEC34D}"/>
-              </a:ext>
-            </a:extLst>
-          </p:cNvPr>
-          <p:cNvSpPr/>
-          <p:nvPr/>
-        </p:nvSpPr>
-        <p:spPr>
-          <a:xfrm>
-            <a:off x="6155703" y="132602"/>
-            <a:ext cx="2988297" cy="1100511"/>
-          </a:xfrm>
-          <a:prstGeom prst="ellipse">
-            <a:avLst/>
-          </a:prstGeom>
-          <a:noFill/>
-          <a:ln w="19050">
-            <a:solidFill>
-              <a:srgbClr val="FF0000"/>
-            </a:solidFill>
-          </a:ln>
-        </p:spPr>
-        <p:style>
-          <a:lnRef idx="2">
-            <a:schemeClr val="accent1">
-              <a:shade val="50000"/>
-            </a:schemeClr>
-          </a:lnRef>
-          <a:fillRef idx="1">
-            <a:schemeClr val="accent1"/>
-          </a:fillRef>
-          <a:effectRef idx="0">
-            <a:schemeClr val="accent1"/>
-          </a:effectRef>
-          <a:fontRef idx="minor">
-            <a:schemeClr val="lt1"/>
-          </a:fontRef>
-        </p:style>
-        <p:txBody>
-          <a:bodyPr rtlCol="0" anchor="ctr"/>
-          <a:lstStyle/>
-          <a:p>
-            <a:pPr algn="ctr"/>
-            <a:endParaRPr lang="zh-CN" altLang="en-US"/>
-          </a:p>
-        </p:txBody>
-      </p:sp>
-      <p:sp>
-        <p:nvSpPr>
-          <p:cNvPr id="14" name="箭头: 右 13">
-            <a:extLst>
-              <a:ext uri="{FF2B5EF4-FFF2-40B4-BE49-F238E27FC236}">
-                <a16:creationId xmlns:a16="http://schemas.microsoft.com/office/drawing/2014/main" id="{CC25F246-3C49-4140-AD0C-5C283A4DC05D}"/>
-              </a:ext>
-            </a:extLst>
-          </p:cNvPr>
-          <p:cNvSpPr/>
-          <p:nvPr/>
-        </p:nvSpPr>
-        <p:spPr>
-          <a:xfrm rot="6345116">
-            <a:off x="6414090" y="1972619"/>
-            <a:ext cx="1490415" cy="206626"/>
-          </a:xfrm>
-          <a:prstGeom prst="rightArrow">
-            <a:avLst/>
-          </a:prstGeom>
-          <a:solidFill>
-            <a:srgbClr val="FF0000">
-              <a:alpha val="51000"/>
-            </a:srgbClr>
-          </a:solidFill>
-          <a:ln>
-            <a:solidFill>
-              <a:srgbClr val="FF0000"/>
-            </a:solidFill>
-          </a:ln>
-        </p:spPr>
-        <p:style>
-          <a:lnRef idx="2">
-            <a:schemeClr val="accent1">
-              <a:shade val="50000"/>
-            </a:schemeClr>
-          </a:lnRef>
-          <a:fillRef idx="1">
-            <a:schemeClr val="accent1"/>
-          </a:fillRef>
-          <a:effectRef idx="0">
-            <a:schemeClr val="accent1"/>
-          </a:effectRef>
-          <a:fontRef idx="minor">
-            <a:schemeClr val="lt1"/>
-          </a:fontRef>
-        </p:style>
-        <p:txBody>
-          <a:bodyPr rtlCol="0" anchor="ctr"/>
-          <a:lstStyle/>
-          <a:p>
-            <a:pPr algn="ctr"/>
-            <a:endParaRPr lang="zh-CN" altLang="en-US" dirty="0"/>
-          </a:p>
-        </p:txBody>
-      </p:sp>
-      <p:sp>
-        <p:nvSpPr>
-          <p:cNvPr id="15" name="箭头: 右 14">
-            <a:extLst>
-              <a:ext uri="{FF2B5EF4-FFF2-40B4-BE49-F238E27FC236}">
-                <a16:creationId xmlns:a16="http://schemas.microsoft.com/office/drawing/2014/main" id="{2D522695-AA59-44B7-8BE0-CF60FAD2186C}"/>
-              </a:ext>
-            </a:extLst>
-          </p:cNvPr>
-          <p:cNvSpPr/>
-          <p:nvPr/>
-        </p:nvSpPr>
-        <p:spPr>
-          <a:xfrm rot="5400000">
-            <a:off x="6932292" y="2729487"/>
-            <a:ext cx="3259602" cy="183427"/>
-          </a:xfrm>
-          <a:prstGeom prst="rightArrow">
-            <a:avLst/>
-          </a:prstGeom>
-          <a:solidFill>
-            <a:srgbClr val="FF0000">
-              <a:alpha val="51000"/>
-            </a:srgbClr>
-          </a:solidFill>
-          <a:ln>
-            <a:solidFill>
-              <a:srgbClr val="FF0000"/>
-            </a:solidFill>
-          </a:ln>
-        </p:spPr>
-        <p:style>
-          <a:lnRef idx="2">
-            <a:schemeClr val="accent1">
-              <a:shade val="50000"/>
-            </a:schemeClr>
-          </a:lnRef>
-          <a:fillRef idx="1">
-            <a:schemeClr val="accent1"/>
-          </a:fillRef>
-          <a:effectRef idx="0">
-            <a:schemeClr val="accent1"/>
-          </a:effectRef>
-          <a:fontRef idx="minor">
-            <a:schemeClr val="lt1"/>
-          </a:fontRef>
-        </p:style>
-        <p:txBody>
-          <a:bodyPr rtlCol="0" anchor="ctr"/>
-          <a:lstStyle/>
-          <a:p>
-            <a:pPr algn="ctr"/>
-            <a:endParaRPr lang="zh-CN" altLang="en-US" dirty="0"/>
-          </a:p>
-        </p:txBody>
-      </p:sp>
-      <p:sp>
-        <p:nvSpPr>
-          <p:cNvPr id="16" name="箭头: 右 15">
-            <a:extLst>
-              <a:ext uri="{FF2B5EF4-FFF2-40B4-BE49-F238E27FC236}">
-                <a16:creationId xmlns:a16="http://schemas.microsoft.com/office/drawing/2014/main" id="{45ED4776-E187-4585-A5D6-F0A8DDEF08CD}"/>
-              </a:ext>
-            </a:extLst>
-          </p:cNvPr>
-          <p:cNvSpPr/>
-          <p:nvPr/>
-        </p:nvSpPr>
-        <p:spPr>
-          <a:xfrm rot="10800000" flipV="1">
-            <a:off x="5392739" y="513382"/>
-            <a:ext cx="697747" cy="230482"/>
-          </a:xfrm>
-          <a:prstGeom prst="rightArrow">
-            <a:avLst/>
-          </a:prstGeom>
-          <a:solidFill>
-            <a:srgbClr val="FF0000">
-              <a:alpha val="51000"/>
-            </a:srgbClr>
-          </a:solidFill>
-          <a:ln>
-            <a:solidFill>
-              <a:srgbClr val="FF0000"/>
-            </a:solidFill>
-          </a:ln>
-        </p:spPr>
-        <p:style>
-          <a:lnRef idx="2">
-            <a:schemeClr val="accent1">
-              <a:shade val="50000"/>
-            </a:schemeClr>
-          </a:lnRef>
-          <a:fillRef idx="1">
-            <a:schemeClr val="accent1"/>
-          </a:fillRef>
-          <a:effectRef idx="0">
-            <a:schemeClr val="accent1"/>
-          </a:effectRef>
-          <a:fontRef idx="minor">
-            <a:schemeClr val="lt1"/>
-          </a:fontRef>
-        </p:style>
-        <p:txBody>
-          <a:bodyPr rtlCol="0" anchor="ctr"/>
-          <a:lstStyle/>
-          <a:p>
-            <a:pPr algn="ctr"/>
-            <a:endParaRPr lang="zh-CN" altLang="en-US" dirty="0"/>
-          </a:p>
-        </p:txBody>
-      </p:sp>
-    </p:spTree>
-    <p:extLst>
-      <p:ext uri="{BB962C8B-B14F-4D97-AF65-F5344CB8AC3E}">
-        <p14:creationId xmlns:p14="http://schemas.microsoft.com/office/powerpoint/2010/main" val="384430742"/>
       </p:ext>
     </p:extLst>
   </p:cSld>
